--- a/supporting info/MetCValues.pptx
+++ b/supporting info/MetCValues.pptx
@@ -6,7 +6,9 @@
   </p:sldMasterIdLst>
   <p:sldIdLst>
     <p:sldId id="257" r:id="rId2"/>
-    <p:sldId id="256" r:id="rId3"/>
+    <p:sldId id="258" r:id="rId3"/>
+    <p:sldId id="259" r:id="rId4"/>
+    <p:sldId id="256" r:id="rId5"/>
   </p:sldIdLst>
   <p:sldSz cx="12192000" cy="6858000"/>
   <p:notesSz cx="6858000" cy="9144000"/>
@@ -4524,7 +4526,7 @@
         </p:nvSpPr>
         <p:spPr>
           <a:xfrm>
-            <a:off x="6713026" y="3482028"/>
+            <a:off x="6582618" y="3337333"/>
             <a:ext cx="1067921" cy="523220"/>
           </a:xfrm>
           <a:prstGeom prst="rect">
@@ -4563,7 +4565,7 @@
         </p:nvSpPr>
         <p:spPr>
           <a:xfrm>
-            <a:off x="9619224" y="3539473"/>
+            <a:off x="9736044" y="3395428"/>
             <a:ext cx="1802423" cy="523220"/>
           </a:xfrm>
           <a:prstGeom prst="rect">
@@ -4641,8 +4643,8 @@
         </p:nvSpPr>
         <p:spPr>
           <a:xfrm>
-            <a:off x="9163373" y="3982269"/>
-            <a:ext cx="2178315" cy="646331"/>
+            <a:off x="8888966" y="3802051"/>
+            <a:ext cx="2375094" cy="646331"/>
           </a:xfrm>
           <a:prstGeom prst="rect">
             <a:avLst/>
@@ -4661,7 +4663,17 @@
                 <a:latin typeface="Helvetica Neue UltraLight" panose="02000206000000020004" pitchFamily="2" charset="0"/>
                 <a:ea typeface="Helvetica Neue UltraLight" panose="02000206000000020004" pitchFamily="2" charset="0"/>
               </a:rPr>
-              <a:t>in the face of change and uncertainty</a:t>
+              <a:t>	in the face of </a:t>
+            </a:r>
+          </a:p>
+          <a:p>
+            <a:pPr algn="ctr"/>
+            <a:r>
+              <a:rPr lang="en-US" dirty="0">
+                <a:latin typeface="Helvetica Neue UltraLight" panose="02000206000000020004" pitchFamily="2" charset="0"/>
+                <a:ea typeface="Helvetica Neue UltraLight" panose="02000206000000020004" pitchFamily="2" charset="0"/>
+              </a:rPr>
+              <a:t>change and uncertainty</a:t>
             </a:r>
           </a:p>
         </p:txBody>
@@ -4680,8 +4692,8 @@
         </p:nvSpPr>
         <p:spPr>
           <a:xfrm>
-            <a:off x="6310839" y="3982270"/>
-            <a:ext cx="2235508" cy="646331"/>
+            <a:off x="5965760" y="3844498"/>
+            <a:ext cx="2470915" cy="646331"/>
           </a:xfrm>
           <a:prstGeom prst="rect">
             <a:avLst/>
@@ -4700,7 +4712,17 @@
                 <a:latin typeface="Helvetica Neue UltraLight" panose="02000206000000020004" pitchFamily="2" charset="0"/>
                 <a:ea typeface="Helvetica Neue UltraLight" panose="02000206000000020004" pitchFamily="2" charset="0"/>
               </a:rPr>
-              <a:t>and shared prosperity throughout the region</a:t>
+              <a:t>and shared prosperity</a:t>
+            </a:r>
+          </a:p>
+          <a:p>
+            <a:pPr algn="ctr"/>
+            <a:r>
+              <a:rPr lang="en-US" dirty="0">
+                <a:latin typeface="Helvetica Neue UltraLight" panose="02000206000000020004" pitchFamily="2" charset="0"/>
+                <a:ea typeface="Helvetica Neue UltraLight" panose="02000206000000020004" pitchFamily="2" charset="0"/>
+              </a:rPr>
+              <a:t>     throughout our region</a:t>
             </a:r>
           </a:p>
         </p:txBody>
@@ -4719,7 +4741,7 @@
         </p:nvSpPr>
         <p:spPr>
           <a:xfrm>
-            <a:off x="7660814" y="1412107"/>
+            <a:off x="7515698" y="1411700"/>
             <a:ext cx="2456305" cy="646331"/>
           </a:xfrm>
           <a:prstGeom prst="rect">
@@ -4929,6 +4951,1555 @@
 </file>
 
 <file path=ppt/slides/slide2.xml><?xml version="1.0" encoding="utf-8"?>
+<p:sld xmlns:a="http://schemas.openxmlformats.org/drawingml/2006/main" xmlns:r="http://schemas.openxmlformats.org/officeDocument/2006/relationships" xmlns:p="http://schemas.openxmlformats.org/presentationml/2006/main">
+  <p:cSld>
+    <p:spTree>
+      <p:nvGrpSpPr>
+        <p:cNvPr id="1" name=""/>
+        <p:cNvGrpSpPr/>
+        <p:nvPr/>
+      </p:nvGrpSpPr>
+      <p:grpSpPr>
+        <a:xfrm>
+          <a:off x="0" y="0"/>
+          <a:ext cx="0" cy="0"/>
+          <a:chOff x="0" y="0"/>
+          <a:chExt cx="0" cy="0"/>
+        </a:xfrm>
+      </p:grpSpPr>
+      <p:sp>
+        <p:nvSpPr>
+          <p:cNvPr id="42" name="Oval 41">
+            <a:extLst>
+              <a:ext uri="{FF2B5EF4-FFF2-40B4-BE49-F238E27FC236}">
+                <a16:creationId xmlns:a16="http://schemas.microsoft.com/office/drawing/2014/main" id="{025C9E51-3159-CC41-B65E-B340371708C5}"/>
+              </a:ext>
+            </a:extLst>
+          </p:cNvPr>
+          <p:cNvSpPr/>
+          <p:nvPr/>
+        </p:nvSpPr>
+        <p:spPr>
+          <a:xfrm>
+            <a:off x="130240" y="2164359"/>
+            <a:ext cx="2693461" cy="2369419"/>
+          </a:xfrm>
+          <a:prstGeom prst="ellipse">
+            <a:avLst/>
+          </a:prstGeom>
+          <a:solidFill>
+            <a:schemeClr val="accent5">
+              <a:lumMod val="20000"/>
+              <a:lumOff val="80000"/>
+            </a:schemeClr>
+          </a:solidFill>
+          <a:ln w="38100">
+            <a:solidFill>
+              <a:schemeClr val="tx1"/>
+            </a:solidFill>
+            <a:extLst>
+              <a:ext uri="{C807C97D-BFC1-408E-A445-0C87EB9F89A2}">
+                <ask:lineSketchStyleProps xmlns:ask="http://schemas.microsoft.com/office/drawing/2018/sketchyshapes" sd="2650216993">
+                  <a:custGeom>
+                    <a:avLst/>
+                    <a:gdLst>
+                      <a:gd name="connsiteX0" fmla="*/ 0 w 2785241"/>
+                      <a:gd name="connsiteY0" fmla="*/ 1392621 h 2785241"/>
+                      <a:gd name="connsiteX1" fmla="*/ 1392621 w 2785241"/>
+                      <a:gd name="connsiteY1" fmla="*/ 0 h 2785241"/>
+                      <a:gd name="connsiteX2" fmla="*/ 2785242 w 2785241"/>
+                      <a:gd name="connsiteY2" fmla="*/ 1392621 h 2785241"/>
+                      <a:gd name="connsiteX3" fmla="*/ 1392621 w 2785241"/>
+                      <a:gd name="connsiteY3" fmla="*/ 2785242 h 2785241"/>
+                      <a:gd name="connsiteX4" fmla="*/ 0 w 2785241"/>
+                      <a:gd name="connsiteY4" fmla="*/ 1392621 h 2785241"/>
+                    </a:gdLst>
+                    <a:ahLst/>
+                    <a:cxnLst>
+                      <a:cxn ang="0">
+                        <a:pos x="connsiteX0" y="connsiteY0"/>
+                      </a:cxn>
+                      <a:cxn ang="0">
+                        <a:pos x="connsiteX1" y="connsiteY1"/>
+                      </a:cxn>
+                      <a:cxn ang="0">
+                        <a:pos x="connsiteX2" y="connsiteY2"/>
+                      </a:cxn>
+                      <a:cxn ang="0">
+                        <a:pos x="connsiteX3" y="connsiteY3"/>
+                      </a:cxn>
+                      <a:cxn ang="0">
+                        <a:pos x="connsiteX4" y="connsiteY4"/>
+                      </a:cxn>
+                    </a:cxnLst>
+                    <a:rect l="l" t="t" r="r" b="b"/>
+                    <a:pathLst>
+                      <a:path w="2785241" h="2785241" extrusionOk="0">
+                        <a:moveTo>
+                          <a:pt x="0" y="1392621"/>
+                        </a:moveTo>
+                        <a:cubicBezTo>
+                          <a:pt x="-146960" y="629784"/>
+                          <a:pt x="745286" y="119738"/>
+                          <a:pt x="1392621" y="0"/>
+                        </a:cubicBezTo>
+                        <a:cubicBezTo>
+                          <a:pt x="2213807" y="106853"/>
+                          <a:pt x="2786906" y="674284"/>
+                          <a:pt x="2785242" y="1392621"/>
+                        </a:cubicBezTo>
+                        <a:cubicBezTo>
+                          <a:pt x="2699250" y="2032008"/>
+                          <a:pt x="2251663" y="2893961"/>
+                          <a:pt x="1392621" y="2785242"/>
+                        </a:cubicBezTo>
+                        <a:cubicBezTo>
+                          <a:pt x="674752" y="2594597"/>
+                          <a:pt x="103743" y="2355166"/>
+                          <a:pt x="0" y="1392621"/>
+                        </a:cubicBezTo>
+                        <a:close/>
+                      </a:path>
+                    </a:pathLst>
+                  </a:custGeom>
+                  <ask:type>
+                    <ask:lineSketchNone/>
+                  </ask:type>
+                </ask:lineSketchStyleProps>
+              </a:ext>
+            </a:extLst>
+          </a:ln>
+        </p:spPr>
+        <p:style>
+          <a:lnRef idx="2">
+            <a:schemeClr val="accent1">
+              <a:shade val="50000"/>
+            </a:schemeClr>
+          </a:lnRef>
+          <a:fillRef idx="1">
+            <a:schemeClr val="accent1"/>
+          </a:fillRef>
+          <a:effectRef idx="0">
+            <a:schemeClr val="accent1"/>
+          </a:effectRef>
+          <a:fontRef idx="minor">
+            <a:schemeClr val="lt1"/>
+          </a:fontRef>
+        </p:style>
+        <p:txBody>
+          <a:bodyPr rtlCol="0" anchor="ctr"/>
+          <a:lstStyle/>
+          <a:p>
+            <a:pPr algn="ctr"/>
+            <a:endParaRPr lang="en-US"/>
+          </a:p>
+        </p:txBody>
+      </p:sp>
+      <p:sp>
+        <p:nvSpPr>
+          <p:cNvPr id="43" name="Oval 42">
+            <a:extLst>
+              <a:ext uri="{FF2B5EF4-FFF2-40B4-BE49-F238E27FC236}">
+                <a16:creationId xmlns:a16="http://schemas.microsoft.com/office/drawing/2014/main" id="{98CC81A8-98C6-3046-8C82-9657CF9FB91A}"/>
+              </a:ext>
+            </a:extLst>
+          </p:cNvPr>
+          <p:cNvSpPr/>
+          <p:nvPr/>
+        </p:nvSpPr>
+        <p:spPr>
+          <a:xfrm>
+            <a:off x="2778091" y="2164359"/>
+            <a:ext cx="2693461" cy="2369419"/>
+          </a:xfrm>
+          <a:prstGeom prst="ellipse">
+            <a:avLst/>
+          </a:prstGeom>
+          <a:solidFill>
+            <a:schemeClr val="accent6">
+              <a:lumMod val="20000"/>
+              <a:lumOff val="80000"/>
+            </a:schemeClr>
+          </a:solidFill>
+          <a:ln w="38100">
+            <a:solidFill>
+              <a:schemeClr val="tx1"/>
+            </a:solidFill>
+            <a:extLst>
+              <a:ext uri="{C807C97D-BFC1-408E-A445-0C87EB9F89A2}">
+                <ask:lineSketchStyleProps xmlns:ask="http://schemas.microsoft.com/office/drawing/2018/sketchyshapes" sd="4266498984">
+                  <a:custGeom>
+                    <a:avLst/>
+                    <a:gdLst>
+                      <a:gd name="connsiteX0" fmla="*/ 0 w 2785241"/>
+                      <a:gd name="connsiteY0" fmla="*/ 1392621 h 2785241"/>
+                      <a:gd name="connsiteX1" fmla="*/ 1392621 w 2785241"/>
+                      <a:gd name="connsiteY1" fmla="*/ 0 h 2785241"/>
+                      <a:gd name="connsiteX2" fmla="*/ 2785242 w 2785241"/>
+                      <a:gd name="connsiteY2" fmla="*/ 1392621 h 2785241"/>
+                      <a:gd name="connsiteX3" fmla="*/ 1392621 w 2785241"/>
+                      <a:gd name="connsiteY3" fmla="*/ 2785242 h 2785241"/>
+                      <a:gd name="connsiteX4" fmla="*/ 0 w 2785241"/>
+                      <a:gd name="connsiteY4" fmla="*/ 1392621 h 2785241"/>
+                    </a:gdLst>
+                    <a:ahLst/>
+                    <a:cxnLst>
+                      <a:cxn ang="0">
+                        <a:pos x="connsiteX0" y="connsiteY0"/>
+                      </a:cxn>
+                      <a:cxn ang="0">
+                        <a:pos x="connsiteX1" y="connsiteY1"/>
+                      </a:cxn>
+                      <a:cxn ang="0">
+                        <a:pos x="connsiteX2" y="connsiteY2"/>
+                      </a:cxn>
+                      <a:cxn ang="0">
+                        <a:pos x="connsiteX3" y="connsiteY3"/>
+                      </a:cxn>
+                      <a:cxn ang="0">
+                        <a:pos x="connsiteX4" y="connsiteY4"/>
+                      </a:cxn>
+                    </a:cxnLst>
+                    <a:rect l="l" t="t" r="r" b="b"/>
+                    <a:pathLst>
+                      <a:path w="2785241" h="2785241" extrusionOk="0">
+                        <a:moveTo>
+                          <a:pt x="0" y="1392621"/>
+                        </a:moveTo>
+                        <a:cubicBezTo>
+                          <a:pt x="15392" y="507716"/>
+                          <a:pt x="756844" y="107415"/>
+                          <a:pt x="1392621" y="0"/>
+                        </a:cubicBezTo>
+                        <a:cubicBezTo>
+                          <a:pt x="2049078" y="-42599"/>
+                          <a:pt x="2842858" y="421480"/>
+                          <a:pt x="2785242" y="1392621"/>
+                        </a:cubicBezTo>
+                        <a:cubicBezTo>
+                          <a:pt x="2850895" y="2118349"/>
+                          <a:pt x="2144618" y="2828881"/>
+                          <a:pt x="1392621" y="2785242"/>
+                        </a:cubicBezTo>
+                        <a:cubicBezTo>
+                          <a:pt x="583574" y="2916360"/>
+                          <a:pt x="163944" y="2017545"/>
+                          <a:pt x="0" y="1392621"/>
+                        </a:cubicBezTo>
+                        <a:close/>
+                      </a:path>
+                    </a:pathLst>
+                  </a:custGeom>
+                  <ask:type>
+                    <ask:lineSketchNone/>
+                  </ask:type>
+                </ask:lineSketchStyleProps>
+              </a:ext>
+            </a:extLst>
+          </a:ln>
+        </p:spPr>
+        <p:style>
+          <a:lnRef idx="2">
+            <a:schemeClr val="accent1">
+              <a:shade val="50000"/>
+            </a:schemeClr>
+          </a:lnRef>
+          <a:fillRef idx="1">
+            <a:schemeClr val="accent1"/>
+          </a:fillRef>
+          <a:effectRef idx="0">
+            <a:schemeClr val="accent1"/>
+          </a:effectRef>
+          <a:fontRef idx="minor">
+            <a:schemeClr val="lt1"/>
+          </a:fontRef>
+        </p:style>
+        <p:txBody>
+          <a:bodyPr rtlCol="0" anchor="ctr"/>
+          <a:lstStyle/>
+          <a:p>
+            <a:pPr algn="ctr"/>
+            <a:endParaRPr lang="en-US"/>
+          </a:p>
+        </p:txBody>
+      </p:sp>
+      <p:sp>
+        <p:nvSpPr>
+          <p:cNvPr id="44" name="Oval 43">
+            <a:extLst>
+              <a:ext uri="{FF2B5EF4-FFF2-40B4-BE49-F238E27FC236}">
+                <a16:creationId xmlns:a16="http://schemas.microsoft.com/office/drawing/2014/main" id="{D61F84EA-DE34-374A-B434-1395AF6C0706}"/>
+              </a:ext>
+            </a:extLst>
+          </p:cNvPr>
+          <p:cNvSpPr/>
+          <p:nvPr/>
+        </p:nvSpPr>
+        <p:spPr>
+          <a:xfrm>
+            <a:off x="1476970" y="153354"/>
+            <a:ext cx="2693461" cy="2369419"/>
+          </a:xfrm>
+          <a:prstGeom prst="ellipse">
+            <a:avLst/>
+          </a:prstGeom>
+          <a:solidFill>
+            <a:schemeClr val="accent4">
+              <a:lumMod val="20000"/>
+              <a:lumOff val="80000"/>
+            </a:schemeClr>
+          </a:solidFill>
+          <a:ln w="38100">
+            <a:solidFill>
+              <a:schemeClr val="tx1"/>
+            </a:solidFill>
+            <a:extLst>
+              <a:ext uri="{C807C97D-BFC1-408E-A445-0C87EB9F89A2}">
+                <ask:lineSketchStyleProps xmlns:ask="http://schemas.microsoft.com/office/drawing/2018/sketchyshapes" sd="1219033472">
+                  <a:custGeom>
+                    <a:avLst/>
+                    <a:gdLst>
+                      <a:gd name="connsiteX0" fmla="*/ 0 w 2785241"/>
+                      <a:gd name="connsiteY0" fmla="*/ 1392621 h 2785241"/>
+                      <a:gd name="connsiteX1" fmla="*/ 1392621 w 2785241"/>
+                      <a:gd name="connsiteY1" fmla="*/ 0 h 2785241"/>
+                      <a:gd name="connsiteX2" fmla="*/ 2785242 w 2785241"/>
+                      <a:gd name="connsiteY2" fmla="*/ 1392621 h 2785241"/>
+                      <a:gd name="connsiteX3" fmla="*/ 1392621 w 2785241"/>
+                      <a:gd name="connsiteY3" fmla="*/ 2785242 h 2785241"/>
+                      <a:gd name="connsiteX4" fmla="*/ 0 w 2785241"/>
+                      <a:gd name="connsiteY4" fmla="*/ 1392621 h 2785241"/>
+                    </a:gdLst>
+                    <a:ahLst/>
+                    <a:cxnLst>
+                      <a:cxn ang="0">
+                        <a:pos x="connsiteX0" y="connsiteY0"/>
+                      </a:cxn>
+                      <a:cxn ang="0">
+                        <a:pos x="connsiteX1" y="connsiteY1"/>
+                      </a:cxn>
+                      <a:cxn ang="0">
+                        <a:pos x="connsiteX2" y="connsiteY2"/>
+                      </a:cxn>
+                      <a:cxn ang="0">
+                        <a:pos x="connsiteX3" y="connsiteY3"/>
+                      </a:cxn>
+                      <a:cxn ang="0">
+                        <a:pos x="connsiteX4" y="connsiteY4"/>
+                      </a:cxn>
+                    </a:cxnLst>
+                    <a:rect l="l" t="t" r="r" b="b"/>
+                    <a:pathLst>
+                      <a:path w="2785241" h="2785241" extrusionOk="0">
+                        <a:moveTo>
+                          <a:pt x="0" y="1392621"/>
+                        </a:moveTo>
+                        <a:cubicBezTo>
+                          <a:pt x="-159963" y="524829"/>
+                          <a:pt x="462924" y="60266"/>
+                          <a:pt x="1392621" y="0"/>
+                        </a:cubicBezTo>
+                        <a:cubicBezTo>
+                          <a:pt x="2383256" y="46633"/>
+                          <a:pt x="2674064" y="627033"/>
+                          <a:pt x="2785242" y="1392621"/>
+                        </a:cubicBezTo>
+                        <a:cubicBezTo>
+                          <a:pt x="2653066" y="2290821"/>
+                          <a:pt x="2122196" y="3003838"/>
+                          <a:pt x="1392621" y="2785242"/>
+                        </a:cubicBezTo>
+                        <a:cubicBezTo>
+                          <a:pt x="520716" y="2729007"/>
+                          <a:pt x="136922" y="2227166"/>
+                          <a:pt x="0" y="1392621"/>
+                        </a:cubicBezTo>
+                        <a:close/>
+                      </a:path>
+                    </a:pathLst>
+                  </a:custGeom>
+                  <ask:type>
+                    <ask:lineSketchNone/>
+                  </ask:type>
+                </ask:lineSketchStyleProps>
+              </a:ext>
+            </a:extLst>
+          </a:ln>
+        </p:spPr>
+        <p:style>
+          <a:lnRef idx="2">
+            <a:schemeClr val="accent1">
+              <a:shade val="50000"/>
+            </a:schemeClr>
+          </a:lnRef>
+          <a:fillRef idx="1">
+            <a:schemeClr val="accent1"/>
+          </a:fillRef>
+          <a:effectRef idx="0">
+            <a:schemeClr val="accent1"/>
+          </a:effectRef>
+          <a:fontRef idx="minor">
+            <a:schemeClr val="lt1"/>
+          </a:fontRef>
+        </p:style>
+        <p:txBody>
+          <a:bodyPr rtlCol="0" anchor="ctr"/>
+          <a:lstStyle/>
+          <a:p>
+            <a:pPr algn="ctr"/>
+            <a:endParaRPr lang="en-US"/>
+          </a:p>
+        </p:txBody>
+      </p:sp>
+      <p:sp>
+        <p:nvSpPr>
+          <p:cNvPr id="45" name="TextBox 44">
+            <a:extLst>
+              <a:ext uri="{FF2B5EF4-FFF2-40B4-BE49-F238E27FC236}">
+                <a16:creationId xmlns:a16="http://schemas.microsoft.com/office/drawing/2014/main" id="{1236AC75-21CC-2C48-BF50-588AD619037D}"/>
+              </a:ext>
+            </a:extLst>
+          </p:cNvPr>
+          <p:cNvSpPr txBox="1"/>
+          <p:nvPr/>
+        </p:nvSpPr>
+        <p:spPr>
+          <a:xfrm>
+            <a:off x="616858" y="2843347"/>
+            <a:ext cx="1067921" cy="523220"/>
+          </a:xfrm>
+          <a:prstGeom prst="rect">
+            <a:avLst/>
+          </a:prstGeom>
+          <a:noFill/>
+        </p:spPr>
+        <p:txBody>
+          <a:bodyPr wrap="none" rtlCol="0">
+            <a:spAutoFit/>
+          </a:bodyPr>
+          <a:lstStyle/>
+          <a:p>
+            <a:r>
+              <a:rPr lang="en-US" sz="2800" b="1" dirty="0">
+                <a:latin typeface="Helvetica Neue Condensed" panose="02000503000000020004" pitchFamily="2" charset="0"/>
+                <a:ea typeface="Helvetica Neue Condensed" panose="02000503000000020004" pitchFamily="2" charset="0"/>
+                <a:cs typeface="Helvetica Neue Condensed" panose="02000503000000020004" pitchFamily="2" charset="0"/>
+              </a:rPr>
+              <a:t>Equity</a:t>
+            </a:r>
+          </a:p>
+        </p:txBody>
+      </p:sp>
+      <p:sp>
+        <p:nvSpPr>
+          <p:cNvPr id="46" name="TextBox 45">
+            <a:extLst>
+              <a:ext uri="{FF2B5EF4-FFF2-40B4-BE49-F238E27FC236}">
+                <a16:creationId xmlns:a16="http://schemas.microsoft.com/office/drawing/2014/main" id="{82010687-9228-DF45-B2ED-97427713167A}"/>
+              </a:ext>
+            </a:extLst>
+          </p:cNvPr>
+          <p:cNvSpPr txBox="1"/>
+          <p:nvPr/>
+        </p:nvSpPr>
+        <p:spPr>
+          <a:xfrm>
+            <a:off x="3770284" y="2901442"/>
+            <a:ext cx="1802423" cy="523220"/>
+          </a:xfrm>
+          <a:prstGeom prst="rect">
+            <a:avLst/>
+          </a:prstGeom>
+          <a:noFill/>
+        </p:spPr>
+        <p:txBody>
+          <a:bodyPr wrap="square" rtlCol="0">
+            <a:spAutoFit/>
+          </a:bodyPr>
+          <a:lstStyle/>
+          <a:p>
+            <a:r>
+              <a:rPr lang="en-US" sz="2800" b="1" dirty="0">
+                <a:latin typeface="Helvetica Neue Condensed" panose="02000503000000020004" pitchFamily="2" charset="0"/>
+                <a:ea typeface="Helvetica Neue Condensed" panose="02000503000000020004" pitchFamily="2" charset="0"/>
+                <a:cs typeface="Helvetica Neue Condensed" panose="02000503000000020004" pitchFamily="2" charset="0"/>
+              </a:rPr>
+              <a:t>Resilience</a:t>
+            </a:r>
+          </a:p>
+        </p:txBody>
+      </p:sp>
+      <p:sp>
+        <p:nvSpPr>
+          <p:cNvPr id="47" name="TextBox 46">
+            <a:extLst>
+              <a:ext uri="{FF2B5EF4-FFF2-40B4-BE49-F238E27FC236}">
+                <a16:creationId xmlns:a16="http://schemas.microsoft.com/office/drawing/2014/main" id="{5E5293A6-9E28-3C48-9008-4973156D7EB9}"/>
+              </a:ext>
+            </a:extLst>
+          </p:cNvPr>
+          <p:cNvSpPr txBox="1"/>
+          <p:nvPr/>
+        </p:nvSpPr>
+        <p:spPr>
+          <a:xfrm>
+            <a:off x="1740201" y="515855"/>
+            <a:ext cx="2159566" cy="523220"/>
+          </a:xfrm>
+          <a:prstGeom prst="rect">
+            <a:avLst/>
+          </a:prstGeom>
+          <a:noFill/>
+        </p:spPr>
+        <p:txBody>
+          <a:bodyPr wrap="none" rtlCol="0">
+            <a:spAutoFit/>
+          </a:bodyPr>
+          <a:lstStyle/>
+          <a:p>
+            <a:r>
+              <a:rPr lang="en-US" sz="2800" b="1" dirty="0">
+                <a:latin typeface="Helvetica Neue Condensed" panose="02000503000000020004" pitchFamily="2" charset="0"/>
+                <a:ea typeface="Helvetica Neue Condensed" panose="02000503000000020004" pitchFamily="2" charset="0"/>
+                <a:cs typeface="Helvetica Neue Condensed" panose="02000503000000020004" pitchFamily="2" charset="0"/>
+              </a:rPr>
+              <a:t>Infrastructure</a:t>
+            </a:r>
+          </a:p>
+        </p:txBody>
+      </p:sp>
+      <p:sp>
+        <p:nvSpPr>
+          <p:cNvPr id="48" name="TextBox 47">
+            <a:extLst>
+              <a:ext uri="{FF2B5EF4-FFF2-40B4-BE49-F238E27FC236}">
+                <a16:creationId xmlns:a16="http://schemas.microsoft.com/office/drawing/2014/main" id="{FAD1B3F1-09D6-D24A-8A29-59FE35E29D94}"/>
+              </a:ext>
+            </a:extLst>
+          </p:cNvPr>
+          <p:cNvSpPr txBox="1"/>
+          <p:nvPr/>
+        </p:nvSpPr>
+        <p:spPr>
+          <a:xfrm>
+            <a:off x="2923206" y="3308065"/>
+            <a:ext cx="2375094" cy="646331"/>
+          </a:xfrm>
+          <a:prstGeom prst="rect">
+            <a:avLst/>
+          </a:prstGeom>
+          <a:noFill/>
+        </p:spPr>
+        <p:txBody>
+          <a:bodyPr wrap="square" rtlCol="0">
+            <a:spAutoFit/>
+          </a:bodyPr>
+          <a:lstStyle/>
+          <a:p>
+            <a:pPr algn="ctr"/>
+            <a:r>
+              <a:rPr lang="en-US" dirty="0">
+                <a:latin typeface="Helvetica Neue UltraLight" panose="02000206000000020004" pitchFamily="2" charset="0"/>
+                <a:ea typeface="Helvetica Neue UltraLight" panose="02000206000000020004" pitchFamily="2" charset="0"/>
+              </a:rPr>
+              <a:t>	in the face of </a:t>
+            </a:r>
+          </a:p>
+          <a:p>
+            <a:pPr algn="ctr"/>
+            <a:r>
+              <a:rPr lang="en-US" dirty="0">
+                <a:latin typeface="Helvetica Neue UltraLight" panose="02000206000000020004" pitchFamily="2" charset="0"/>
+                <a:ea typeface="Helvetica Neue UltraLight" panose="02000206000000020004" pitchFamily="2" charset="0"/>
+              </a:rPr>
+              <a:t>change and uncertainty</a:t>
+            </a:r>
+          </a:p>
+        </p:txBody>
+      </p:sp>
+      <p:sp>
+        <p:nvSpPr>
+          <p:cNvPr id="49" name="TextBox 48">
+            <a:extLst>
+              <a:ext uri="{FF2B5EF4-FFF2-40B4-BE49-F238E27FC236}">
+                <a16:creationId xmlns:a16="http://schemas.microsoft.com/office/drawing/2014/main" id="{8C948D21-7868-6A44-93FF-55126333244E}"/>
+              </a:ext>
+            </a:extLst>
+          </p:cNvPr>
+          <p:cNvSpPr txBox="1"/>
+          <p:nvPr/>
+        </p:nvSpPr>
+        <p:spPr>
+          <a:xfrm>
+            <a:off x="0" y="3350512"/>
+            <a:ext cx="2470915" cy="646331"/>
+          </a:xfrm>
+          <a:prstGeom prst="rect">
+            <a:avLst/>
+          </a:prstGeom>
+          <a:noFill/>
+        </p:spPr>
+        <p:txBody>
+          <a:bodyPr wrap="square" rtlCol="0">
+            <a:spAutoFit/>
+          </a:bodyPr>
+          <a:lstStyle/>
+          <a:p>
+            <a:pPr algn="ctr"/>
+            <a:r>
+              <a:rPr lang="en-US" dirty="0">
+                <a:latin typeface="Helvetica Neue UltraLight" panose="02000206000000020004" pitchFamily="2" charset="0"/>
+                <a:ea typeface="Helvetica Neue UltraLight" panose="02000206000000020004" pitchFamily="2" charset="0"/>
+              </a:rPr>
+              <a:t>and shared prosperity</a:t>
+            </a:r>
+          </a:p>
+          <a:p>
+            <a:pPr algn="ctr"/>
+            <a:r>
+              <a:rPr lang="en-US" dirty="0">
+                <a:latin typeface="Helvetica Neue UltraLight" panose="02000206000000020004" pitchFamily="2" charset="0"/>
+                <a:ea typeface="Helvetica Neue UltraLight" panose="02000206000000020004" pitchFamily="2" charset="0"/>
+              </a:rPr>
+              <a:t>     throughout our region</a:t>
+            </a:r>
+          </a:p>
+        </p:txBody>
+      </p:sp>
+      <p:sp>
+        <p:nvSpPr>
+          <p:cNvPr id="50" name="TextBox 49">
+            <a:extLst>
+              <a:ext uri="{FF2B5EF4-FFF2-40B4-BE49-F238E27FC236}">
+                <a16:creationId xmlns:a16="http://schemas.microsoft.com/office/drawing/2014/main" id="{8490DBBD-C8EE-8E47-903B-78F5DC5FDD1B}"/>
+              </a:ext>
+            </a:extLst>
+          </p:cNvPr>
+          <p:cNvSpPr txBox="1"/>
+          <p:nvPr/>
+        </p:nvSpPr>
+        <p:spPr>
+          <a:xfrm>
+            <a:off x="1549938" y="917714"/>
+            <a:ext cx="2456305" cy="646331"/>
+          </a:xfrm>
+          <a:prstGeom prst="rect">
+            <a:avLst/>
+          </a:prstGeom>
+          <a:noFill/>
+        </p:spPr>
+        <p:txBody>
+          <a:bodyPr wrap="square" rtlCol="0">
+            <a:spAutoFit/>
+          </a:bodyPr>
+          <a:lstStyle/>
+          <a:p>
+            <a:pPr algn="ctr"/>
+            <a:r>
+              <a:rPr lang="en-US" dirty="0">
+                <a:latin typeface="Helvetica Neue UltraLight" panose="02000206000000020004" pitchFamily="2" charset="0"/>
+                <a:ea typeface="Helvetica Neue UltraLight" panose="02000206000000020004" pitchFamily="2" charset="0"/>
+              </a:rPr>
+              <a:t>to support current and future success</a:t>
+            </a:r>
+          </a:p>
+        </p:txBody>
+      </p:sp>
+      <p:sp>
+        <p:nvSpPr>
+          <p:cNvPr id="51" name="Oval 50">
+            <a:extLst>
+              <a:ext uri="{FF2B5EF4-FFF2-40B4-BE49-F238E27FC236}">
+                <a16:creationId xmlns:a16="http://schemas.microsoft.com/office/drawing/2014/main" id="{4F7D9C6C-2535-E040-AD94-2727F2AF37C2}"/>
+              </a:ext>
+            </a:extLst>
+          </p:cNvPr>
+          <p:cNvSpPr/>
+          <p:nvPr/>
+        </p:nvSpPr>
+        <p:spPr>
+          <a:xfrm>
+            <a:off x="1762100" y="1582372"/>
+            <a:ext cx="2115768" cy="1968415"/>
+          </a:xfrm>
+          <a:prstGeom prst="ellipse">
+            <a:avLst/>
+          </a:prstGeom>
+          <a:solidFill>
+            <a:schemeClr val="tx1">
+              <a:lumMod val="65000"/>
+              <a:lumOff val="35000"/>
+            </a:schemeClr>
+          </a:solidFill>
+          <a:ln w="38100">
+            <a:solidFill>
+              <a:schemeClr val="tx1"/>
+            </a:solidFill>
+            <a:extLst>
+              <a:ext uri="{C807C97D-BFC1-408E-A445-0C87EB9F89A2}">
+                <ask:lineSketchStyleProps xmlns:ask="http://schemas.microsoft.com/office/drawing/2018/sketchyshapes" sd="4266498984">
+                  <a:custGeom>
+                    <a:avLst/>
+                    <a:gdLst>
+                      <a:gd name="connsiteX0" fmla="*/ 0 w 2785241"/>
+                      <a:gd name="connsiteY0" fmla="*/ 1392621 h 2785241"/>
+                      <a:gd name="connsiteX1" fmla="*/ 1392621 w 2785241"/>
+                      <a:gd name="connsiteY1" fmla="*/ 0 h 2785241"/>
+                      <a:gd name="connsiteX2" fmla="*/ 2785242 w 2785241"/>
+                      <a:gd name="connsiteY2" fmla="*/ 1392621 h 2785241"/>
+                      <a:gd name="connsiteX3" fmla="*/ 1392621 w 2785241"/>
+                      <a:gd name="connsiteY3" fmla="*/ 2785242 h 2785241"/>
+                      <a:gd name="connsiteX4" fmla="*/ 0 w 2785241"/>
+                      <a:gd name="connsiteY4" fmla="*/ 1392621 h 2785241"/>
+                    </a:gdLst>
+                    <a:ahLst/>
+                    <a:cxnLst>
+                      <a:cxn ang="0">
+                        <a:pos x="connsiteX0" y="connsiteY0"/>
+                      </a:cxn>
+                      <a:cxn ang="0">
+                        <a:pos x="connsiteX1" y="connsiteY1"/>
+                      </a:cxn>
+                      <a:cxn ang="0">
+                        <a:pos x="connsiteX2" y="connsiteY2"/>
+                      </a:cxn>
+                      <a:cxn ang="0">
+                        <a:pos x="connsiteX3" y="connsiteY3"/>
+                      </a:cxn>
+                      <a:cxn ang="0">
+                        <a:pos x="connsiteX4" y="connsiteY4"/>
+                      </a:cxn>
+                    </a:cxnLst>
+                    <a:rect l="l" t="t" r="r" b="b"/>
+                    <a:pathLst>
+                      <a:path w="2785241" h="2785241" extrusionOk="0">
+                        <a:moveTo>
+                          <a:pt x="0" y="1392621"/>
+                        </a:moveTo>
+                        <a:cubicBezTo>
+                          <a:pt x="15392" y="507716"/>
+                          <a:pt x="756844" y="107415"/>
+                          <a:pt x="1392621" y="0"/>
+                        </a:cubicBezTo>
+                        <a:cubicBezTo>
+                          <a:pt x="2049078" y="-42599"/>
+                          <a:pt x="2842858" y="421480"/>
+                          <a:pt x="2785242" y="1392621"/>
+                        </a:cubicBezTo>
+                        <a:cubicBezTo>
+                          <a:pt x="2850895" y="2118349"/>
+                          <a:pt x="2144618" y="2828881"/>
+                          <a:pt x="1392621" y="2785242"/>
+                        </a:cubicBezTo>
+                        <a:cubicBezTo>
+                          <a:pt x="583574" y="2916360"/>
+                          <a:pt x="163944" y="2017545"/>
+                          <a:pt x="0" y="1392621"/>
+                        </a:cubicBezTo>
+                        <a:close/>
+                      </a:path>
+                    </a:pathLst>
+                  </a:custGeom>
+                  <ask:type>
+                    <ask:lineSketchNone/>
+                  </ask:type>
+                </ask:lineSketchStyleProps>
+              </a:ext>
+            </a:extLst>
+          </a:ln>
+        </p:spPr>
+        <p:style>
+          <a:lnRef idx="2">
+            <a:schemeClr val="accent1">
+              <a:shade val="50000"/>
+            </a:schemeClr>
+          </a:lnRef>
+          <a:fillRef idx="1">
+            <a:schemeClr val="accent1"/>
+          </a:fillRef>
+          <a:effectRef idx="0">
+            <a:schemeClr val="accent1"/>
+          </a:effectRef>
+          <a:fontRef idx="minor">
+            <a:schemeClr val="lt1"/>
+          </a:fontRef>
+        </p:style>
+        <p:txBody>
+          <a:bodyPr rtlCol="0" anchor="ctr"/>
+          <a:lstStyle/>
+          <a:p>
+            <a:pPr algn="ctr"/>
+            <a:endParaRPr lang="en-US"/>
+          </a:p>
+        </p:txBody>
+      </p:sp>
+      <p:sp>
+        <p:nvSpPr>
+          <p:cNvPr id="52" name="TextBox 51">
+            <a:extLst>
+              <a:ext uri="{FF2B5EF4-FFF2-40B4-BE49-F238E27FC236}">
+                <a16:creationId xmlns:a16="http://schemas.microsoft.com/office/drawing/2014/main" id="{3CCEAC9E-FC0F-D34E-A591-444A55295E14}"/>
+              </a:ext>
+            </a:extLst>
+          </p:cNvPr>
+          <p:cNvSpPr txBox="1"/>
+          <p:nvPr/>
+        </p:nvSpPr>
+        <p:spPr>
+          <a:xfrm>
+            <a:off x="1863460" y="2016984"/>
+            <a:ext cx="2020838" cy="1200329"/>
+          </a:xfrm>
+          <a:prstGeom prst="rect">
+            <a:avLst/>
+          </a:prstGeom>
+          <a:noFill/>
+        </p:spPr>
+        <p:txBody>
+          <a:bodyPr wrap="square" rtlCol="0">
+            <a:spAutoFit/>
+          </a:bodyPr>
+          <a:lstStyle/>
+          <a:p>
+            <a:pPr algn="ctr"/>
+            <a:r>
+              <a:rPr lang="en-US" sz="3600" b="1" dirty="0">
+                <a:solidFill>
+                  <a:schemeClr val="bg1"/>
+                </a:solidFill>
+                <a:latin typeface="Helvetica Neue Condensed" panose="02000503000000020004" pitchFamily="2" charset="0"/>
+                <a:ea typeface="Helvetica Neue Condensed" panose="02000503000000020004" pitchFamily="2" charset="0"/>
+                <a:cs typeface="Helvetica Neue Condensed" panose="02000503000000020004" pitchFamily="2" charset="0"/>
+              </a:rPr>
+              <a:t>Economic Values</a:t>
+            </a:r>
+          </a:p>
+        </p:txBody>
+      </p:sp>
+      <p:sp>
+        <p:nvSpPr>
+          <p:cNvPr id="2" name="Rectangle 1">
+            <a:extLst>
+              <a:ext uri="{FF2B5EF4-FFF2-40B4-BE49-F238E27FC236}">
+                <a16:creationId xmlns:a16="http://schemas.microsoft.com/office/drawing/2014/main" id="{368B4AA0-CABA-DF48-BDFE-C96F6C7AA638}"/>
+              </a:ext>
+            </a:extLst>
+          </p:cNvPr>
+          <p:cNvSpPr/>
+          <p:nvPr/>
+        </p:nvSpPr>
+        <p:spPr>
+          <a:xfrm>
+            <a:off x="6103550" y="393423"/>
+            <a:ext cx="5965760" cy="1887322"/>
+          </a:xfrm>
+          <a:prstGeom prst="rect">
+            <a:avLst/>
+          </a:prstGeom>
+          <a:solidFill>
+            <a:schemeClr val="accent4">
+              <a:lumMod val="20000"/>
+              <a:lumOff val="80000"/>
+            </a:schemeClr>
+          </a:solidFill>
+        </p:spPr>
+        <p:style>
+          <a:lnRef idx="2">
+            <a:schemeClr val="accent1">
+              <a:shade val="50000"/>
+            </a:schemeClr>
+          </a:lnRef>
+          <a:fillRef idx="1">
+            <a:schemeClr val="accent1"/>
+          </a:fillRef>
+          <a:effectRef idx="0">
+            <a:schemeClr val="accent1"/>
+          </a:effectRef>
+          <a:fontRef idx="minor">
+            <a:schemeClr val="lt1"/>
+          </a:fontRef>
+        </p:style>
+        <p:txBody>
+          <a:bodyPr rtlCol="0" anchor="ctr"/>
+          <a:lstStyle/>
+          <a:p>
+            <a:pPr algn="ctr"/>
+            <a:endParaRPr lang="en-US"/>
+          </a:p>
+        </p:txBody>
+      </p:sp>
+      <p:sp>
+        <p:nvSpPr>
+          <p:cNvPr id="37" name="Rectangle 36">
+            <a:extLst>
+              <a:ext uri="{FF2B5EF4-FFF2-40B4-BE49-F238E27FC236}">
+                <a16:creationId xmlns:a16="http://schemas.microsoft.com/office/drawing/2014/main" id="{AA086F9B-850A-8D44-BF09-E517824F4A13}"/>
+              </a:ext>
+            </a:extLst>
+          </p:cNvPr>
+          <p:cNvSpPr/>
+          <p:nvPr/>
+        </p:nvSpPr>
+        <p:spPr>
+          <a:xfrm>
+            <a:off x="6103550" y="2485339"/>
+            <a:ext cx="5965760" cy="1887322"/>
+          </a:xfrm>
+          <a:prstGeom prst="rect">
+            <a:avLst/>
+          </a:prstGeom>
+          <a:solidFill>
+            <a:schemeClr val="accent6">
+              <a:lumMod val="20000"/>
+              <a:lumOff val="80000"/>
+            </a:schemeClr>
+          </a:solidFill>
+        </p:spPr>
+        <p:style>
+          <a:lnRef idx="2">
+            <a:schemeClr val="accent1">
+              <a:shade val="50000"/>
+            </a:schemeClr>
+          </a:lnRef>
+          <a:fillRef idx="1">
+            <a:schemeClr val="accent1"/>
+          </a:fillRef>
+          <a:effectRef idx="0">
+            <a:schemeClr val="accent1"/>
+          </a:effectRef>
+          <a:fontRef idx="minor">
+            <a:schemeClr val="lt1"/>
+          </a:fontRef>
+        </p:style>
+        <p:txBody>
+          <a:bodyPr rtlCol="0" anchor="ctr"/>
+          <a:lstStyle/>
+          <a:p>
+            <a:pPr algn="ctr"/>
+            <a:endParaRPr lang="en-US"/>
+          </a:p>
+        </p:txBody>
+      </p:sp>
+      <p:sp>
+        <p:nvSpPr>
+          <p:cNvPr id="38" name="Rectangle 37">
+            <a:extLst>
+              <a:ext uri="{FF2B5EF4-FFF2-40B4-BE49-F238E27FC236}">
+                <a16:creationId xmlns:a16="http://schemas.microsoft.com/office/drawing/2014/main" id="{3C7B57CD-28DB-E346-A3E0-E446EE1DF5C5}"/>
+              </a:ext>
+            </a:extLst>
+          </p:cNvPr>
+          <p:cNvSpPr/>
+          <p:nvPr/>
+        </p:nvSpPr>
+        <p:spPr>
+          <a:xfrm>
+            <a:off x="6096000" y="4577255"/>
+            <a:ext cx="5965760" cy="1887322"/>
+          </a:xfrm>
+          <a:prstGeom prst="rect">
+            <a:avLst/>
+          </a:prstGeom>
+          <a:solidFill>
+            <a:schemeClr val="accent1">
+              <a:lumMod val="20000"/>
+              <a:lumOff val="80000"/>
+            </a:schemeClr>
+          </a:solidFill>
+        </p:spPr>
+        <p:style>
+          <a:lnRef idx="2">
+            <a:schemeClr val="accent1">
+              <a:shade val="50000"/>
+            </a:schemeClr>
+          </a:lnRef>
+          <a:fillRef idx="1">
+            <a:schemeClr val="accent1"/>
+          </a:fillRef>
+          <a:effectRef idx="0">
+            <a:schemeClr val="accent1"/>
+          </a:effectRef>
+          <a:fontRef idx="minor">
+            <a:schemeClr val="lt1"/>
+          </a:fontRef>
+        </p:style>
+        <p:txBody>
+          <a:bodyPr rtlCol="0" anchor="ctr"/>
+          <a:lstStyle/>
+          <a:p>
+            <a:pPr algn="ctr"/>
+            <a:endParaRPr lang="en-US"/>
+          </a:p>
+        </p:txBody>
+      </p:sp>
+      <p:sp>
+        <p:nvSpPr>
+          <p:cNvPr id="39" name="TextBox 38">
+            <a:extLst>
+              <a:ext uri="{FF2B5EF4-FFF2-40B4-BE49-F238E27FC236}">
+                <a16:creationId xmlns:a16="http://schemas.microsoft.com/office/drawing/2014/main" id="{79679D49-4DF0-794E-A7AD-057036C5C753}"/>
+              </a:ext>
+            </a:extLst>
+          </p:cNvPr>
+          <p:cNvSpPr txBox="1"/>
+          <p:nvPr/>
+        </p:nvSpPr>
+        <p:spPr>
+          <a:xfrm>
+            <a:off x="6233743" y="387157"/>
+            <a:ext cx="2159566" cy="523220"/>
+          </a:xfrm>
+          <a:prstGeom prst="rect">
+            <a:avLst/>
+          </a:prstGeom>
+          <a:noFill/>
+        </p:spPr>
+        <p:txBody>
+          <a:bodyPr wrap="none" rtlCol="0">
+            <a:spAutoFit/>
+          </a:bodyPr>
+          <a:lstStyle/>
+          <a:p>
+            <a:r>
+              <a:rPr lang="en-US" sz="2800" b="1" dirty="0">
+                <a:latin typeface="Helvetica Neue Condensed" panose="02000503000000020004" pitchFamily="2" charset="0"/>
+                <a:ea typeface="Helvetica Neue Condensed" panose="02000503000000020004" pitchFamily="2" charset="0"/>
+                <a:cs typeface="Helvetica Neue Condensed" panose="02000503000000020004" pitchFamily="2" charset="0"/>
+              </a:rPr>
+              <a:t>Infrastructure</a:t>
+            </a:r>
+          </a:p>
+        </p:txBody>
+      </p:sp>
+      <p:sp>
+        <p:nvSpPr>
+          <p:cNvPr id="40" name="TextBox 39">
+            <a:extLst>
+              <a:ext uri="{FF2B5EF4-FFF2-40B4-BE49-F238E27FC236}">
+                <a16:creationId xmlns:a16="http://schemas.microsoft.com/office/drawing/2014/main" id="{5D988D40-38A2-1B45-8E07-2ABB2700CEB0}"/>
+              </a:ext>
+            </a:extLst>
+          </p:cNvPr>
+          <p:cNvSpPr txBox="1"/>
+          <p:nvPr/>
+        </p:nvSpPr>
+        <p:spPr>
+          <a:xfrm>
+            <a:off x="6096000" y="796706"/>
+            <a:ext cx="5965760" cy="1477328"/>
+          </a:xfrm>
+          <a:prstGeom prst="rect">
+            <a:avLst/>
+          </a:prstGeom>
+          <a:noFill/>
+        </p:spPr>
+        <p:txBody>
+          <a:bodyPr wrap="square" rtlCol="0">
+            <a:spAutoFit/>
+          </a:bodyPr>
+          <a:lstStyle/>
+          <a:p>
+            <a:pPr marL="285750" indent="-285750">
+              <a:buFont typeface="Arial" panose="020B0604020202020204" pitchFamily="34" charset="0"/>
+              <a:buChar char="•"/>
+            </a:pPr>
+            <a:r>
+              <a:rPr lang="en-US" dirty="0">
+                <a:latin typeface="Helvetica Neue UltraLight" panose="02000206000000020004" pitchFamily="2" charset="0"/>
+                <a:ea typeface="Helvetica Neue UltraLight" panose="02000206000000020004" pitchFamily="2" charset="0"/>
+              </a:rPr>
+              <a:t>% of tract within 800 m of highway (high % could indicate more favorable)</a:t>
+            </a:r>
+          </a:p>
+          <a:p>
+            <a:pPr marL="285750" indent="-285750">
+              <a:buFont typeface="Arial" panose="020B0604020202020204" pitchFamily="34" charset="0"/>
+              <a:buChar char="•"/>
+            </a:pPr>
+            <a:r>
+              <a:rPr lang="en-US" dirty="0">
+                <a:latin typeface="Helvetica Neue UltraLight" panose="02000206000000020004" pitchFamily="2" charset="0"/>
+                <a:ea typeface="Helvetica Neue UltraLight" panose="02000206000000020004" pitchFamily="2" charset="0"/>
+              </a:rPr>
+              <a:t>Existing job density (if past trends predict the future)</a:t>
+            </a:r>
+          </a:p>
+          <a:p>
+            <a:pPr marL="285750" indent="-285750">
+              <a:buFont typeface="Arial" panose="020B0604020202020204" pitchFamily="34" charset="0"/>
+              <a:buChar char="•"/>
+            </a:pPr>
+            <a:endParaRPr lang="en-US" dirty="0">
+              <a:latin typeface="Helvetica Neue UltraLight" panose="02000206000000020004" pitchFamily="2" charset="0"/>
+              <a:ea typeface="Helvetica Neue UltraLight" panose="02000206000000020004" pitchFamily="2" charset="0"/>
+            </a:endParaRPr>
+          </a:p>
+          <a:p>
+            <a:pPr marL="285750" indent="-285750">
+              <a:buFont typeface="Arial" panose="020B0604020202020204" pitchFamily="34" charset="0"/>
+              <a:buChar char="•"/>
+            </a:pPr>
+            <a:endParaRPr lang="en-US" dirty="0">
+              <a:latin typeface="Helvetica Neue UltraLight" panose="02000206000000020004" pitchFamily="2" charset="0"/>
+              <a:ea typeface="Helvetica Neue UltraLight" panose="02000206000000020004" pitchFamily="2" charset="0"/>
+            </a:endParaRPr>
+          </a:p>
+        </p:txBody>
+      </p:sp>
+      <p:sp>
+        <p:nvSpPr>
+          <p:cNvPr id="41" name="TextBox 40">
+            <a:extLst>
+              <a:ext uri="{FF2B5EF4-FFF2-40B4-BE49-F238E27FC236}">
+                <a16:creationId xmlns:a16="http://schemas.microsoft.com/office/drawing/2014/main" id="{B198E327-96D4-DA4E-94EE-62B8E077CEDA}"/>
+              </a:ext>
+            </a:extLst>
+          </p:cNvPr>
+          <p:cNvSpPr txBox="1"/>
+          <p:nvPr/>
+        </p:nvSpPr>
+        <p:spPr>
+          <a:xfrm>
+            <a:off x="6096000" y="4999866"/>
+            <a:ext cx="5965760" cy="1754326"/>
+          </a:xfrm>
+          <a:prstGeom prst="rect">
+            <a:avLst/>
+          </a:prstGeom>
+          <a:noFill/>
+        </p:spPr>
+        <p:txBody>
+          <a:bodyPr wrap="square" rtlCol="0">
+            <a:spAutoFit/>
+          </a:bodyPr>
+          <a:lstStyle/>
+          <a:p>
+            <a:pPr marL="285750" indent="-285750">
+              <a:buFont typeface="Arial" panose="020B0604020202020204" pitchFamily="34" charset="0"/>
+              <a:buChar char="•"/>
+            </a:pPr>
+            <a:r>
+              <a:rPr lang="en-US" dirty="0">
+                <a:latin typeface="Helvetica Neue UltraLight" panose="02000206000000020004" pitchFamily="2" charset="0"/>
+                <a:ea typeface="Helvetica Neue UltraLight" panose="02000206000000020004" pitchFamily="2" charset="0"/>
+              </a:rPr>
+              <a:t>Tract avg. commute length (higher travel times could signal a need for investment; could consider transit vs </a:t>
+            </a:r>
+            <a:r>
+              <a:rPr lang="en-US" dirty="0" err="1">
+                <a:latin typeface="Helvetica Neue UltraLight" panose="02000206000000020004" pitchFamily="2" charset="0"/>
+                <a:ea typeface="Helvetica Neue UltraLight" panose="02000206000000020004" pitchFamily="2" charset="0"/>
+              </a:rPr>
+              <a:t>sov</a:t>
+            </a:r>
+            <a:r>
+              <a:rPr lang="en-US" dirty="0">
+                <a:latin typeface="Helvetica Neue UltraLight" panose="02000206000000020004" pitchFamily="2" charset="0"/>
+                <a:ea typeface="Helvetica Neue UltraLight" panose="02000206000000020004" pitchFamily="2" charset="0"/>
+              </a:rPr>
+              <a:t> skims)</a:t>
+            </a:r>
+          </a:p>
+          <a:p>
+            <a:pPr marL="285750" indent="-285750">
+              <a:buFont typeface="Arial" panose="020B0604020202020204" pitchFamily="34" charset="0"/>
+              <a:buChar char="•"/>
+            </a:pPr>
+            <a:r>
+              <a:rPr lang="en-US" dirty="0">
+                <a:latin typeface="Helvetica Neue UltraLight" panose="02000206000000020004" pitchFamily="2" charset="0"/>
+                <a:ea typeface="Helvetica Neue UltraLight" panose="02000206000000020004" pitchFamily="2" charset="0"/>
+              </a:rPr>
+              <a:t>Tract avg. ACP/ACA (could indicate need for investment)</a:t>
+            </a:r>
+          </a:p>
+          <a:p>
+            <a:pPr marL="285750" indent="-285750">
+              <a:buFont typeface="Arial" panose="020B0604020202020204" pitchFamily="34" charset="0"/>
+              <a:buChar char="•"/>
+            </a:pPr>
+            <a:r>
+              <a:rPr lang="en-US" dirty="0">
+                <a:latin typeface="Helvetica Neue UltraLight" panose="02000206000000020004" pitchFamily="2" charset="0"/>
+                <a:ea typeface="Helvetica Neue UltraLight" panose="02000206000000020004" pitchFamily="2" charset="0"/>
+              </a:rPr>
+              <a:t>Tract avg. educational attainment vs regional (could indicate opportunity to match industries with workers)</a:t>
+            </a:r>
+          </a:p>
+          <a:p>
+            <a:pPr marL="285750" indent="-285750">
+              <a:buFont typeface="Arial" panose="020B0604020202020204" pitchFamily="34" charset="0"/>
+              <a:buChar char="•"/>
+            </a:pPr>
+            <a:endParaRPr lang="en-US" dirty="0">
+              <a:latin typeface="Helvetica Neue UltraLight" panose="02000206000000020004" pitchFamily="2" charset="0"/>
+              <a:ea typeface="Helvetica Neue UltraLight" panose="02000206000000020004" pitchFamily="2" charset="0"/>
+            </a:endParaRPr>
+          </a:p>
+        </p:txBody>
+      </p:sp>
+      <p:sp>
+        <p:nvSpPr>
+          <p:cNvPr id="53" name="TextBox 52">
+            <a:extLst>
+              <a:ext uri="{FF2B5EF4-FFF2-40B4-BE49-F238E27FC236}">
+                <a16:creationId xmlns:a16="http://schemas.microsoft.com/office/drawing/2014/main" id="{94199E8D-2964-3444-8E77-DB267E608C4C}"/>
+              </a:ext>
+            </a:extLst>
+          </p:cNvPr>
+          <p:cNvSpPr txBox="1"/>
+          <p:nvPr/>
+        </p:nvSpPr>
+        <p:spPr>
+          <a:xfrm>
+            <a:off x="6103550" y="2901442"/>
+            <a:ext cx="5965760" cy="1754326"/>
+          </a:xfrm>
+          <a:prstGeom prst="rect">
+            <a:avLst/>
+          </a:prstGeom>
+          <a:noFill/>
+        </p:spPr>
+        <p:txBody>
+          <a:bodyPr wrap="square" rtlCol="0">
+            <a:spAutoFit/>
+          </a:bodyPr>
+          <a:lstStyle/>
+          <a:p>
+            <a:pPr marL="285750" indent="-285750">
+              <a:buFont typeface="Arial" panose="020B0604020202020204" pitchFamily="34" charset="0"/>
+              <a:buChar char="•"/>
+            </a:pPr>
+            <a:r>
+              <a:rPr lang="en-US" dirty="0">
+                <a:latin typeface="Helvetica Neue UltraLight" panose="02000206000000020004" pitchFamily="2" charset="0"/>
+                <a:ea typeface="Helvetica Neue UltraLight" panose="02000206000000020004" pitchFamily="2" charset="0"/>
+              </a:rPr>
+              <a:t>Tract avg. </a:t>
+            </a:r>
+            <a:r>
+              <a:rPr lang="en-US" dirty="0" err="1">
+                <a:latin typeface="Helvetica Neue UltraLight" panose="02000206000000020004" pitchFamily="2" charset="0"/>
+                <a:ea typeface="Helvetica Neue UltraLight" panose="02000206000000020004" pitchFamily="2" charset="0"/>
+              </a:rPr>
+              <a:t>sov</a:t>
+            </a:r>
+            <a:r>
+              <a:rPr lang="en-US" dirty="0">
+                <a:latin typeface="Helvetica Neue UltraLight" panose="02000206000000020004" pitchFamily="2" charset="0"/>
+                <a:ea typeface="Helvetica Neue UltraLight" panose="02000206000000020004" pitchFamily="2" charset="0"/>
+              </a:rPr>
+              <a:t>/transit skim vs regional avg. (higher travel times could signal a need for investment)</a:t>
+            </a:r>
+          </a:p>
+          <a:p>
+            <a:pPr marL="285750" indent="-285750">
+              <a:buFont typeface="Arial" panose="020B0604020202020204" pitchFamily="34" charset="0"/>
+              <a:buChar char="•"/>
+            </a:pPr>
+            <a:r>
+              <a:rPr lang="en-US" dirty="0">
+                <a:latin typeface="Helvetica Neue UltraLight" panose="02000206000000020004" pitchFamily="2" charset="0"/>
+                <a:ea typeface="Helvetica Neue UltraLight" panose="02000206000000020004" pitchFamily="2" charset="0"/>
+              </a:rPr>
+              <a:t>Tract avg. area of conc. poverty/disparity</a:t>
+            </a:r>
+          </a:p>
+          <a:p>
+            <a:pPr marL="285750" indent="-285750">
+              <a:buFont typeface="Arial" panose="020B0604020202020204" pitchFamily="34" charset="0"/>
+              <a:buChar char="•"/>
+            </a:pPr>
+            <a:r>
+              <a:rPr lang="en-US" dirty="0">
+                <a:latin typeface="Helvetica Neue UltraLight" panose="02000206000000020004" pitchFamily="2" charset="0"/>
+                <a:ea typeface="Helvetica Neue UltraLight" panose="02000206000000020004" pitchFamily="2" charset="0"/>
+              </a:rPr>
+              <a:t>Tract job sector richness/evenness (higher richness/diversity = more buffered)</a:t>
+            </a:r>
+          </a:p>
+          <a:p>
+            <a:pPr marL="285750" indent="-285750">
+              <a:buFont typeface="Arial" panose="020B0604020202020204" pitchFamily="34" charset="0"/>
+              <a:buChar char="•"/>
+            </a:pPr>
+            <a:endParaRPr lang="en-US" dirty="0">
+              <a:latin typeface="Helvetica Neue UltraLight" panose="02000206000000020004" pitchFamily="2" charset="0"/>
+              <a:ea typeface="Helvetica Neue UltraLight" panose="02000206000000020004" pitchFamily="2" charset="0"/>
+            </a:endParaRPr>
+          </a:p>
+        </p:txBody>
+      </p:sp>
+      <p:sp>
+        <p:nvSpPr>
+          <p:cNvPr id="55" name="TextBox 54">
+            <a:extLst>
+              <a:ext uri="{FF2B5EF4-FFF2-40B4-BE49-F238E27FC236}">
+                <a16:creationId xmlns:a16="http://schemas.microsoft.com/office/drawing/2014/main" id="{DFF3BCDF-A1CC-E94D-8E30-7B7DAC5A6956}"/>
+              </a:ext>
+            </a:extLst>
+          </p:cNvPr>
+          <p:cNvSpPr txBox="1"/>
+          <p:nvPr/>
+        </p:nvSpPr>
+        <p:spPr>
+          <a:xfrm>
+            <a:off x="6233743" y="2495226"/>
+            <a:ext cx="1649811" cy="523220"/>
+          </a:xfrm>
+          <a:prstGeom prst="rect">
+            <a:avLst/>
+          </a:prstGeom>
+          <a:noFill/>
+        </p:spPr>
+        <p:txBody>
+          <a:bodyPr wrap="none" rtlCol="0">
+            <a:spAutoFit/>
+          </a:bodyPr>
+          <a:lstStyle/>
+          <a:p>
+            <a:r>
+              <a:rPr lang="en-US" sz="2800" b="1" dirty="0">
+                <a:latin typeface="Helvetica Neue Condensed" panose="02000503000000020004" pitchFamily="2" charset="0"/>
+                <a:ea typeface="Helvetica Neue Condensed" panose="02000503000000020004" pitchFamily="2" charset="0"/>
+                <a:cs typeface="Helvetica Neue Condensed" panose="02000503000000020004" pitchFamily="2" charset="0"/>
+              </a:rPr>
+              <a:t>Resilience</a:t>
+            </a:r>
+          </a:p>
+        </p:txBody>
+      </p:sp>
+      <p:sp>
+        <p:nvSpPr>
+          <p:cNvPr id="56" name="TextBox 55">
+            <a:extLst>
+              <a:ext uri="{FF2B5EF4-FFF2-40B4-BE49-F238E27FC236}">
+                <a16:creationId xmlns:a16="http://schemas.microsoft.com/office/drawing/2014/main" id="{FFA17469-2333-0048-804D-64B53266F3C5}"/>
+              </a:ext>
+            </a:extLst>
+          </p:cNvPr>
+          <p:cNvSpPr txBox="1"/>
+          <p:nvPr/>
+        </p:nvSpPr>
+        <p:spPr>
+          <a:xfrm>
+            <a:off x="6233743" y="4593536"/>
+            <a:ext cx="1067921" cy="523220"/>
+          </a:xfrm>
+          <a:prstGeom prst="rect">
+            <a:avLst/>
+          </a:prstGeom>
+          <a:noFill/>
+        </p:spPr>
+        <p:txBody>
+          <a:bodyPr wrap="none" rtlCol="0">
+            <a:spAutoFit/>
+          </a:bodyPr>
+          <a:lstStyle/>
+          <a:p>
+            <a:r>
+              <a:rPr lang="en-US" sz="2800" b="1" dirty="0">
+                <a:latin typeface="Helvetica Neue Condensed" panose="02000503000000020004" pitchFamily="2" charset="0"/>
+                <a:ea typeface="Helvetica Neue Condensed" panose="02000503000000020004" pitchFamily="2" charset="0"/>
+                <a:cs typeface="Helvetica Neue Condensed" panose="02000503000000020004" pitchFamily="2" charset="0"/>
+              </a:rPr>
+              <a:t>Equity</a:t>
+            </a:r>
+          </a:p>
+        </p:txBody>
+      </p:sp>
+    </p:spTree>
+    <p:extLst>
+      <p:ext uri="{BB962C8B-B14F-4D97-AF65-F5344CB8AC3E}">
+        <p14:creationId xmlns:p14="http://schemas.microsoft.com/office/powerpoint/2010/main" val="1131481521"/>
+      </p:ext>
+    </p:extLst>
+  </p:cSld>
+  <p:clrMapOvr>
+    <a:masterClrMapping/>
+  </p:clrMapOvr>
+</p:sld>
+</file>
+
+<file path=ppt/slides/slide3.xml><?xml version="1.0" encoding="utf-8"?>
+<p:sld xmlns:a="http://schemas.openxmlformats.org/drawingml/2006/main" xmlns:r="http://schemas.openxmlformats.org/officeDocument/2006/relationships" xmlns:p="http://schemas.openxmlformats.org/presentationml/2006/main">
+  <p:cSld>
+    <p:spTree>
+      <p:nvGrpSpPr>
+        <p:cNvPr id="1" name=""/>
+        <p:cNvGrpSpPr/>
+        <p:nvPr/>
+      </p:nvGrpSpPr>
+      <p:grpSpPr>
+        <a:xfrm>
+          <a:off x="0" y="0"/>
+          <a:ext cx="0" cy="0"/>
+          <a:chOff x="0" y="0"/>
+          <a:chExt cx="0" cy="0"/>
+        </a:xfrm>
+      </p:grpSpPr>
+      <p:sp>
+        <p:nvSpPr>
+          <p:cNvPr id="2" name="TextBox 1">
+            <a:extLst>
+              <a:ext uri="{FF2B5EF4-FFF2-40B4-BE49-F238E27FC236}">
+                <a16:creationId xmlns:a16="http://schemas.microsoft.com/office/drawing/2014/main" id="{C27D4ADD-DDD1-6947-845A-780D3210AE17}"/>
+              </a:ext>
+            </a:extLst>
+          </p:cNvPr>
+          <p:cNvSpPr txBox="1"/>
+          <p:nvPr/>
+        </p:nvSpPr>
+        <p:spPr>
+          <a:xfrm>
+            <a:off x="998483" y="504497"/>
+            <a:ext cx="7389523" cy="2862322"/>
+          </a:xfrm>
+          <a:prstGeom prst="rect">
+            <a:avLst/>
+          </a:prstGeom>
+          <a:noFill/>
+        </p:spPr>
+        <p:txBody>
+          <a:bodyPr wrap="none" rtlCol="0">
+            <a:spAutoFit/>
+          </a:bodyPr>
+          <a:lstStyle/>
+          <a:p>
+            <a:pPr marL="342900" indent="-342900">
+              <a:buAutoNum type="arabicParenR"/>
+            </a:pPr>
+            <a:r>
+              <a:rPr lang="en-US" dirty="0"/>
+              <a:t>Bar Graph = Regional tract avg. vs Selected tract avg (all as z-scores?)</a:t>
+            </a:r>
+          </a:p>
+          <a:p>
+            <a:pPr marL="342900" indent="-342900">
+              <a:buAutoNum type="arabicParenR"/>
+            </a:pPr>
+            <a:r>
+              <a:rPr lang="en-US" dirty="0"/>
+              <a:t>Tabular data </a:t>
+            </a:r>
+            <a:r>
+              <a:rPr lang="en-US" dirty="0">
+                <a:sym typeface="Wingdings" pitchFamily="2" charset="2"/>
+              </a:rPr>
+              <a:t> download?</a:t>
+            </a:r>
+          </a:p>
+          <a:p>
+            <a:pPr marL="342900" indent="-342900">
+              <a:buAutoNum type="arabicParenR"/>
+            </a:pPr>
+            <a:r>
+              <a:rPr lang="en-US" dirty="0"/>
+              <a:t>PCA  = with selected variables (likely a button render thing) </a:t>
+            </a:r>
+          </a:p>
+          <a:p>
+            <a:pPr marL="342900" indent="-342900">
+              <a:buAutoNum type="arabicParenR"/>
+            </a:pPr>
+            <a:endParaRPr lang="en-US" dirty="0"/>
+          </a:p>
+          <a:p>
+            <a:pPr marL="342900" indent="-342900">
+              <a:buAutoNum type="arabicParenR"/>
+            </a:pPr>
+            <a:endParaRPr lang="en-US" dirty="0"/>
+          </a:p>
+          <a:p>
+            <a:pPr marL="342900" indent="-342900">
+              <a:buAutoNum type="arabicParenR"/>
+            </a:pPr>
+            <a:r>
+              <a:rPr lang="en-US" dirty="0"/>
+              <a:t>MAP with layers on/off which correspond to variables included in sidebar</a:t>
+            </a:r>
+          </a:p>
+          <a:p>
+            <a:pPr marL="800100" lvl="1" indent="-342900">
+              <a:buAutoNum type="arabicParenR"/>
+            </a:pPr>
+            <a:r>
+              <a:rPr lang="en-US" dirty="0"/>
+              <a:t>Overlays like transit, parks, </a:t>
+            </a:r>
+            <a:r>
+              <a:rPr lang="en-US" dirty="0" err="1"/>
+              <a:t>musa</a:t>
+            </a:r>
+            <a:r>
+              <a:rPr lang="en-US" dirty="0"/>
+              <a:t> layers, schools, </a:t>
+            </a:r>
+            <a:r>
+              <a:rPr lang="en-US" dirty="0" err="1"/>
+              <a:t>etc</a:t>
+            </a:r>
+            <a:endParaRPr lang="en-US" dirty="0"/>
+          </a:p>
+          <a:p>
+            <a:pPr marL="800100" lvl="1" indent="-342900">
+              <a:buAutoNum type="arabicParenR"/>
+            </a:pPr>
+            <a:r>
+              <a:rPr lang="en-US" dirty="0"/>
+              <a:t>Reference layers (transit, arterials, parks)</a:t>
+            </a:r>
+          </a:p>
+          <a:p>
+            <a:pPr marL="800100" lvl="1" indent="-342900">
+              <a:buAutoNum type="arabicParenR"/>
+            </a:pPr>
+            <a:r>
+              <a:rPr lang="en-US" dirty="0"/>
+              <a:t>Planning (</a:t>
+            </a:r>
+            <a:r>
+              <a:rPr lang="en-US" dirty="0" err="1"/>
+              <a:t>musa</a:t>
+            </a:r>
+            <a:r>
+              <a:rPr lang="en-US" dirty="0"/>
+              <a:t>)</a:t>
+            </a:r>
+          </a:p>
+          <a:p>
+            <a:pPr marL="800100" lvl="1" indent="-342900">
+              <a:buAutoNum type="arabicParenR"/>
+            </a:pPr>
+            <a:r>
+              <a:rPr lang="en-US" dirty="0"/>
+              <a:t>Community </a:t>
+            </a:r>
+            <a:r>
+              <a:rPr lang="en-US" dirty="0" err="1"/>
+              <a:t>assests</a:t>
+            </a:r>
+            <a:r>
+              <a:rPr lang="en-US" dirty="0"/>
+              <a:t> (schools, hospitals, </a:t>
+            </a:r>
+          </a:p>
+        </p:txBody>
+      </p:sp>
+    </p:spTree>
+    <p:extLst>
+      <p:ext uri="{BB962C8B-B14F-4D97-AF65-F5344CB8AC3E}">
+        <p14:creationId xmlns:p14="http://schemas.microsoft.com/office/powerpoint/2010/main" val="3021879954"/>
+      </p:ext>
+    </p:extLst>
+  </p:cSld>
+  <p:clrMapOvr>
+    <a:masterClrMapping/>
+  </p:clrMapOvr>
+</p:sld>
+</file>
+
+<file path=ppt/slides/slide4.xml><?xml version="1.0" encoding="utf-8"?>
 <p:sld xmlns:a="http://schemas.openxmlformats.org/drawingml/2006/main" xmlns:r="http://schemas.openxmlformats.org/officeDocument/2006/relationships" xmlns:p="http://schemas.openxmlformats.org/presentationml/2006/main">
   <p:cSld>
     <p:spTree>

--- a/supporting info/MetCValues.pptx
+++ b/supporting info/MetCValues.pptx
@@ -5,10 +5,12 @@
     <p:sldMasterId id="2147483648" r:id="rId1"/>
   </p:sldMasterIdLst>
   <p:sldIdLst>
-    <p:sldId id="257" r:id="rId2"/>
-    <p:sldId id="258" r:id="rId3"/>
-    <p:sldId id="259" r:id="rId4"/>
-    <p:sldId id="256" r:id="rId5"/>
+    <p:sldId id="258" r:id="rId2"/>
+    <p:sldId id="260" r:id="rId3"/>
+    <p:sldId id="261" r:id="rId4"/>
+    <p:sldId id="262" r:id="rId5"/>
+    <p:sldId id="259" r:id="rId6"/>
+    <p:sldId id="256" r:id="rId7"/>
   </p:sldIdLst>
   <p:sldSz cx="12192000" cy="6858000"/>
   <p:notesSz cx="6858000" cy="9144000"/>
@@ -262,7 +264,7 @@
           <a:p>
             <a:fld id="{46B192D3-75C5-6B44-834B-54BE7B371A56}" type="datetimeFigureOut">
               <a:rPr lang="en-US" smtClean="0"/>
-              <a:t>1/8/21</a:t>
+              <a:t>1/26/21</a:t>
             </a:fld>
             <a:endParaRPr lang="en-US"/>
           </a:p>
@@ -460,7 +462,7 @@
           <a:p>
             <a:fld id="{46B192D3-75C5-6B44-834B-54BE7B371A56}" type="datetimeFigureOut">
               <a:rPr lang="en-US" smtClean="0"/>
-              <a:t>1/8/21</a:t>
+              <a:t>1/26/21</a:t>
             </a:fld>
             <a:endParaRPr lang="en-US"/>
           </a:p>
@@ -668,7 +670,7 @@
           <a:p>
             <a:fld id="{46B192D3-75C5-6B44-834B-54BE7B371A56}" type="datetimeFigureOut">
               <a:rPr lang="en-US" smtClean="0"/>
-              <a:t>1/8/21</a:t>
+              <a:t>1/26/21</a:t>
             </a:fld>
             <a:endParaRPr lang="en-US"/>
           </a:p>
@@ -866,7 +868,7 @@
           <a:p>
             <a:fld id="{46B192D3-75C5-6B44-834B-54BE7B371A56}" type="datetimeFigureOut">
               <a:rPr lang="en-US" smtClean="0"/>
-              <a:t>1/8/21</a:t>
+              <a:t>1/26/21</a:t>
             </a:fld>
             <a:endParaRPr lang="en-US"/>
           </a:p>
@@ -1141,7 +1143,7 @@
           <a:p>
             <a:fld id="{46B192D3-75C5-6B44-834B-54BE7B371A56}" type="datetimeFigureOut">
               <a:rPr lang="en-US" smtClean="0"/>
-              <a:t>1/8/21</a:t>
+              <a:t>1/26/21</a:t>
             </a:fld>
             <a:endParaRPr lang="en-US"/>
           </a:p>
@@ -1406,7 +1408,7 @@
           <a:p>
             <a:fld id="{46B192D3-75C5-6B44-834B-54BE7B371A56}" type="datetimeFigureOut">
               <a:rPr lang="en-US" smtClean="0"/>
-              <a:t>1/8/21</a:t>
+              <a:t>1/26/21</a:t>
             </a:fld>
             <a:endParaRPr lang="en-US"/>
           </a:p>
@@ -1818,7 +1820,7 @@
           <a:p>
             <a:fld id="{46B192D3-75C5-6B44-834B-54BE7B371A56}" type="datetimeFigureOut">
               <a:rPr lang="en-US" smtClean="0"/>
-              <a:t>1/8/21</a:t>
+              <a:t>1/26/21</a:t>
             </a:fld>
             <a:endParaRPr lang="en-US"/>
           </a:p>
@@ -1959,7 +1961,7 @@
           <a:p>
             <a:fld id="{46B192D3-75C5-6B44-834B-54BE7B371A56}" type="datetimeFigureOut">
               <a:rPr lang="en-US" smtClean="0"/>
-              <a:t>1/8/21</a:t>
+              <a:t>1/26/21</a:t>
             </a:fld>
             <a:endParaRPr lang="en-US"/>
           </a:p>
@@ -2072,7 +2074,7 @@
           <a:p>
             <a:fld id="{46B192D3-75C5-6B44-834B-54BE7B371A56}" type="datetimeFigureOut">
               <a:rPr lang="en-US" smtClean="0"/>
-              <a:t>1/8/21</a:t>
+              <a:t>1/26/21</a:t>
             </a:fld>
             <a:endParaRPr lang="en-US"/>
           </a:p>
@@ -2383,7 +2385,7 @@
           <a:p>
             <a:fld id="{46B192D3-75C5-6B44-834B-54BE7B371A56}" type="datetimeFigureOut">
               <a:rPr lang="en-US" smtClean="0"/>
-              <a:t>1/8/21</a:t>
+              <a:t>1/26/21</a:t>
             </a:fld>
             <a:endParaRPr lang="en-US"/>
           </a:p>
@@ -2671,7 +2673,7 @@
           <a:p>
             <a:fld id="{46B192D3-75C5-6B44-834B-54BE7B371A56}" type="datetimeFigureOut">
               <a:rPr lang="en-US" smtClean="0"/>
-              <a:t>1/8/21</a:t>
+              <a:t>1/26/21</a:t>
             </a:fld>
             <a:endParaRPr lang="en-US"/>
           </a:p>
@@ -2912,7 +2914,7 @@
           <a:p>
             <a:fld id="{46B192D3-75C5-6B44-834B-54BE7B371A56}" type="datetimeFigureOut">
               <a:rPr lang="en-US" smtClean="0"/>
-              <a:t>1/8/21</a:t>
+              <a:t>1/26/21</a:t>
             </a:fld>
             <a:endParaRPr lang="en-US"/>
           </a:p>
@@ -3331,10 +3333,10 @@
       </p:grpSpPr>
       <p:sp>
         <p:nvSpPr>
-          <p:cNvPr id="15" name="Oval 14">
-            <a:extLst>
-              <a:ext uri="{FF2B5EF4-FFF2-40B4-BE49-F238E27FC236}">
-                <a16:creationId xmlns:a16="http://schemas.microsoft.com/office/drawing/2014/main" id="{249E30F8-BE23-594C-8856-87A7EECF5573}"/>
+          <p:cNvPr id="42" name="Oval 41">
+            <a:extLst>
+              <a:ext uri="{FF2B5EF4-FFF2-40B4-BE49-F238E27FC236}">
+                <a16:creationId xmlns:a16="http://schemas.microsoft.com/office/drawing/2014/main" id="{025C9E51-3159-CC41-B65E-B340371708C5}"/>
               </a:ext>
             </a:extLst>
           </p:cNvPr>
@@ -3343,13 +3345,18 @@
         </p:nvSpPr>
         <p:spPr>
           <a:xfrm>
-            <a:off x="427524" y="1187063"/>
-            <a:ext cx="2785241" cy="2215228"/>
+            <a:off x="130240" y="2164359"/>
+            <a:ext cx="2693461" cy="2369419"/>
           </a:xfrm>
           <a:prstGeom prst="ellipse">
             <a:avLst/>
           </a:prstGeom>
-          <a:noFill/>
+          <a:solidFill>
+            <a:schemeClr val="accent5">
+              <a:lumMod val="20000"/>
+              <a:lumOff val="80000"/>
+            </a:schemeClr>
+          </a:solidFill>
           <a:ln w="38100">
             <a:solidFill>
               <a:schemeClr val="tx1"/>
@@ -3454,10 +3461,10 @@
       </p:sp>
       <p:sp>
         <p:nvSpPr>
-          <p:cNvPr id="16" name="Oval 15">
-            <a:extLst>
-              <a:ext uri="{FF2B5EF4-FFF2-40B4-BE49-F238E27FC236}">
-                <a16:creationId xmlns:a16="http://schemas.microsoft.com/office/drawing/2014/main" id="{8A30D532-3D7F-D14F-85BF-A3C39537571B}"/>
+          <p:cNvPr id="43" name="Oval 42">
+            <a:extLst>
+              <a:ext uri="{FF2B5EF4-FFF2-40B4-BE49-F238E27FC236}">
+                <a16:creationId xmlns:a16="http://schemas.microsoft.com/office/drawing/2014/main" id="{98CC81A8-98C6-3046-8C82-9657CF9FB91A}"/>
               </a:ext>
             </a:extLst>
           </p:cNvPr>
@@ -3466,13 +3473,18 @@
         </p:nvSpPr>
         <p:spPr>
           <a:xfrm>
-            <a:off x="1962207" y="1213772"/>
-            <a:ext cx="2785241" cy="2215228"/>
+            <a:off x="2778091" y="2164359"/>
+            <a:ext cx="2693461" cy="2369419"/>
           </a:xfrm>
           <a:prstGeom prst="ellipse">
             <a:avLst/>
           </a:prstGeom>
-          <a:noFill/>
+          <a:solidFill>
+            <a:schemeClr val="accent6">
+              <a:lumMod val="20000"/>
+              <a:lumOff val="80000"/>
+            </a:schemeClr>
+          </a:solidFill>
           <a:ln w="38100">
             <a:solidFill>
               <a:schemeClr val="tx1"/>
@@ -3577,10 +3589,10 @@
       </p:sp>
       <p:sp>
         <p:nvSpPr>
-          <p:cNvPr id="17" name="Oval 16">
-            <a:extLst>
-              <a:ext uri="{FF2B5EF4-FFF2-40B4-BE49-F238E27FC236}">
-                <a16:creationId xmlns:a16="http://schemas.microsoft.com/office/drawing/2014/main" id="{A9A3AD42-9AE7-594C-A886-B42D3F160FA3}"/>
+          <p:cNvPr id="44" name="Oval 43">
+            <a:extLst>
+              <a:ext uri="{FF2B5EF4-FFF2-40B4-BE49-F238E27FC236}">
+                <a16:creationId xmlns:a16="http://schemas.microsoft.com/office/drawing/2014/main" id="{D61F84EA-DE34-374A-B434-1395AF6C0706}"/>
               </a:ext>
             </a:extLst>
           </p:cNvPr>
@@ -3589,13 +3601,18 @@
         </p:nvSpPr>
         <p:spPr>
           <a:xfrm>
-            <a:off x="1215081" y="269033"/>
-            <a:ext cx="2785241" cy="2215228"/>
+            <a:off x="1476970" y="153354"/>
+            <a:ext cx="2693461" cy="2369419"/>
           </a:xfrm>
           <a:prstGeom prst="ellipse">
             <a:avLst/>
           </a:prstGeom>
-          <a:noFill/>
+          <a:solidFill>
+            <a:schemeClr val="accent4">
+              <a:lumMod val="20000"/>
+              <a:lumOff val="80000"/>
+            </a:schemeClr>
+          </a:solidFill>
           <a:ln w="38100">
             <a:solidFill>
               <a:schemeClr val="tx1"/>
@@ -3700,62 +3717,10 @@
       </p:sp>
       <p:sp>
         <p:nvSpPr>
-          <p:cNvPr id="18" name="Rectangle 17">
-            <a:extLst>
-              <a:ext uri="{FF2B5EF4-FFF2-40B4-BE49-F238E27FC236}">
-                <a16:creationId xmlns:a16="http://schemas.microsoft.com/office/drawing/2014/main" id="{D21484C1-604F-8142-86D4-FAEFAC898532}"/>
-              </a:ext>
-            </a:extLst>
-          </p:cNvPr>
-          <p:cNvSpPr/>
-          <p:nvPr/>
-        </p:nvSpPr>
-        <p:spPr>
-          <a:xfrm>
-            <a:off x="2021190" y="2141683"/>
-            <a:ext cx="1127155" cy="369287"/>
-          </a:xfrm>
-          <a:prstGeom prst="rect">
-            <a:avLst/>
-          </a:prstGeom>
-          <a:solidFill>
-            <a:schemeClr val="bg1"/>
-          </a:solidFill>
-          <a:ln>
-            <a:noFill/>
-          </a:ln>
-        </p:spPr>
-        <p:style>
-          <a:lnRef idx="2">
-            <a:schemeClr val="accent1">
-              <a:shade val="50000"/>
-            </a:schemeClr>
-          </a:lnRef>
-          <a:fillRef idx="1">
-            <a:schemeClr val="accent1"/>
-          </a:fillRef>
-          <a:effectRef idx="0">
-            <a:schemeClr val="accent1"/>
-          </a:effectRef>
-          <a:fontRef idx="minor">
-            <a:schemeClr val="lt1"/>
-          </a:fontRef>
-        </p:style>
-        <p:txBody>
-          <a:bodyPr rtlCol="0" anchor="ctr"/>
-          <a:lstStyle/>
-          <a:p>
-            <a:pPr algn="ctr"/>
-            <a:endParaRPr lang="en-US"/>
-          </a:p>
-        </p:txBody>
-      </p:sp>
-      <p:sp>
-        <p:nvSpPr>
-          <p:cNvPr id="19" name="TextBox 18">
-            <a:extLst>
-              <a:ext uri="{FF2B5EF4-FFF2-40B4-BE49-F238E27FC236}">
-                <a16:creationId xmlns:a16="http://schemas.microsoft.com/office/drawing/2014/main" id="{FB2B366A-4475-1745-B63E-25ACA22F1A97}"/>
+          <p:cNvPr id="45" name="TextBox 44">
+            <a:extLst>
+              <a:ext uri="{FF2B5EF4-FFF2-40B4-BE49-F238E27FC236}">
+                <a16:creationId xmlns:a16="http://schemas.microsoft.com/office/drawing/2014/main" id="{1236AC75-21CC-2C48-BF50-588AD619037D}"/>
               </a:ext>
             </a:extLst>
           </p:cNvPr>
@@ -3764,8 +3729,8 @@
         </p:nvSpPr>
         <p:spPr>
           <a:xfrm>
-            <a:off x="989387" y="2232661"/>
-            <a:ext cx="814647" cy="400110"/>
+            <a:off x="616858" y="2843347"/>
+            <a:ext cx="1067921" cy="523220"/>
           </a:xfrm>
           <a:prstGeom prst="rect">
             <a:avLst/>
@@ -3779,7 +3744,7 @@
           <a:lstStyle/>
           <a:p>
             <a:r>
-              <a:rPr lang="en-US" sz="2000" b="1" dirty="0">
+              <a:rPr lang="en-US" sz="2800" b="1" dirty="0">
                 <a:latin typeface="Helvetica Neue Condensed" panose="02000503000000020004" pitchFamily="2" charset="0"/>
                 <a:ea typeface="Helvetica Neue Condensed" panose="02000503000000020004" pitchFamily="2" charset="0"/>
                 <a:cs typeface="Helvetica Neue Condensed" panose="02000503000000020004" pitchFamily="2" charset="0"/>
@@ -3791,10 +3756,10 @@
       </p:sp>
       <p:sp>
         <p:nvSpPr>
-          <p:cNvPr id="20" name="TextBox 19">
-            <a:extLst>
-              <a:ext uri="{FF2B5EF4-FFF2-40B4-BE49-F238E27FC236}">
-                <a16:creationId xmlns:a16="http://schemas.microsoft.com/office/drawing/2014/main" id="{593DC7A3-3F77-A44A-A4AF-68BBD649B00D}"/>
+          <p:cNvPr id="46" name="TextBox 45">
+            <a:extLst>
+              <a:ext uri="{FF2B5EF4-FFF2-40B4-BE49-F238E27FC236}">
+                <a16:creationId xmlns:a16="http://schemas.microsoft.com/office/drawing/2014/main" id="{82010687-9228-DF45-B2ED-97427713167A}"/>
               </a:ext>
             </a:extLst>
           </p:cNvPr>
@@ -3803,8 +3768,8 @@
         </p:nvSpPr>
         <p:spPr>
           <a:xfrm>
-            <a:off x="3255374" y="2279624"/>
-            <a:ext cx="1347551" cy="400110"/>
+            <a:off x="3770284" y="2901442"/>
+            <a:ext cx="1802423" cy="523220"/>
           </a:xfrm>
           <a:prstGeom prst="rect">
             <a:avLst/>
@@ -3818,7 +3783,7 @@
           <a:lstStyle/>
           <a:p>
             <a:r>
-              <a:rPr lang="en-US" sz="2000" b="1" dirty="0">
+              <a:rPr lang="en-US" sz="2800" b="1" dirty="0">
                 <a:latin typeface="Helvetica Neue Condensed" panose="02000503000000020004" pitchFamily="2" charset="0"/>
                 <a:ea typeface="Helvetica Neue Condensed" panose="02000503000000020004" pitchFamily="2" charset="0"/>
                 <a:cs typeface="Helvetica Neue Condensed" panose="02000503000000020004" pitchFamily="2" charset="0"/>
@@ -3830,10 +3795,10 @@
       </p:sp>
       <p:sp>
         <p:nvSpPr>
-          <p:cNvPr id="21" name="TextBox 20">
-            <a:extLst>
-              <a:ext uri="{FF2B5EF4-FFF2-40B4-BE49-F238E27FC236}">
-                <a16:creationId xmlns:a16="http://schemas.microsoft.com/office/drawing/2014/main" id="{4CEC7ABF-4E25-4649-86FC-074ED6F7043F}"/>
+          <p:cNvPr id="47" name="TextBox 46">
+            <a:extLst>
+              <a:ext uri="{FF2B5EF4-FFF2-40B4-BE49-F238E27FC236}">
+                <a16:creationId xmlns:a16="http://schemas.microsoft.com/office/drawing/2014/main" id="{5E5293A6-9E28-3C48-9008-4973156D7EB9}"/>
               </a:ext>
             </a:extLst>
           </p:cNvPr>
@@ -3842,8 +3807,8 @@
         </p:nvSpPr>
         <p:spPr>
           <a:xfrm>
-            <a:off x="1850678" y="360844"/>
-            <a:ext cx="1590500" cy="400110"/>
+            <a:off x="1740201" y="515855"/>
+            <a:ext cx="2159566" cy="523220"/>
           </a:xfrm>
           <a:prstGeom prst="rect">
             <a:avLst/>
@@ -3857,7 +3822,7 @@
           <a:lstStyle/>
           <a:p>
             <a:r>
-              <a:rPr lang="en-US" sz="2000" b="1" dirty="0">
+              <a:rPr lang="en-US" sz="2800" b="1" dirty="0">
                 <a:latin typeface="Helvetica Neue Condensed" panose="02000503000000020004" pitchFamily="2" charset="0"/>
                 <a:ea typeface="Helvetica Neue Condensed" panose="02000503000000020004" pitchFamily="2" charset="0"/>
                 <a:cs typeface="Helvetica Neue Condensed" panose="02000503000000020004" pitchFamily="2" charset="0"/>
@@ -3869,114 +3834,10 @@
       </p:sp>
       <p:sp>
         <p:nvSpPr>
-          <p:cNvPr id="23" name="Rectangle 22">
-            <a:extLst>
-              <a:ext uri="{FF2B5EF4-FFF2-40B4-BE49-F238E27FC236}">
-                <a16:creationId xmlns:a16="http://schemas.microsoft.com/office/drawing/2014/main" id="{66274419-2745-2841-8CA8-33F44AE9477D}"/>
-              </a:ext>
-            </a:extLst>
-          </p:cNvPr>
-          <p:cNvSpPr/>
-          <p:nvPr/>
-        </p:nvSpPr>
-        <p:spPr>
-          <a:xfrm rot="18646391">
-            <a:off x="1686450" y="1639850"/>
-            <a:ext cx="1028456" cy="369287"/>
-          </a:xfrm>
-          <a:prstGeom prst="rect">
-            <a:avLst/>
-          </a:prstGeom>
-          <a:solidFill>
-            <a:schemeClr val="bg1"/>
-          </a:solidFill>
-          <a:ln>
-            <a:noFill/>
-          </a:ln>
-        </p:spPr>
-        <p:style>
-          <a:lnRef idx="2">
-            <a:schemeClr val="accent1">
-              <a:shade val="50000"/>
-            </a:schemeClr>
-          </a:lnRef>
-          <a:fillRef idx="1">
-            <a:schemeClr val="accent1"/>
-          </a:fillRef>
-          <a:effectRef idx="0">
-            <a:schemeClr val="accent1"/>
-          </a:effectRef>
-          <a:fontRef idx="minor">
-            <a:schemeClr val="lt1"/>
-          </a:fontRef>
-        </p:style>
-        <p:txBody>
-          <a:bodyPr rtlCol="0" anchor="ctr"/>
-          <a:lstStyle/>
-          <a:p>
-            <a:pPr algn="ctr"/>
-            <a:endParaRPr lang="en-US"/>
-          </a:p>
-        </p:txBody>
-      </p:sp>
-      <p:sp>
-        <p:nvSpPr>
-          <p:cNvPr id="24" name="Rectangle 23">
-            <a:extLst>
-              <a:ext uri="{FF2B5EF4-FFF2-40B4-BE49-F238E27FC236}">
-                <a16:creationId xmlns:a16="http://schemas.microsoft.com/office/drawing/2014/main" id="{6B060312-F73B-1242-99D5-40EBF09C76E3}"/>
-              </a:ext>
-            </a:extLst>
-          </p:cNvPr>
-          <p:cNvSpPr/>
-          <p:nvPr/>
-        </p:nvSpPr>
-        <p:spPr>
-          <a:xfrm rot="14216482">
-            <a:off x="2429492" y="1703758"/>
-            <a:ext cx="1053289" cy="316004"/>
-          </a:xfrm>
-          <a:prstGeom prst="rect">
-            <a:avLst/>
-          </a:prstGeom>
-          <a:solidFill>
-            <a:schemeClr val="bg1"/>
-          </a:solidFill>
-          <a:ln>
-            <a:noFill/>
-          </a:ln>
-        </p:spPr>
-        <p:style>
-          <a:lnRef idx="2">
-            <a:schemeClr val="accent1">
-              <a:shade val="50000"/>
-            </a:schemeClr>
-          </a:lnRef>
-          <a:fillRef idx="1">
-            <a:schemeClr val="accent1"/>
-          </a:fillRef>
-          <a:effectRef idx="0">
-            <a:schemeClr val="accent1"/>
-          </a:effectRef>
-          <a:fontRef idx="minor">
-            <a:schemeClr val="lt1"/>
-          </a:fontRef>
-        </p:style>
-        <p:txBody>
-          <a:bodyPr rtlCol="0" anchor="ctr"/>
-          <a:lstStyle/>
-          <a:p>
-            <a:pPr algn="ctr"/>
-            <a:endParaRPr lang="en-US"/>
-          </a:p>
-        </p:txBody>
-      </p:sp>
-      <p:sp>
-        <p:nvSpPr>
-          <p:cNvPr id="22" name="TextBox 21">
-            <a:extLst>
-              <a:ext uri="{FF2B5EF4-FFF2-40B4-BE49-F238E27FC236}">
-                <a16:creationId xmlns:a16="http://schemas.microsoft.com/office/drawing/2014/main" id="{342A7FF0-A646-C144-9445-4D0115BEAE69}"/>
+          <p:cNvPr id="48" name="TextBox 47">
+            <a:extLst>
+              <a:ext uri="{FF2B5EF4-FFF2-40B4-BE49-F238E27FC236}">
+                <a16:creationId xmlns:a16="http://schemas.microsoft.com/office/drawing/2014/main" id="{FAD1B3F1-09D6-D24A-8A29-59FE35E29D94}"/>
               </a:ext>
             </a:extLst>
           </p:cNvPr>
@@ -3985,8 +3846,8 @@
         </p:nvSpPr>
         <p:spPr>
           <a:xfrm>
-            <a:off x="1749155" y="1482692"/>
-            <a:ext cx="1686428" cy="954107"/>
+            <a:off x="2923206" y="3308065"/>
+            <a:ext cx="2375094" cy="646331"/>
           </a:xfrm>
           <a:prstGeom prst="rect">
             <a:avLst/>
@@ -4001,61 +3862,31 @@
           <a:p>
             <a:pPr algn="ctr"/>
             <a:r>
-              <a:rPr lang="en-US" sz="2800" b="1" dirty="0">
-                <a:latin typeface="Helvetica Neue Condensed" panose="02000503000000020004" pitchFamily="2" charset="0"/>
-                <a:ea typeface="Helvetica Neue Condensed" panose="02000503000000020004" pitchFamily="2" charset="0"/>
-                <a:cs typeface="Helvetica Neue Condensed" panose="02000503000000020004" pitchFamily="2" charset="0"/>
-              </a:rPr>
-              <a:t>Economic Values</a:t>
-            </a:r>
-          </a:p>
-        </p:txBody>
-      </p:sp>
-      <p:sp>
-        <p:nvSpPr>
-          <p:cNvPr id="25" name="TextBox 24">
-            <a:extLst>
-              <a:ext uri="{FF2B5EF4-FFF2-40B4-BE49-F238E27FC236}">
-                <a16:creationId xmlns:a16="http://schemas.microsoft.com/office/drawing/2014/main" id="{3BFA1679-B63F-574E-82CB-193A3BCA6729}"/>
-              </a:ext>
-            </a:extLst>
-          </p:cNvPr>
-          <p:cNvSpPr txBox="1"/>
-          <p:nvPr/>
-        </p:nvSpPr>
-        <p:spPr>
-          <a:xfrm>
-            <a:off x="3038307" y="2567963"/>
-            <a:ext cx="1633616" cy="646331"/>
-          </a:xfrm>
-          <a:prstGeom prst="rect">
-            <a:avLst/>
-          </a:prstGeom>
-          <a:noFill/>
-        </p:spPr>
-        <p:txBody>
-          <a:bodyPr wrap="square" rtlCol="0">
-            <a:spAutoFit/>
-          </a:bodyPr>
-          <a:lstStyle/>
-          <a:p>
-            <a:pPr algn="ctr"/>
-            <a:r>
               <a:rPr lang="en-US" dirty="0">
                 <a:latin typeface="Helvetica Neue UltraLight" panose="02000206000000020004" pitchFamily="2" charset="0"/>
                 <a:ea typeface="Helvetica Neue UltraLight" panose="02000206000000020004" pitchFamily="2" charset="0"/>
               </a:rPr>
-              <a:t>in the face of change</a:t>
-            </a:r>
-          </a:p>
-        </p:txBody>
-      </p:sp>
-      <p:sp>
-        <p:nvSpPr>
-          <p:cNvPr id="26" name="TextBox 25">
-            <a:extLst>
-              <a:ext uri="{FF2B5EF4-FFF2-40B4-BE49-F238E27FC236}">
-                <a16:creationId xmlns:a16="http://schemas.microsoft.com/office/drawing/2014/main" id="{A3AFF4E1-07F4-7D43-95AF-E5D3F617FA23}"/>
+              <a:t>	in the face of </a:t>
+            </a:r>
+          </a:p>
+          <a:p>
+            <a:pPr algn="ctr"/>
+            <a:r>
+              <a:rPr lang="en-US" dirty="0">
+                <a:latin typeface="Helvetica Neue UltraLight" panose="02000206000000020004" pitchFamily="2" charset="0"/>
+                <a:ea typeface="Helvetica Neue UltraLight" panose="02000206000000020004" pitchFamily="2" charset="0"/>
+              </a:rPr>
+              <a:t>change and uncertainty</a:t>
+            </a:r>
+          </a:p>
+        </p:txBody>
+      </p:sp>
+      <p:sp>
+        <p:nvSpPr>
+          <p:cNvPr id="49" name="TextBox 48">
+            <a:extLst>
+              <a:ext uri="{FF2B5EF4-FFF2-40B4-BE49-F238E27FC236}">
+                <a16:creationId xmlns:a16="http://schemas.microsoft.com/office/drawing/2014/main" id="{8C948D21-7868-6A44-93FF-55126333244E}"/>
               </a:ext>
             </a:extLst>
           </p:cNvPr>
@@ -4064,8 +3895,8 @@
         </p:nvSpPr>
         <p:spPr>
           <a:xfrm>
-            <a:off x="658648" y="2566590"/>
-            <a:ext cx="1633616" cy="646331"/>
+            <a:off x="0" y="3350512"/>
+            <a:ext cx="2470915" cy="646331"/>
           </a:xfrm>
           <a:prstGeom prst="rect">
             <a:avLst/>
@@ -4087,14 +3918,24 @@
               <a:t>and shared prosperity</a:t>
             </a:r>
           </a:p>
-        </p:txBody>
-      </p:sp>
-      <p:sp>
-        <p:nvSpPr>
-          <p:cNvPr id="27" name="TextBox 26">
-            <a:extLst>
-              <a:ext uri="{FF2B5EF4-FFF2-40B4-BE49-F238E27FC236}">
-                <a16:creationId xmlns:a16="http://schemas.microsoft.com/office/drawing/2014/main" id="{C1587008-E319-1B4B-BD06-1F13E9FB2AE9}"/>
+          <a:p>
+            <a:pPr algn="ctr"/>
+            <a:r>
+              <a:rPr lang="en-US" dirty="0">
+                <a:latin typeface="Helvetica Neue UltraLight" panose="02000206000000020004" pitchFamily="2" charset="0"/>
+                <a:ea typeface="Helvetica Neue UltraLight" panose="02000206000000020004" pitchFamily="2" charset="0"/>
+              </a:rPr>
+              <a:t>     throughout our region</a:t>
+            </a:r>
+          </a:p>
+        </p:txBody>
+      </p:sp>
+      <p:sp>
+        <p:nvSpPr>
+          <p:cNvPr id="50" name="TextBox 49">
+            <a:extLst>
+              <a:ext uri="{FF2B5EF4-FFF2-40B4-BE49-F238E27FC236}">
+                <a16:creationId xmlns:a16="http://schemas.microsoft.com/office/drawing/2014/main" id="{8490DBBD-C8EE-8E47-903B-78F5DC5FDD1B}"/>
               </a:ext>
             </a:extLst>
           </p:cNvPr>
@@ -4103,7 +3944,7 @@
         </p:nvSpPr>
         <p:spPr>
           <a:xfrm>
-            <a:off x="1451384" y="575550"/>
+            <a:off x="1549938" y="917714"/>
             <a:ext cx="2456305" cy="646331"/>
           </a:xfrm>
           <a:prstGeom prst="rect">
@@ -4130,10 +3971,10 @@
       </p:sp>
       <p:sp>
         <p:nvSpPr>
-          <p:cNvPr id="42" name="Oval 41">
-            <a:extLst>
-              <a:ext uri="{FF2B5EF4-FFF2-40B4-BE49-F238E27FC236}">
-                <a16:creationId xmlns:a16="http://schemas.microsoft.com/office/drawing/2014/main" id="{025C9E51-3159-CC41-B65E-B340371708C5}"/>
+          <p:cNvPr id="51" name="Oval 50">
+            <a:extLst>
+              <a:ext uri="{FF2B5EF4-FFF2-40B4-BE49-F238E27FC236}">
+                <a16:creationId xmlns:a16="http://schemas.microsoft.com/office/drawing/2014/main" id="{4F7D9C6C-2535-E040-AD94-2727F2AF37C2}"/>
               </a:ext>
             </a:extLst>
           </p:cNvPr>
@@ -4142,144 +3983,16 @@
         </p:nvSpPr>
         <p:spPr>
           <a:xfrm>
-            <a:off x="6096000" y="2658345"/>
-            <a:ext cx="2693461" cy="2369419"/>
+            <a:off x="1762100" y="1582372"/>
+            <a:ext cx="2115768" cy="1968415"/>
           </a:xfrm>
           <a:prstGeom prst="ellipse">
             <a:avLst/>
           </a:prstGeom>
           <a:solidFill>
-            <a:schemeClr val="accent5">
-              <a:lumMod val="20000"/>
-              <a:lumOff val="80000"/>
-            </a:schemeClr>
-          </a:solidFill>
-          <a:ln w="38100">
-            <a:solidFill>
-              <a:schemeClr val="tx1"/>
-            </a:solidFill>
-            <a:extLst>
-              <a:ext uri="{C807C97D-BFC1-408E-A445-0C87EB9F89A2}">
-                <ask:lineSketchStyleProps xmlns:ask="http://schemas.microsoft.com/office/drawing/2018/sketchyshapes" sd="2650216993">
-                  <a:custGeom>
-                    <a:avLst/>
-                    <a:gdLst>
-                      <a:gd name="connsiteX0" fmla="*/ 0 w 2785241"/>
-                      <a:gd name="connsiteY0" fmla="*/ 1392621 h 2785241"/>
-                      <a:gd name="connsiteX1" fmla="*/ 1392621 w 2785241"/>
-                      <a:gd name="connsiteY1" fmla="*/ 0 h 2785241"/>
-                      <a:gd name="connsiteX2" fmla="*/ 2785242 w 2785241"/>
-                      <a:gd name="connsiteY2" fmla="*/ 1392621 h 2785241"/>
-                      <a:gd name="connsiteX3" fmla="*/ 1392621 w 2785241"/>
-                      <a:gd name="connsiteY3" fmla="*/ 2785242 h 2785241"/>
-                      <a:gd name="connsiteX4" fmla="*/ 0 w 2785241"/>
-                      <a:gd name="connsiteY4" fmla="*/ 1392621 h 2785241"/>
-                    </a:gdLst>
-                    <a:ahLst/>
-                    <a:cxnLst>
-                      <a:cxn ang="0">
-                        <a:pos x="connsiteX0" y="connsiteY0"/>
-                      </a:cxn>
-                      <a:cxn ang="0">
-                        <a:pos x="connsiteX1" y="connsiteY1"/>
-                      </a:cxn>
-                      <a:cxn ang="0">
-                        <a:pos x="connsiteX2" y="connsiteY2"/>
-                      </a:cxn>
-                      <a:cxn ang="0">
-                        <a:pos x="connsiteX3" y="connsiteY3"/>
-                      </a:cxn>
-                      <a:cxn ang="0">
-                        <a:pos x="connsiteX4" y="connsiteY4"/>
-                      </a:cxn>
-                    </a:cxnLst>
-                    <a:rect l="l" t="t" r="r" b="b"/>
-                    <a:pathLst>
-                      <a:path w="2785241" h="2785241" extrusionOk="0">
-                        <a:moveTo>
-                          <a:pt x="0" y="1392621"/>
-                        </a:moveTo>
-                        <a:cubicBezTo>
-                          <a:pt x="-146960" y="629784"/>
-                          <a:pt x="745286" y="119738"/>
-                          <a:pt x="1392621" y="0"/>
-                        </a:cubicBezTo>
-                        <a:cubicBezTo>
-                          <a:pt x="2213807" y="106853"/>
-                          <a:pt x="2786906" y="674284"/>
-                          <a:pt x="2785242" y="1392621"/>
-                        </a:cubicBezTo>
-                        <a:cubicBezTo>
-                          <a:pt x="2699250" y="2032008"/>
-                          <a:pt x="2251663" y="2893961"/>
-                          <a:pt x="1392621" y="2785242"/>
-                        </a:cubicBezTo>
-                        <a:cubicBezTo>
-                          <a:pt x="674752" y="2594597"/>
-                          <a:pt x="103743" y="2355166"/>
-                          <a:pt x="0" y="1392621"/>
-                        </a:cubicBezTo>
-                        <a:close/>
-                      </a:path>
-                    </a:pathLst>
-                  </a:custGeom>
-                  <ask:type>
-                    <ask:lineSketchNone/>
-                  </ask:type>
-                </ask:lineSketchStyleProps>
-              </a:ext>
-            </a:extLst>
-          </a:ln>
-        </p:spPr>
-        <p:style>
-          <a:lnRef idx="2">
-            <a:schemeClr val="accent1">
-              <a:shade val="50000"/>
-            </a:schemeClr>
-          </a:lnRef>
-          <a:fillRef idx="1">
-            <a:schemeClr val="accent1"/>
-          </a:fillRef>
-          <a:effectRef idx="0">
-            <a:schemeClr val="accent1"/>
-          </a:effectRef>
-          <a:fontRef idx="minor">
-            <a:schemeClr val="lt1"/>
-          </a:fontRef>
-        </p:style>
-        <p:txBody>
-          <a:bodyPr rtlCol="0" anchor="ctr"/>
-          <a:lstStyle/>
-          <a:p>
-            <a:pPr algn="ctr"/>
-            <a:endParaRPr lang="en-US"/>
-          </a:p>
-        </p:txBody>
-      </p:sp>
-      <p:sp>
-        <p:nvSpPr>
-          <p:cNvPr id="43" name="Oval 42">
-            <a:extLst>
-              <a:ext uri="{FF2B5EF4-FFF2-40B4-BE49-F238E27FC236}">
-                <a16:creationId xmlns:a16="http://schemas.microsoft.com/office/drawing/2014/main" id="{98CC81A8-98C6-3046-8C82-9657CF9FB91A}"/>
-              </a:ext>
-            </a:extLst>
-          </p:cNvPr>
-          <p:cNvSpPr/>
-          <p:nvPr/>
-        </p:nvSpPr>
-        <p:spPr>
-          <a:xfrm>
-            <a:off x="8743851" y="2658345"/>
-            <a:ext cx="2693461" cy="2369419"/>
-          </a:xfrm>
-          <a:prstGeom prst="ellipse">
-            <a:avLst/>
-          </a:prstGeom>
-          <a:solidFill>
-            <a:schemeClr val="accent6">
-              <a:lumMod val="20000"/>
-              <a:lumOff val="80000"/>
+            <a:schemeClr val="tx1">
+              <a:lumMod val="65000"/>
+              <a:lumOff val="35000"/>
             </a:schemeClr>
           </a:solidFill>
           <a:ln w="38100">
@@ -4386,10 +4099,53 @@
       </p:sp>
       <p:sp>
         <p:nvSpPr>
-          <p:cNvPr id="44" name="Oval 43">
-            <a:extLst>
-              <a:ext uri="{FF2B5EF4-FFF2-40B4-BE49-F238E27FC236}">
-                <a16:creationId xmlns:a16="http://schemas.microsoft.com/office/drawing/2014/main" id="{D61F84EA-DE34-374A-B434-1395AF6C0706}"/>
+          <p:cNvPr id="52" name="TextBox 51">
+            <a:extLst>
+              <a:ext uri="{FF2B5EF4-FFF2-40B4-BE49-F238E27FC236}">
+                <a16:creationId xmlns:a16="http://schemas.microsoft.com/office/drawing/2014/main" id="{3CCEAC9E-FC0F-D34E-A591-444A55295E14}"/>
+              </a:ext>
+            </a:extLst>
+          </p:cNvPr>
+          <p:cNvSpPr txBox="1"/>
+          <p:nvPr/>
+        </p:nvSpPr>
+        <p:spPr>
+          <a:xfrm>
+            <a:off x="1863460" y="2016984"/>
+            <a:ext cx="2020838" cy="1200329"/>
+          </a:xfrm>
+          <a:prstGeom prst="rect">
+            <a:avLst/>
+          </a:prstGeom>
+          <a:noFill/>
+        </p:spPr>
+        <p:txBody>
+          <a:bodyPr wrap="square" rtlCol="0">
+            <a:spAutoFit/>
+          </a:bodyPr>
+          <a:lstStyle/>
+          <a:p>
+            <a:pPr algn="ctr"/>
+            <a:r>
+              <a:rPr lang="en-US" sz="3600" b="1" dirty="0">
+                <a:solidFill>
+                  <a:schemeClr val="bg1"/>
+                </a:solidFill>
+                <a:latin typeface="Helvetica Neue Condensed" panose="02000503000000020004" pitchFamily="2" charset="0"/>
+                <a:ea typeface="Helvetica Neue Condensed" panose="02000503000000020004" pitchFamily="2" charset="0"/>
+                <a:cs typeface="Helvetica Neue Condensed" panose="02000503000000020004" pitchFamily="2" charset="0"/>
+              </a:rPr>
+              <a:t>Economic Values</a:t>
+            </a:r>
+          </a:p>
+        </p:txBody>
+      </p:sp>
+      <p:sp>
+        <p:nvSpPr>
+          <p:cNvPr id="2" name="Rectangle 1">
+            <a:extLst>
+              <a:ext uri="{FF2B5EF4-FFF2-40B4-BE49-F238E27FC236}">
+                <a16:creationId xmlns:a16="http://schemas.microsoft.com/office/drawing/2014/main" id="{368B4AA0-CABA-DF48-BDFE-C96F6C7AA638}"/>
               </a:ext>
             </a:extLst>
           </p:cNvPr>
@@ -4398,10 +4154,10 @@
         </p:nvSpPr>
         <p:spPr>
           <a:xfrm>
-            <a:off x="7442730" y="647340"/>
-            <a:ext cx="2693461" cy="2369419"/>
-          </a:xfrm>
-          <a:prstGeom prst="ellipse">
+            <a:off x="6103550" y="393423"/>
+            <a:ext cx="5965760" cy="1887322"/>
+          </a:xfrm>
+          <a:prstGeom prst="rect">
             <a:avLst/>
           </a:prstGeom>
           <a:solidFill>
@@ -4410,82 +4166,6 @@
               <a:lumOff val="80000"/>
             </a:schemeClr>
           </a:solidFill>
-          <a:ln w="38100">
-            <a:solidFill>
-              <a:schemeClr val="tx1"/>
-            </a:solidFill>
-            <a:extLst>
-              <a:ext uri="{C807C97D-BFC1-408E-A445-0C87EB9F89A2}">
-                <ask:lineSketchStyleProps xmlns:ask="http://schemas.microsoft.com/office/drawing/2018/sketchyshapes" sd="1219033472">
-                  <a:custGeom>
-                    <a:avLst/>
-                    <a:gdLst>
-                      <a:gd name="connsiteX0" fmla="*/ 0 w 2785241"/>
-                      <a:gd name="connsiteY0" fmla="*/ 1392621 h 2785241"/>
-                      <a:gd name="connsiteX1" fmla="*/ 1392621 w 2785241"/>
-                      <a:gd name="connsiteY1" fmla="*/ 0 h 2785241"/>
-                      <a:gd name="connsiteX2" fmla="*/ 2785242 w 2785241"/>
-                      <a:gd name="connsiteY2" fmla="*/ 1392621 h 2785241"/>
-                      <a:gd name="connsiteX3" fmla="*/ 1392621 w 2785241"/>
-                      <a:gd name="connsiteY3" fmla="*/ 2785242 h 2785241"/>
-                      <a:gd name="connsiteX4" fmla="*/ 0 w 2785241"/>
-                      <a:gd name="connsiteY4" fmla="*/ 1392621 h 2785241"/>
-                    </a:gdLst>
-                    <a:ahLst/>
-                    <a:cxnLst>
-                      <a:cxn ang="0">
-                        <a:pos x="connsiteX0" y="connsiteY0"/>
-                      </a:cxn>
-                      <a:cxn ang="0">
-                        <a:pos x="connsiteX1" y="connsiteY1"/>
-                      </a:cxn>
-                      <a:cxn ang="0">
-                        <a:pos x="connsiteX2" y="connsiteY2"/>
-                      </a:cxn>
-                      <a:cxn ang="0">
-                        <a:pos x="connsiteX3" y="connsiteY3"/>
-                      </a:cxn>
-                      <a:cxn ang="0">
-                        <a:pos x="connsiteX4" y="connsiteY4"/>
-                      </a:cxn>
-                    </a:cxnLst>
-                    <a:rect l="l" t="t" r="r" b="b"/>
-                    <a:pathLst>
-                      <a:path w="2785241" h="2785241" extrusionOk="0">
-                        <a:moveTo>
-                          <a:pt x="0" y="1392621"/>
-                        </a:moveTo>
-                        <a:cubicBezTo>
-                          <a:pt x="-159963" y="524829"/>
-                          <a:pt x="462924" y="60266"/>
-                          <a:pt x="1392621" y="0"/>
-                        </a:cubicBezTo>
-                        <a:cubicBezTo>
-                          <a:pt x="2383256" y="46633"/>
-                          <a:pt x="2674064" y="627033"/>
-                          <a:pt x="2785242" y="1392621"/>
-                        </a:cubicBezTo>
-                        <a:cubicBezTo>
-                          <a:pt x="2653066" y="2290821"/>
-                          <a:pt x="2122196" y="3003838"/>
-                          <a:pt x="1392621" y="2785242"/>
-                        </a:cubicBezTo>
-                        <a:cubicBezTo>
-                          <a:pt x="520716" y="2729007"/>
-                          <a:pt x="136922" y="2227166"/>
-                          <a:pt x="0" y="1392621"/>
-                        </a:cubicBezTo>
-                        <a:close/>
-                      </a:path>
-                    </a:pathLst>
-                  </a:custGeom>
-                  <ask:type>
-                    <ask:lineSketchNone/>
-                  </ask:type>
-                </ask:lineSketchStyleProps>
-              </a:ext>
-            </a:extLst>
-          </a:ln>
         </p:spPr>
         <p:style>
           <a:lnRef idx="2">
@@ -4514,360 +4194,30 @@
       </p:sp>
       <p:sp>
         <p:nvSpPr>
-          <p:cNvPr id="45" name="TextBox 44">
-            <a:extLst>
-              <a:ext uri="{FF2B5EF4-FFF2-40B4-BE49-F238E27FC236}">
-                <a16:creationId xmlns:a16="http://schemas.microsoft.com/office/drawing/2014/main" id="{1236AC75-21CC-2C48-BF50-588AD619037D}"/>
-              </a:ext>
-            </a:extLst>
-          </p:cNvPr>
-          <p:cNvSpPr txBox="1"/>
+          <p:cNvPr id="37" name="Rectangle 36">
+            <a:extLst>
+              <a:ext uri="{FF2B5EF4-FFF2-40B4-BE49-F238E27FC236}">
+                <a16:creationId xmlns:a16="http://schemas.microsoft.com/office/drawing/2014/main" id="{AA086F9B-850A-8D44-BF09-E517824F4A13}"/>
+              </a:ext>
+            </a:extLst>
+          </p:cNvPr>
+          <p:cNvSpPr/>
           <p:nvPr/>
         </p:nvSpPr>
         <p:spPr>
           <a:xfrm>
-            <a:off x="6582618" y="3337333"/>
-            <a:ext cx="1067921" cy="523220"/>
+            <a:off x="6103550" y="2485339"/>
+            <a:ext cx="5965760" cy="1887322"/>
           </a:xfrm>
           <a:prstGeom prst="rect">
             <a:avLst/>
           </a:prstGeom>
-          <a:noFill/>
-        </p:spPr>
-        <p:txBody>
-          <a:bodyPr wrap="none" rtlCol="0">
-            <a:spAutoFit/>
-          </a:bodyPr>
-          <a:lstStyle/>
-          <a:p>
-            <a:r>
-              <a:rPr lang="en-US" sz="2800" b="1" dirty="0">
-                <a:latin typeface="Helvetica Neue Condensed" panose="02000503000000020004" pitchFamily="2" charset="0"/>
-                <a:ea typeface="Helvetica Neue Condensed" panose="02000503000000020004" pitchFamily="2" charset="0"/>
-                <a:cs typeface="Helvetica Neue Condensed" panose="02000503000000020004" pitchFamily="2" charset="0"/>
-              </a:rPr>
-              <a:t>Equity</a:t>
-            </a:r>
-          </a:p>
-        </p:txBody>
-      </p:sp>
-      <p:sp>
-        <p:nvSpPr>
-          <p:cNvPr id="46" name="TextBox 45">
-            <a:extLst>
-              <a:ext uri="{FF2B5EF4-FFF2-40B4-BE49-F238E27FC236}">
-                <a16:creationId xmlns:a16="http://schemas.microsoft.com/office/drawing/2014/main" id="{82010687-9228-DF45-B2ED-97427713167A}"/>
-              </a:ext>
-            </a:extLst>
-          </p:cNvPr>
-          <p:cNvSpPr txBox="1"/>
-          <p:nvPr/>
-        </p:nvSpPr>
-        <p:spPr>
-          <a:xfrm>
-            <a:off x="9736044" y="3395428"/>
-            <a:ext cx="1802423" cy="523220"/>
-          </a:xfrm>
-          <a:prstGeom prst="rect">
-            <a:avLst/>
-          </a:prstGeom>
-          <a:noFill/>
-        </p:spPr>
-        <p:txBody>
-          <a:bodyPr wrap="square" rtlCol="0">
-            <a:spAutoFit/>
-          </a:bodyPr>
-          <a:lstStyle/>
-          <a:p>
-            <a:r>
-              <a:rPr lang="en-US" sz="2800" b="1" dirty="0">
-                <a:latin typeface="Helvetica Neue Condensed" panose="02000503000000020004" pitchFamily="2" charset="0"/>
-                <a:ea typeface="Helvetica Neue Condensed" panose="02000503000000020004" pitchFamily="2" charset="0"/>
-                <a:cs typeface="Helvetica Neue Condensed" panose="02000503000000020004" pitchFamily="2" charset="0"/>
-              </a:rPr>
-              <a:t>Resilience</a:t>
-            </a:r>
-          </a:p>
-        </p:txBody>
-      </p:sp>
-      <p:sp>
-        <p:nvSpPr>
-          <p:cNvPr id="47" name="TextBox 46">
-            <a:extLst>
-              <a:ext uri="{FF2B5EF4-FFF2-40B4-BE49-F238E27FC236}">
-                <a16:creationId xmlns:a16="http://schemas.microsoft.com/office/drawing/2014/main" id="{5E5293A6-9E28-3C48-9008-4973156D7EB9}"/>
-              </a:ext>
-            </a:extLst>
-          </p:cNvPr>
-          <p:cNvSpPr txBox="1"/>
-          <p:nvPr/>
-        </p:nvSpPr>
-        <p:spPr>
-          <a:xfrm>
-            <a:off x="7705961" y="1009841"/>
-            <a:ext cx="2159566" cy="523220"/>
-          </a:xfrm>
-          <a:prstGeom prst="rect">
-            <a:avLst/>
-          </a:prstGeom>
-          <a:noFill/>
-        </p:spPr>
-        <p:txBody>
-          <a:bodyPr wrap="none" rtlCol="0">
-            <a:spAutoFit/>
-          </a:bodyPr>
-          <a:lstStyle/>
-          <a:p>
-            <a:r>
-              <a:rPr lang="en-US" sz="2800" b="1" dirty="0">
-                <a:latin typeface="Helvetica Neue Condensed" panose="02000503000000020004" pitchFamily="2" charset="0"/>
-                <a:ea typeface="Helvetica Neue Condensed" panose="02000503000000020004" pitchFamily="2" charset="0"/>
-                <a:cs typeface="Helvetica Neue Condensed" panose="02000503000000020004" pitchFamily="2" charset="0"/>
-              </a:rPr>
-              <a:t>Infrastructure</a:t>
-            </a:r>
-          </a:p>
-        </p:txBody>
-      </p:sp>
-      <p:sp>
-        <p:nvSpPr>
-          <p:cNvPr id="48" name="TextBox 47">
-            <a:extLst>
-              <a:ext uri="{FF2B5EF4-FFF2-40B4-BE49-F238E27FC236}">
-                <a16:creationId xmlns:a16="http://schemas.microsoft.com/office/drawing/2014/main" id="{FAD1B3F1-09D6-D24A-8A29-59FE35E29D94}"/>
-              </a:ext>
-            </a:extLst>
-          </p:cNvPr>
-          <p:cNvSpPr txBox="1"/>
-          <p:nvPr/>
-        </p:nvSpPr>
-        <p:spPr>
-          <a:xfrm>
-            <a:off x="8888966" y="3802051"/>
-            <a:ext cx="2375094" cy="646331"/>
-          </a:xfrm>
-          <a:prstGeom prst="rect">
-            <a:avLst/>
-          </a:prstGeom>
-          <a:noFill/>
-        </p:spPr>
-        <p:txBody>
-          <a:bodyPr wrap="square" rtlCol="0">
-            <a:spAutoFit/>
-          </a:bodyPr>
-          <a:lstStyle/>
-          <a:p>
-            <a:pPr algn="ctr"/>
-            <a:r>
-              <a:rPr lang="en-US" dirty="0">
-                <a:latin typeface="Helvetica Neue UltraLight" panose="02000206000000020004" pitchFamily="2" charset="0"/>
-                <a:ea typeface="Helvetica Neue UltraLight" panose="02000206000000020004" pitchFamily="2" charset="0"/>
-              </a:rPr>
-              <a:t>	in the face of </a:t>
-            </a:r>
-          </a:p>
-          <a:p>
-            <a:pPr algn="ctr"/>
-            <a:r>
-              <a:rPr lang="en-US" dirty="0">
-                <a:latin typeface="Helvetica Neue UltraLight" panose="02000206000000020004" pitchFamily="2" charset="0"/>
-                <a:ea typeface="Helvetica Neue UltraLight" panose="02000206000000020004" pitchFamily="2" charset="0"/>
-              </a:rPr>
-              <a:t>change and uncertainty</a:t>
-            </a:r>
-          </a:p>
-        </p:txBody>
-      </p:sp>
-      <p:sp>
-        <p:nvSpPr>
-          <p:cNvPr id="49" name="TextBox 48">
-            <a:extLst>
-              <a:ext uri="{FF2B5EF4-FFF2-40B4-BE49-F238E27FC236}">
-                <a16:creationId xmlns:a16="http://schemas.microsoft.com/office/drawing/2014/main" id="{8C948D21-7868-6A44-93FF-55126333244E}"/>
-              </a:ext>
-            </a:extLst>
-          </p:cNvPr>
-          <p:cNvSpPr txBox="1"/>
-          <p:nvPr/>
-        </p:nvSpPr>
-        <p:spPr>
-          <a:xfrm>
-            <a:off x="5965760" y="3844498"/>
-            <a:ext cx="2470915" cy="646331"/>
-          </a:xfrm>
-          <a:prstGeom prst="rect">
-            <a:avLst/>
-          </a:prstGeom>
-          <a:noFill/>
-        </p:spPr>
-        <p:txBody>
-          <a:bodyPr wrap="square" rtlCol="0">
-            <a:spAutoFit/>
-          </a:bodyPr>
-          <a:lstStyle/>
-          <a:p>
-            <a:pPr algn="ctr"/>
-            <a:r>
-              <a:rPr lang="en-US" dirty="0">
-                <a:latin typeface="Helvetica Neue UltraLight" panose="02000206000000020004" pitchFamily="2" charset="0"/>
-                <a:ea typeface="Helvetica Neue UltraLight" panose="02000206000000020004" pitchFamily="2" charset="0"/>
-              </a:rPr>
-              <a:t>and shared prosperity</a:t>
-            </a:r>
-          </a:p>
-          <a:p>
-            <a:pPr algn="ctr"/>
-            <a:r>
-              <a:rPr lang="en-US" dirty="0">
-                <a:latin typeface="Helvetica Neue UltraLight" panose="02000206000000020004" pitchFamily="2" charset="0"/>
-                <a:ea typeface="Helvetica Neue UltraLight" panose="02000206000000020004" pitchFamily="2" charset="0"/>
-              </a:rPr>
-              <a:t>     throughout our region</a:t>
-            </a:r>
-          </a:p>
-        </p:txBody>
-      </p:sp>
-      <p:sp>
-        <p:nvSpPr>
-          <p:cNvPr id="50" name="TextBox 49">
-            <a:extLst>
-              <a:ext uri="{FF2B5EF4-FFF2-40B4-BE49-F238E27FC236}">
-                <a16:creationId xmlns:a16="http://schemas.microsoft.com/office/drawing/2014/main" id="{8490DBBD-C8EE-8E47-903B-78F5DC5FDD1B}"/>
-              </a:ext>
-            </a:extLst>
-          </p:cNvPr>
-          <p:cNvSpPr txBox="1"/>
-          <p:nvPr/>
-        </p:nvSpPr>
-        <p:spPr>
-          <a:xfrm>
-            <a:off x="7515698" y="1411700"/>
-            <a:ext cx="2456305" cy="646331"/>
-          </a:xfrm>
-          <a:prstGeom prst="rect">
-            <a:avLst/>
-          </a:prstGeom>
-          <a:noFill/>
-        </p:spPr>
-        <p:txBody>
-          <a:bodyPr wrap="square" rtlCol="0">
-            <a:spAutoFit/>
-          </a:bodyPr>
-          <a:lstStyle/>
-          <a:p>
-            <a:pPr algn="ctr"/>
-            <a:r>
-              <a:rPr lang="en-US" dirty="0">
-                <a:latin typeface="Helvetica Neue UltraLight" panose="02000206000000020004" pitchFamily="2" charset="0"/>
-                <a:ea typeface="Helvetica Neue UltraLight" panose="02000206000000020004" pitchFamily="2" charset="0"/>
-              </a:rPr>
-              <a:t>to support current and future success</a:t>
-            </a:r>
-          </a:p>
-        </p:txBody>
-      </p:sp>
-      <p:sp>
-        <p:nvSpPr>
-          <p:cNvPr id="51" name="Oval 50">
-            <a:extLst>
-              <a:ext uri="{FF2B5EF4-FFF2-40B4-BE49-F238E27FC236}">
-                <a16:creationId xmlns:a16="http://schemas.microsoft.com/office/drawing/2014/main" id="{4F7D9C6C-2535-E040-AD94-2727F2AF37C2}"/>
-              </a:ext>
-            </a:extLst>
-          </p:cNvPr>
-          <p:cNvSpPr/>
-          <p:nvPr/>
-        </p:nvSpPr>
-        <p:spPr>
-          <a:xfrm>
-            <a:off x="7727860" y="2076358"/>
-            <a:ext cx="2115768" cy="1968415"/>
-          </a:xfrm>
-          <a:prstGeom prst="ellipse">
-            <a:avLst/>
-          </a:prstGeom>
           <a:solidFill>
-            <a:schemeClr val="tx1">
-              <a:lumMod val="65000"/>
-              <a:lumOff val="35000"/>
+            <a:schemeClr val="accent6">
+              <a:lumMod val="20000"/>
+              <a:lumOff val="80000"/>
             </a:schemeClr>
           </a:solidFill>
-          <a:ln w="38100">
-            <a:solidFill>
-              <a:schemeClr val="tx1"/>
-            </a:solidFill>
-            <a:extLst>
-              <a:ext uri="{C807C97D-BFC1-408E-A445-0C87EB9F89A2}">
-                <ask:lineSketchStyleProps xmlns:ask="http://schemas.microsoft.com/office/drawing/2018/sketchyshapes" sd="4266498984">
-                  <a:custGeom>
-                    <a:avLst/>
-                    <a:gdLst>
-                      <a:gd name="connsiteX0" fmla="*/ 0 w 2785241"/>
-                      <a:gd name="connsiteY0" fmla="*/ 1392621 h 2785241"/>
-                      <a:gd name="connsiteX1" fmla="*/ 1392621 w 2785241"/>
-                      <a:gd name="connsiteY1" fmla="*/ 0 h 2785241"/>
-                      <a:gd name="connsiteX2" fmla="*/ 2785242 w 2785241"/>
-                      <a:gd name="connsiteY2" fmla="*/ 1392621 h 2785241"/>
-                      <a:gd name="connsiteX3" fmla="*/ 1392621 w 2785241"/>
-                      <a:gd name="connsiteY3" fmla="*/ 2785242 h 2785241"/>
-                      <a:gd name="connsiteX4" fmla="*/ 0 w 2785241"/>
-                      <a:gd name="connsiteY4" fmla="*/ 1392621 h 2785241"/>
-                    </a:gdLst>
-                    <a:ahLst/>
-                    <a:cxnLst>
-                      <a:cxn ang="0">
-                        <a:pos x="connsiteX0" y="connsiteY0"/>
-                      </a:cxn>
-                      <a:cxn ang="0">
-                        <a:pos x="connsiteX1" y="connsiteY1"/>
-                      </a:cxn>
-                      <a:cxn ang="0">
-                        <a:pos x="connsiteX2" y="connsiteY2"/>
-                      </a:cxn>
-                      <a:cxn ang="0">
-                        <a:pos x="connsiteX3" y="connsiteY3"/>
-                      </a:cxn>
-                      <a:cxn ang="0">
-                        <a:pos x="connsiteX4" y="connsiteY4"/>
-                      </a:cxn>
-                    </a:cxnLst>
-                    <a:rect l="l" t="t" r="r" b="b"/>
-                    <a:pathLst>
-                      <a:path w="2785241" h="2785241" extrusionOk="0">
-                        <a:moveTo>
-                          <a:pt x="0" y="1392621"/>
-                        </a:moveTo>
-                        <a:cubicBezTo>
-                          <a:pt x="15392" y="507716"/>
-                          <a:pt x="756844" y="107415"/>
-                          <a:pt x="1392621" y="0"/>
-                        </a:cubicBezTo>
-                        <a:cubicBezTo>
-                          <a:pt x="2049078" y="-42599"/>
-                          <a:pt x="2842858" y="421480"/>
-                          <a:pt x="2785242" y="1392621"/>
-                        </a:cubicBezTo>
-                        <a:cubicBezTo>
-                          <a:pt x="2850895" y="2118349"/>
-                          <a:pt x="2144618" y="2828881"/>
-                          <a:pt x="1392621" y="2785242"/>
-                        </a:cubicBezTo>
-                        <a:cubicBezTo>
-                          <a:pt x="583574" y="2916360"/>
-                          <a:pt x="163944" y="2017545"/>
-                          <a:pt x="0" y="1392621"/>
-                        </a:cubicBezTo>
-                        <a:close/>
-                      </a:path>
-                    </a:pathLst>
-                  </a:custGeom>
-                  <ask:type>
-                    <ask:lineSketchNone/>
-                  </ask:type>
-                </ask:lineSketchStyleProps>
-              </a:ext>
-            </a:extLst>
-          </a:ln>
         </p:spPr>
         <p:style>
           <a:lnRef idx="2">
@@ -4896,10 +4246,62 @@
       </p:sp>
       <p:sp>
         <p:nvSpPr>
-          <p:cNvPr id="52" name="TextBox 51">
-            <a:extLst>
-              <a:ext uri="{FF2B5EF4-FFF2-40B4-BE49-F238E27FC236}">
-                <a16:creationId xmlns:a16="http://schemas.microsoft.com/office/drawing/2014/main" id="{3CCEAC9E-FC0F-D34E-A591-444A55295E14}"/>
+          <p:cNvPr id="38" name="Rectangle 37">
+            <a:extLst>
+              <a:ext uri="{FF2B5EF4-FFF2-40B4-BE49-F238E27FC236}">
+                <a16:creationId xmlns:a16="http://schemas.microsoft.com/office/drawing/2014/main" id="{3C7B57CD-28DB-E346-A3E0-E446EE1DF5C5}"/>
+              </a:ext>
+            </a:extLst>
+          </p:cNvPr>
+          <p:cNvSpPr/>
+          <p:nvPr/>
+        </p:nvSpPr>
+        <p:spPr>
+          <a:xfrm>
+            <a:off x="6096000" y="4577255"/>
+            <a:ext cx="5965760" cy="1887322"/>
+          </a:xfrm>
+          <a:prstGeom prst="rect">
+            <a:avLst/>
+          </a:prstGeom>
+          <a:solidFill>
+            <a:schemeClr val="accent1">
+              <a:lumMod val="20000"/>
+              <a:lumOff val="80000"/>
+            </a:schemeClr>
+          </a:solidFill>
+        </p:spPr>
+        <p:style>
+          <a:lnRef idx="2">
+            <a:schemeClr val="accent1">
+              <a:shade val="50000"/>
+            </a:schemeClr>
+          </a:lnRef>
+          <a:fillRef idx="1">
+            <a:schemeClr val="accent1"/>
+          </a:fillRef>
+          <a:effectRef idx="0">
+            <a:schemeClr val="accent1"/>
+          </a:effectRef>
+          <a:fontRef idx="minor">
+            <a:schemeClr val="lt1"/>
+          </a:fontRef>
+        </p:style>
+        <p:txBody>
+          <a:bodyPr rtlCol="0" anchor="ctr"/>
+          <a:lstStyle/>
+          <a:p>
+            <a:pPr algn="ctr"/>
+            <a:endParaRPr lang="en-US"/>
+          </a:p>
+        </p:txBody>
+      </p:sp>
+      <p:sp>
+        <p:nvSpPr>
+          <p:cNvPr id="39" name="TextBox 38">
+            <a:extLst>
+              <a:ext uri="{FF2B5EF4-FFF2-40B4-BE49-F238E27FC236}">
+                <a16:creationId xmlns:a16="http://schemas.microsoft.com/office/drawing/2014/main" id="{79679D49-4DF0-794E-A7AD-057036C5C753}"/>
               </a:ext>
             </a:extLst>
           </p:cNvPr>
@@ -4908,8 +4310,8 @@
         </p:nvSpPr>
         <p:spPr>
           <a:xfrm>
-            <a:off x="7829220" y="2510970"/>
-            <a:ext cx="2020838" cy="1200329"/>
+            <a:off x="6233743" y="387157"/>
+            <a:ext cx="2159566" cy="523220"/>
           </a:xfrm>
           <a:prstGeom prst="rect">
             <a:avLst/>
@@ -4917,22 +4319,355 @@
           <a:noFill/>
         </p:spPr>
         <p:txBody>
-          <a:bodyPr wrap="square" rtlCol="0">
+          <a:bodyPr wrap="none" rtlCol="0">
             <a:spAutoFit/>
           </a:bodyPr>
           <a:lstStyle/>
           <a:p>
-            <a:pPr algn="ctr"/>
-            <a:r>
-              <a:rPr lang="en-US" sz="3600" b="1" dirty="0">
-                <a:solidFill>
-                  <a:schemeClr val="bg1"/>
-                </a:solidFill>
+            <a:r>
+              <a:rPr lang="en-US" sz="2800" b="1" dirty="0">
                 <a:latin typeface="Helvetica Neue Condensed" panose="02000503000000020004" pitchFamily="2" charset="0"/>
                 <a:ea typeface="Helvetica Neue Condensed" panose="02000503000000020004" pitchFamily="2" charset="0"/>
                 <a:cs typeface="Helvetica Neue Condensed" panose="02000503000000020004" pitchFamily="2" charset="0"/>
               </a:rPr>
-              <a:t>Economic Values</a:t>
+              <a:t>Infrastructure</a:t>
+            </a:r>
+          </a:p>
+        </p:txBody>
+      </p:sp>
+      <p:sp>
+        <p:nvSpPr>
+          <p:cNvPr id="40" name="TextBox 39">
+            <a:extLst>
+              <a:ext uri="{FF2B5EF4-FFF2-40B4-BE49-F238E27FC236}">
+                <a16:creationId xmlns:a16="http://schemas.microsoft.com/office/drawing/2014/main" id="{5D988D40-38A2-1B45-8E07-2ABB2700CEB0}"/>
+              </a:ext>
+            </a:extLst>
+          </p:cNvPr>
+          <p:cNvSpPr txBox="1"/>
+          <p:nvPr/>
+        </p:nvSpPr>
+        <p:spPr>
+          <a:xfrm>
+            <a:off x="6096000" y="796706"/>
+            <a:ext cx="5965760" cy="1477328"/>
+          </a:xfrm>
+          <a:prstGeom prst="rect">
+            <a:avLst/>
+          </a:prstGeom>
+          <a:noFill/>
+        </p:spPr>
+        <p:txBody>
+          <a:bodyPr wrap="square" rtlCol="0">
+            <a:spAutoFit/>
+          </a:bodyPr>
+          <a:lstStyle/>
+          <a:p>
+            <a:pPr marL="285750" indent="-285750">
+              <a:buFont typeface="Arial" panose="020B0604020202020204" pitchFamily="34" charset="0"/>
+              <a:buChar char="•"/>
+            </a:pPr>
+            <a:r>
+              <a:rPr lang="en-US" dirty="0">
+                <a:latin typeface="Helvetica Neue UltraLight" panose="02000206000000020004" pitchFamily="2" charset="0"/>
+                <a:ea typeface="Helvetica Neue UltraLight" panose="02000206000000020004" pitchFamily="2" charset="0"/>
+              </a:rPr>
+              <a:t>% of tract within 800 m of highway (high % could indicate more favorable)</a:t>
+            </a:r>
+          </a:p>
+          <a:p>
+            <a:pPr marL="285750" indent="-285750">
+              <a:buFont typeface="Arial" panose="020B0604020202020204" pitchFamily="34" charset="0"/>
+              <a:buChar char="•"/>
+            </a:pPr>
+            <a:r>
+              <a:rPr lang="en-US" dirty="0">
+                <a:latin typeface="Helvetica Neue UltraLight" panose="02000206000000020004" pitchFamily="2" charset="0"/>
+                <a:ea typeface="Helvetica Neue UltraLight" panose="02000206000000020004" pitchFamily="2" charset="0"/>
+              </a:rPr>
+              <a:t>Existing job density (if past trends predict the future)</a:t>
+            </a:r>
+          </a:p>
+          <a:p>
+            <a:pPr marL="285750" indent="-285750">
+              <a:buFont typeface="Arial" panose="020B0604020202020204" pitchFamily="34" charset="0"/>
+              <a:buChar char="•"/>
+            </a:pPr>
+            <a:endParaRPr lang="en-US" dirty="0">
+              <a:latin typeface="Helvetica Neue UltraLight" panose="02000206000000020004" pitchFamily="2" charset="0"/>
+              <a:ea typeface="Helvetica Neue UltraLight" panose="02000206000000020004" pitchFamily="2" charset="0"/>
+            </a:endParaRPr>
+          </a:p>
+          <a:p>
+            <a:pPr marL="285750" indent="-285750">
+              <a:buFont typeface="Arial" panose="020B0604020202020204" pitchFamily="34" charset="0"/>
+              <a:buChar char="•"/>
+            </a:pPr>
+            <a:endParaRPr lang="en-US" dirty="0">
+              <a:latin typeface="Helvetica Neue UltraLight" panose="02000206000000020004" pitchFamily="2" charset="0"/>
+              <a:ea typeface="Helvetica Neue UltraLight" panose="02000206000000020004" pitchFamily="2" charset="0"/>
+            </a:endParaRPr>
+          </a:p>
+        </p:txBody>
+      </p:sp>
+      <p:sp>
+        <p:nvSpPr>
+          <p:cNvPr id="41" name="TextBox 40">
+            <a:extLst>
+              <a:ext uri="{FF2B5EF4-FFF2-40B4-BE49-F238E27FC236}">
+                <a16:creationId xmlns:a16="http://schemas.microsoft.com/office/drawing/2014/main" id="{B198E327-96D4-DA4E-94EE-62B8E077CEDA}"/>
+              </a:ext>
+            </a:extLst>
+          </p:cNvPr>
+          <p:cNvSpPr txBox="1"/>
+          <p:nvPr/>
+        </p:nvSpPr>
+        <p:spPr>
+          <a:xfrm>
+            <a:off x="6096000" y="4999866"/>
+            <a:ext cx="5965760" cy="1754326"/>
+          </a:xfrm>
+          <a:prstGeom prst="rect">
+            <a:avLst/>
+          </a:prstGeom>
+          <a:noFill/>
+        </p:spPr>
+        <p:txBody>
+          <a:bodyPr wrap="square" rtlCol="0">
+            <a:spAutoFit/>
+          </a:bodyPr>
+          <a:lstStyle/>
+          <a:p>
+            <a:pPr marL="285750" indent="-285750">
+              <a:buFont typeface="Arial" panose="020B0604020202020204" pitchFamily="34" charset="0"/>
+              <a:buChar char="•"/>
+            </a:pPr>
+            <a:r>
+              <a:rPr lang="en-US" dirty="0">
+                <a:latin typeface="Helvetica Neue UltraLight" panose="02000206000000020004" pitchFamily="2" charset="0"/>
+                <a:ea typeface="Helvetica Neue UltraLight" panose="02000206000000020004" pitchFamily="2" charset="0"/>
+              </a:rPr>
+              <a:t>Tract avg. commute length (higher travel times could signal a need for investment; could consider transit vs </a:t>
+            </a:r>
+            <a:r>
+              <a:rPr lang="en-US" dirty="0" err="1">
+                <a:latin typeface="Helvetica Neue UltraLight" panose="02000206000000020004" pitchFamily="2" charset="0"/>
+                <a:ea typeface="Helvetica Neue UltraLight" panose="02000206000000020004" pitchFamily="2" charset="0"/>
+              </a:rPr>
+              <a:t>sov</a:t>
+            </a:r>
+            <a:r>
+              <a:rPr lang="en-US" dirty="0">
+                <a:latin typeface="Helvetica Neue UltraLight" panose="02000206000000020004" pitchFamily="2" charset="0"/>
+                <a:ea typeface="Helvetica Neue UltraLight" panose="02000206000000020004" pitchFamily="2" charset="0"/>
+              </a:rPr>
+              <a:t> skims)</a:t>
+            </a:r>
+          </a:p>
+          <a:p>
+            <a:pPr marL="285750" indent="-285750">
+              <a:buFont typeface="Arial" panose="020B0604020202020204" pitchFamily="34" charset="0"/>
+              <a:buChar char="•"/>
+            </a:pPr>
+            <a:r>
+              <a:rPr lang="en-US" dirty="0">
+                <a:latin typeface="Helvetica Neue UltraLight" panose="02000206000000020004" pitchFamily="2" charset="0"/>
+                <a:ea typeface="Helvetica Neue UltraLight" panose="02000206000000020004" pitchFamily="2" charset="0"/>
+              </a:rPr>
+              <a:t>Tract avg. ACP/ACA (could indicate need for investment)</a:t>
+            </a:r>
+          </a:p>
+          <a:p>
+            <a:pPr marL="285750" indent="-285750">
+              <a:buFont typeface="Arial" panose="020B0604020202020204" pitchFamily="34" charset="0"/>
+              <a:buChar char="•"/>
+            </a:pPr>
+            <a:r>
+              <a:rPr lang="en-US" dirty="0">
+                <a:latin typeface="Helvetica Neue UltraLight" panose="02000206000000020004" pitchFamily="2" charset="0"/>
+                <a:ea typeface="Helvetica Neue UltraLight" panose="02000206000000020004" pitchFamily="2" charset="0"/>
+              </a:rPr>
+              <a:t>Tract avg. educational attainment vs regional (could indicate opportunity to match industries with workers)</a:t>
+            </a:r>
+          </a:p>
+          <a:p>
+            <a:pPr marL="285750" indent="-285750">
+              <a:buFont typeface="Arial" panose="020B0604020202020204" pitchFamily="34" charset="0"/>
+              <a:buChar char="•"/>
+            </a:pPr>
+            <a:endParaRPr lang="en-US" dirty="0">
+              <a:latin typeface="Helvetica Neue UltraLight" panose="02000206000000020004" pitchFamily="2" charset="0"/>
+              <a:ea typeface="Helvetica Neue UltraLight" panose="02000206000000020004" pitchFamily="2" charset="0"/>
+            </a:endParaRPr>
+          </a:p>
+        </p:txBody>
+      </p:sp>
+      <p:sp>
+        <p:nvSpPr>
+          <p:cNvPr id="53" name="TextBox 52">
+            <a:extLst>
+              <a:ext uri="{FF2B5EF4-FFF2-40B4-BE49-F238E27FC236}">
+                <a16:creationId xmlns:a16="http://schemas.microsoft.com/office/drawing/2014/main" id="{94199E8D-2964-3444-8E77-DB267E608C4C}"/>
+              </a:ext>
+            </a:extLst>
+          </p:cNvPr>
+          <p:cNvSpPr txBox="1"/>
+          <p:nvPr/>
+        </p:nvSpPr>
+        <p:spPr>
+          <a:xfrm>
+            <a:off x="6103550" y="2901442"/>
+            <a:ext cx="5965760" cy="1754326"/>
+          </a:xfrm>
+          <a:prstGeom prst="rect">
+            <a:avLst/>
+          </a:prstGeom>
+          <a:noFill/>
+        </p:spPr>
+        <p:txBody>
+          <a:bodyPr wrap="square" rtlCol="0">
+            <a:spAutoFit/>
+          </a:bodyPr>
+          <a:lstStyle/>
+          <a:p>
+            <a:pPr marL="285750" indent="-285750">
+              <a:buFont typeface="Arial" panose="020B0604020202020204" pitchFamily="34" charset="0"/>
+              <a:buChar char="•"/>
+            </a:pPr>
+            <a:r>
+              <a:rPr lang="en-US" dirty="0">
+                <a:latin typeface="Helvetica Neue UltraLight" panose="02000206000000020004" pitchFamily="2" charset="0"/>
+                <a:ea typeface="Helvetica Neue UltraLight" panose="02000206000000020004" pitchFamily="2" charset="0"/>
+              </a:rPr>
+              <a:t>Tract avg. </a:t>
+            </a:r>
+            <a:r>
+              <a:rPr lang="en-US" dirty="0" err="1">
+                <a:latin typeface="Helvetica Neue UltraLight" panose="02000206000000020004" pitchFamily="2" charset="0"/>
+                <a:ea typeface="Helvetica Neue UltraLight" panose="02000206000000020004" pitchFamily="2" charset="0"/>
+              </a:rPr>
+              <a:t>sov</a:t>
+            </a:r>
+            <a:r>
+              <a:rPr lang="en-US" dirty="0">
+                <a:latin typeface="Helvetica Neue UltraLight" panose="02000206000000020004" pitchFamily="2" charset="0"/>
+                <a:ea typeface="Helvetica Neue UltraLight" panose="02000206000000020004" pitchFamily="2" charset="0"/>
+              </a:rPr>
+              <a:t>/transit skim vs regional avg. (higher travel times could signal a need for investment)</a:t>
+            </a:r>
+          </a:p>
+          <a:p>
+            <a:pPr marL="285750" indent="-285750">
+              <a:buFont typeface="Arial" panose="020B0604020202020204" pitchFamily="34" charset="0"/>
+              <a:buChar char="•"/>
+            </a:pPr>
+            <a:r>
+              <a:rPr lang="en-US" dirty="0">
+                <a:latin typeface="Helvetica Neue UltraLight" panose="02000206000000020004" pitchFamily="2" charset="0"/>
+                <a:ea typeface="Helvetica Neue UltraLight" panose="02000206000000020004" pitchFamily="2" charset="0"/>
+              </a:rPr>
+              <a:t>Tract avg. area of conc. poverty/disparity</a:t>
+            </a:r>
+          </a:p>
+          <a:p>
+            <a:pPr marL="285750" indent="-285750">
+              <a:buFont typeface="Arial" panose="020B0604020202020204" pitchFamily="34" charset="0"/>
+              <a:buChar char="•"/>
+            </a:pPr>
+            <a:r>
+              <a:rPr lang="en-US" dirty="0">
+                <a:latin typeface="Helvetica Neue UltraLight" panose="02000206000000020004" pitchFamily="2" charset="0"/>
+                <a:ea typeface="Helvetica Neue UltraLight" panose="02000206000000020004" pitchFamily="2" charset="0"/>
+              </a:rPr>
+              <a:t>Tract job sector richness/evenness (higher richness/diversity = more buffered)</a:t>
+            </a:r>
+          </a:p>
+          <a:p>
+            <a:pPr marL="285750" indent="-285750">
+              <a:buFont typeface="Arial" panose="020B0604020202020204" pitchFamily="34" charset="0"/>
+              <a:buChar char="•"/>
+            </a:pPr>
+            <a:endParaRPr lang="en-US" dirty="0">
+              <a:latin typeface="Helvetica Neue UltraLight" panose="02000206000000020004" pitchFamily="2" charset="0"/>
+              <a:ea typeface="Helvetica Neue UltraLight" panose="02000206000000020004" pitchFamily="2" charset="0"/>
+            </a:endParaRPr>
+          </a:p>
+        </p:txBody>
+      </p:sp>
+      <p:sp>
+        <p:nvSpPr>
+          <p:cNvPr id="55" name="TextBox 54">
+            <a:extLst>
+              <a:ext uri="{FF2B5EF4-FFF2-40B4-BE49-F238E27FC236}">
+                <a16:creationId xmlns:a16="http://schemas.microsoft.com/office/drawing/2014/main" id="{DFF3BCDF-A1CC-E94D-8E30-7B7DAC5A6956}"/>
+              </a:ext>
+            </a:extLst>
+          </p:cNvPr>
+          <p:cNvSpPr txBox="1"/>
+          <p:nvPr/>
+        </p:nvSpPr>
+        <p:spPr>
+          <a:xfrm>
+            <a:off x="6233743" y="2495226"/>
+            <a:ext cx="1649811" cy="523220"/>
+          </a:xfrm>
+          <a:prstGeom prst="rect">
+            <a:avLst/>
+          </a:prstGeom>
+          <a:noFill/>
+        </p:spPr>
+        <p:txBody>
+          <a:bodyPr wrap="none" rtlCol="0">
+            <a:spAutoFit/>
+          </a:bodyPr>
+          <a:lstStyle/>
+          <a:p>
+            <a:r>
+              <a:rPr lang="en-US" sz="2800" b="1" dirty="0">
+                <a:latin typeface="Helvetica Neue Condensed" panose="02000503000000020004" pitchFamily="2" charset="0"/>
+                <a:ea typeface="Helvetica Neue Condensed" panose="02000503000000020004" pitchFamily="2" charset="0"/>
+                <a:cs typeface="Helvetica Neue Condensed" panose="02000503000000020004" pitchFamily="2" charset="0"/>
+              </a:rPr>
+              <a:t>Resilience</a:t>
+            </a:r>
+          </a:p>
+        </p:txBody>
+      </p:sp>
+      <p:sp>
+        <p:nvSpPr>
+          <p:cNvPr id="56" name="TextBox 55">
+            <a:extLst>
+              <a:ext uri="{FF2B5EF4-FFF2-40B4-BE49-F238E27FC236}">
+                <a16:creationId xmlns:a16="http://schemas.microsoft.com/office/drawing/2014/main" id="{FFA17469-2333-0048-804D-64B53266F3C5}"/>
+              </a:ext>
+            </a:extLst>
+          </p:cNvPr>
+          <p:cNvSpPr txBox="1"/>
+          <p:nvPr/>
+        </p:nvSpPr>
+        <p:spPr>
+          <a:xfrm>
+            <a:off x="6233743" y="4593536"/>
+            <a:ext cx="1067921" cy="523220"/>
+          </a:xfrm>
+          <a:prstGeom prst="rect">
+            <a:avLst/>
+          </a:prstGeom>
+          <a:noFill/>
+        </p:spPr>
+        <p:txBody>
+          <a:bodyPr wrap="none" rtlCol="0">
+            <a:spAutoFit/>
+          </a:bodyPr>
+          <a:lstStyle/>
+          <a:p>
+            <a:r>
+              <a:rPr lang="en-US" sz="2800" b="1" dirty="0">
+                <a:latin typeface="Helvetica Neue Condensed" panose="02000503000000020004" pitchFamily="2" charset="0"/>
+                <a:ea typeface="Helvetica Neue Condensed" panose="02000503000000020004" pitchFamily="2" charset="0"/>
+                <a:cs typeface="Helvetica Neue Condensed" panose="02000503000000020004" pitchFamily="2" charset="0"/>
+              </a:rPr>
+              <a:t>Equity</a:t>
             </a:r>
           </a:p>
         </p:txBody>
@@ -4940,7 +4675,7 @@
     </p:spTree>
     <p:extLst>
       <p:ext uri="{BB962C8B-B14F-4D97-AF65-F5344CB8AC3E}">
-        <p14:creationId xmlns:p14="http://schemas.microsoft.com/office/powerpoint/2010/main" val="1976835511"/>
+        <p14:creationId xmlns:p14="http://schemas.microsoft.com/office/powerpoint/2010/main" val="1131481521"/>
       </p:ext>
     </p:extLst>
   </p:cSld>
@@ -4969,10 +4704,10 @@
       </p:grpSpPr>
       <p:sp>
         <p:nvSpPr>
-          <p:cNvPr id="42" name="Oval 41">
-            <a:extLst>
-              <a:ext uri="{FF2B5EF4-FFF2-40B4-BE49-F238E27FC236}">
-                <a16:creationId xmlns:a16="http://schemas.microsoft.com/office/drawing/2014/main" id="{025C9E51-3159-CC41-B65E-B340371708C5}"/>
+          <p:cNvPr id="3" name="Rectangle 2">
+            <a:extLst>
+              <a:ext uri="{FF2B5EF4-FFF2-40B4-BE49-F238E27FC236}">
+                <a16:creationId xmlns:a16="http://schemas.microsoft.com/office/drawing/2014/main" id="{49249506-C57A-0A41-96C1-C8610AFC772E}"/>
               </a:ext>
             </a:extLst>
           </p:cNvPr>
@@ -4980,95 +4715,13 @@
           <p:nvPr/>
         </p:nvSpPr>
         <p:spPr>
-          <a:xfrm>
-            <a:off x="130240" y="2164359"/>
-            <a:ext cx="2693461" cy="2369419"/>
-          </a:xfrm>
-          <a:prstGeom prst="ellipse">
+          <a:xfrm rot="325853">
+            <a:off x="3746351" y="3795139"/>
+            <a:ext cx="5150069" cy="205007"/>
+          </a:xfrm>
+          <a:prstGeom prst="rect">
             <a:avLst/>
           </a:prstGeom>
-          <a:solidFill>
-            <a:schemeClr val="accent5">
-              <a:lumMod val="20000"/>
-              <a:lumOff val="80000"/>
-            </a:schemeClr>
-          </a:solidFill>
-          <a:ln w="38100">
-            <a:solidFill>
-              <a:schemeClr val="tx1"/>
-            </a:solidFill>
-            <a:extLst>
-              <a:ext uri="{C807C97D-BFC1-408E-A445-0C87EB9F89A2}">
-                <ask:lineSketchStyleProps xmlns:ask="http://schemas.microsoft.com/office/drawing/2018/sketchyshapes" sd="2650216993">
-                  <a:custGeom>
-                    <a:avLst/>
-                    <a:gdLst>
-                      <a:gd name="connsiteX0" fmla="*/ 0 w 2785241"/>
-                      <a:gd name="connsiteY0" fmla="*/ 1392621 h 2785241"/>
-                      <a:gd name="connsiteX1" fmla="*/ 1392621 w 2785241"/>
-                      <a:gd name="connsiteY1" fmla="*/ 0 h 2785241"/>
-                      <a:gd name="connsiteX2" fmla="*/ 2785242 w 2785241"/>
-                      <a:gd name="connsiteY2" fmla="*/ 1392621 h 2785241"/>
-                      <a:gd name="connsiteX3" fmla="*/ 1392621 w 2785241"/>
-                      <a:gd name="connsiteY3" fmla="*/ 2785242 h 2785241"/>
-                      <a:gd name="connsiteX4" fmla="*/ 0 w 2785241"/>
-                      <a:gd name="connsiteY4" fmla="*/ 1392621 h 2785241"/>
-                    </a:gdLst>
-                    <a:ahLst/>
-                    <a:cxnLst>
-                      <a:cxn ang="0">
-                        <a:pos x="connsiteX0" y="connsiteY0"/>
-                      </a:cxn>
-                      <a:cxn ang="0">
-                        <a:pos x="connsiteX1" y="connsiteY1"/>
-                      </a:cxn>
-                      <a:cxn ang="0">
-                        <a:pos x="connsiteX2" y="connsiteY2"/>
-                      </a:cxn>
-                      <a:cxn ang="0">
-                        <a:pos x="connsiteX3" y="connsiteY3"/>
-                      </a:cxn>
-                      <a:cxn ang="0">
-                        <a:pos x="connsiteX4" y="connsiteY4"/>
-                      </a:cxn>
-                    </a:cxnLst>
-                    <a:rect l="l" t="t" r="r" b="b"/>
-                    <a:pathLst>
-                      <a:path w="2785241" h="2785241" extrusionOk="0">
-                        <a:moveTo>
-                          <a:pt x="0" y="1392621"/>
-                        </a:moveTo>
-                        <a:cubicBezTo>
-                          <a:pt x="-146960" y="629784"/>
-                          <a:pt x="745286" y="119738"/>
-                          <a:pt x="1392621" y="0"/>
-                        </a:cubicBezTo>
-                        <a:cubicBezTo>
-                          <a:pt x="2213807" y="106853"/>
-                          <a:pt x="2786906" y="674284"/>
-                          <a:pt x="2785242" y="1392621"/>
-                        </a:cubicBezTo>
-                        <a:cubicBezTo>
-                          <a:pt x="2699250" y="2032008"/>
-                          <a:pt x="2251663" y="2893961"/>
-                          <a:pt x="1392621" y="2785242"/>
-                        </a:cubicBezTo>
-                        <a:cubicBezTo>
-                          <a:pt x="674752" y="2594597"/>
-                          <a:pt x="103743" y="2355166"/>
-                          <a:pt x="0" y="1392621"/>
-                        </a:cubicBezTo>
-                        <a:close/>
-                      </a:path>
-                    </a:pathLst>
-                  </a:custGeom>
-                  <ask:type>
-                    <ask:lineSketchNone/>
-                  </ask:type>
-                </ask:lineSketchStyleProps>
-              </a:ext>
-            </a:extLst>
-          </a:ln>
         </p:spPr>
         <p:style>
           <a:lnRef idx="2">
@@ -5097,10 +4750,10 @@
       </p:sp>
       <p:sp>
         <p:nvSpPr>
-          <p:cNvPr id="43" name="Oval 42">
-            <a:extLst>
-              <a:ext uri="{FF2B5EF4-FFF2-40B4-BE49-F238E27FC236}">
-                <a16:creationId xmlns:a16="http://schemas.microsoft.com/office/drawing/2014/main" id="{98CC81A8-98C6-3046-8C82-9657CF9FB91A}"/>
+          <p:cNvPr id="4" name="Triangle 3">
+            <a:extLst>
+              <a:ext uri="{FF2B5EF4-FFF2-40B4-BE49-F238E27FC236}">
+                <a16:creationId xmlns:a16="http://schemas.microsoft.com/office/drawing/2014/main" id="{C48B0942-2B81-A145-A79C-E4BD8CC183A2}"/>
               </a:ext>
             </a:extLst>
           </p:cNvPr>
@@ -5109,94 +4762,12 @@
         </p:nvSpPr>
         <p:spPr>
           <a:xfrm>
-            <a:off x="2778091" y="2164359"/>
-            <a:ext cx="2693461" cy="2369419"/>
-          </a:xfrm>
-          <a:prstGeom prst="ellipse">
+            <a:off x="6022426" y="3970207"/>
+            <a:ext cx="609600" cy="720104"/>
+          </a:xfrm>
+          <a:prstGeom prst="triangle">
             <a:avLst/>
           </a:prstGeom>
-          <a:solidFill>
-            <a:schemeClr val="accent6">
-              <a:lumMod val="20000"/>
-              <a:lumOff val="80000"/>
-            </a:schemeClr>
-          </a:solidFill>
-          <a:ln w="38100">
-            <a:solidFill>
-              <a:schemeClr val="tx1"/>
-            </a:solidFill>
-            <a:extLst>
-              <a:ext uri="{C807C97D-BFC1-408E-A445-0C87EB9F89A2}">
-                <ask:lineSketchStyleProps xmlns:ask="http://schemas.microsoft.com/office/drawing/2018/sketchyshapes" sd="4266498984">
-                  <a:custGeom>
-                    <a:avLst/>
-                    <a:gdLst>
-                      <a:gd name="connsiteX0" fmla="*/ 0 w 2785241"/>
-                      <a:gd name="connsiteY0" fmla="*/ 1392621 h 2785241"/>
-                      <a:gd name="connsiteX1" fmla="*/ 1392621 w 2785241"/>
-                      <a:gd name="connsiteY1" fmla="*/ 0 h 2785241"/>
-                      <a:gd name="connsiteX2" fmla="*/ 2785242 w 2785241"/>
-                      <a:gd name="connsiteY2" fmla="*/ 1392621 h 2785241"/>
-                      <a:gd name="connsiteX3" fmla="*/ 1392621 w 2785241"/>
-                      <a:gd name="connsiteY3" fmla="*/ 2785242 h 2785241"/>
-                      <a:gd name="connsiteX4" fmla="*/ 0 w 2785241"/>
-                      <a:gd name="connsiteY4" fmla="*/ 1392621 h 2785241"/>
-                    </a:gdLst>
-                    <a:ahLst/>
-                    <a:cxnLst>
-                      <a:cxn ang="0">
-                        <a:pos x="connsiteX0" y="connsiteY0"/>
-                      </a:cxn>
-                      <a:cxn ang="0">
-                        <a:pos x="connsiteX1" y="connsiteY1"/>
-                      </a:cxn>
-                      <a:cxn ang="0">
-                        <a:pos x="connsiteX2" y="connsiteY2"/>
-                      </a:cxn>
-                      <a:cxn ang="0">
-                        <a:pos x="connsiteX3" y="connsiteY3"/>
-                      </a:cxn>
-                      <a:cxn ang="0">
-                        <a:pos x="connsiteX4" y="connsiteY4"/>
-                      </a:cxn>
-                    </a:cxnLst>
-                    <a:rect l="l" t="t" r="r" b="b"/>
-                    <a:pathLst>
-                      <a:path w="2785241" h="2785241" extrusionOk="0">
-                        <a:moveTo>
-                          <a:pt x="0" y="1392621"/>
-                        </a:moveTo>
-                        <a:cubicBezTo>
-                          <a:pt x="15392" y="507716"/>
-                          <a:pt x="756844" y="107415"/>
-                          <a:pt x="1392621" y="0"/>
-                        </a:cubicBezTo>
-                        <a:cubicBezTo>
-                          <a:pt x="2049078" y="-42599"/>
-                          <a:pt x="2842858" y="421480"/>
-                          <a:pt x="2785242" y="1392621"/>
-                        </a:cubicBezTo>
-                        <a:cubicBezTo>
-                          <a:pt x="2850895" y="2118349"/>
-                          <a:pt x="2144618" y="2828881"/>
-                          <a:pt x="1392621" y="2785242"/>
-                        </a:cubicBezTo>
-                        <a:cubicBezTo>
-                          <a:pt x="583574" y="2916360"/>
-                          <a:pt x="163944" y="2017545"/>
-                          <a:pt x="0" y="1392621"/>
-                        </a:cubicBezTo>
-                        <a:close/>
-                      </a:path>
-                    </a:pathLst>
-                  </a:custGeom>
-                  <ask:type>
-                    <ask:lineSketchNone/>
-                  </ask:type>
-                </ask:lineSketchStyleProps>
-              </a:ext>
-            </a:extLst>
-          </a:ln>
         </p:spPr>
         <p:style>
           <a:lnRef idx="2">
@@ -5225,10 +4796,10 @@
       </p:sp>
       <p:sp>
         <p:nvSpPr>
-          <p:cNvPr id="44" name="Oval 43">
-            <a:extLst>
-              <a:ext uri="{FF2B5EF4-FFF2-40B4-BE49-F238E27FC236}">
-                <a16:creationId xmlns:a16="http://schemas.microsoft.com/office/drawing/2014/main" id="{D61F84EA-DE34-374A-B434-1395AF6C0706}"/>
+          <p:cNvPr id="5" name="Rectangle 4">
+            <a:extLst>
+              <a:ext uri="{FF2B5EF4-FFF2-40B4-BE49-F238E27FC236}">
+                <a16:creationId xmlns:a16="http://schemas.microsoft.com/office/drawing/2014/main" id="{ED4C142C-47D4-9C48-BB60-0BFCFC583EE8}"/>
               </a:ext>
             </a:extLst>
           </p:cNvPr>
@@ -5237,109 +4808,25 @@
         </p:nvSpPr>
         <p:spPr>
           <a:xfrm>
-            <a:off x="1476970" y="153354"/>
-            <a:ext cx="2693461" cy="2369419"/>
-          </a:xfrm>
-          <a:prstGeom prst="ellipse">
+            <a:off x="7927611" y="2405785"/>
+            <a:ext cx="1933904" cy="1491857"/>
+          </a:xfrm>
+          <a:prstGeom prst="rect">
             <a:avLst/>
           </a:prstGeom>
-          <a:solidFill>
-            <a:schemeClr val="accent4">
-              <a:lumMod val="20000"/>
-              <a:lumOff val="80000"/>
-            </a:schemeClr>
-          </a:solidFill>
-          <a:ln w="38100">
-            <a:solidFill>
-              <a:schemeClr val="tx1"/>
-            </a:solidFill>
-            <a:extLst>
-              <a:ext uri="{C807C97D-BFC1-408E-A445-0C87EB9F89A2}">
-                <ask:lineSketchStyleProps xmlns:ask="http://schemas.microsoft.com/office/drawing/2018/sketchyshapes" sd="1219033472">
-                  <a:custGeom>
-                    <a:avLst/>
-                    <a:gdLst>
-                      <a:gd name="connsiteX0" fmla="*/ 0 w 2785241"/>
-                      <a:gd name="connsiteY0" fmla="*/ 1392621 h 2785241"/>
-                      <a:gd name="connsiteX1" fmla="*/ 1392621 w 2785241"/>
-                      <a:gd name="connsiteY1" fmla="*/ 0 h 2785241"/>
-                      <a:gd name="connsiteX2" fmla="*/ 2785242 w 2785241"/>
-                      <a:gd name="connsiteY2" fmla="*/ 1392621 h 2785241"/>
-                      <a:gd name="connsiteX3" fmla="*/ 1392621 w 2785241"/>
-                      <a:gd name="connsiteY3" fmla="*/ 2785242 h 2785241"/>
-                      <a:gd name="connsiteX4" fmla="*/ 0 w 2785241"/>
-                      <a:gd name="connsiteY4" fmla="*/ 1392621 h 2785241"/>
-                    </a:gdLst>
-                    <a:ahLst/>
-                    <a:cxnLst>
-                      <a:cxn ang="0">
-                        <a:pos x="connsiteX0" y="connsiteY0"/>
-                      </a:cxn>
-                      <a:cxn ang="0">
-                        <a:pos x="connsiteX1" y="connsiteY1"/>
-                      </a:cxn>
-                      <a:cxn ang="0">
-                        <a:pos x="connsiteX2" y="connsiteY2"/>
-                      </a:cxn>
-                      <a:cxn ang="0">
-                        <a:pos x="connsiteX3" y="connsiteY3"/>
-                      </a:cxn>
-                      <a:cxn ang="0">
-                        <a:pos x="connsiteX4" y="connsiteY4"/>
-                      </a:cxn>
-                    </a:cxnLst>
-                    <a:rect l="l" t="t" r="r" b="b"/>
-                    <a:pathLst>
-                      <a:path w="2785241" h="2785241" extrusionOk="0">
-                        <a:moveTo>
-                          <a:pt x="0" y="1392621"/>
-                        </a:moveTo>
-                        <a:cubicBezTo>
-                          <a:pt x="-159963" y="524829"/>
-                          <a:pt x="462924" y="60266"/>
-                          <a:pt x="1392621" y="0"/>
-                        </a:cubicBezTo>
-                        <a:cubicBezTo>
-                          <a:pt x="2383256" y="46633"/>
-                          <a:pt x="2674064" y="627033"/>
-                          <a:pt x="2785242" y="1392621"/>
-                        </a:cubicBezTo>
-                        <a:cubicBezTo>
-                          <a:pt x="2653066" y="2290821"/>
-                          <a:pt x="2122196" y="3003838"/>
-                          <a:pt x="1392621" y="2785242"/>
-                        </a:cubicBezTo>
-                        <a:cubicBezTo>
-                          <a:pt x="520716" y="2729007"/>
-                          <a:pt x="136922" y="2227166"/>
-                          <a:pt x="0" y="1392621"/>
-                        </a:cubicBezTo>
-                        <a:close/>
-                      </a:path>
-                    </a:pathLst>
-                  </a:custGeom>
-                  <ask:type>
-                    <ask:lineSketchNone/>
-                  </ask:type>
-                </ask:lineSketchStyleProps>
-              </a:ext>
-            </a:extLst>
-          </a:ln>
         </p:spPr>
         <p:style>
-          <a:lnRef idx="2">
-            <a:schemeClr val="accent1">
-              <a:shade val="50000"/>
-            </a:schemeClr>
+          <a:lnRef idx="1">
+            <a:schemeClr val="accent3"/>
           </a:lnRef>
-          <a:fillRef idx="1">
-            <a:schemeClr val="accent1"/>
+          <a:fillRef idx="2">
+            <a:schemeClr val="accent3"/>
           </a:fillRef>
-          <a:effectRef idx="0">
-            <a:schemeClr val="accent1"/>
+          <a:effectRef idx="1">
+            <a:schemeClr val="accent3"/>
           </a:effectRef>
           <a:fontRef idx="minor">
-            <a:schemeClr val="lt1"/>
+            <a:schemeClr val="dk1"/>
           </a:fontRef>
         </p:style>
         <p:txBody>
@@ -5347,381 +4834,93 @@
           <a:lstStyle/>
           <a:p>
             <a:pPr algn="ctr"/>
-            <a:endParaRPr lang="en-US"/>
-          </a:p>
-        </p:txBody>
-      </p:sp>
-      <p:sp>
-        <p:nvSpPr>
-          <p:cNvPr id="45" name="TextBox 44">
-            <a:extLst>
-              <a:ext uri="{FF2B5EF4-FFF2-40B4-BE49-F238E27FC236}">
-                <a16:creationId xmlns:a16="http://schemas.microsoft.com/office/drawing/2014/main" id="{1236AC75-21CC-2C48-BF50-588AD619037D}"/>
-              </a:ext>
-            </a:extLst>
-          </p:cNvPr>
-          <p:cNvSpPr txBox="1"/>
+            <a:r>
+              <a:rPr lang="en-US" dirty="0"/>
+              <a:t>Strong regional economy relative to peers</a:t>
+            </a:r>
+          </a:p>
+        </p:txBody>
+      </p:sp>
+      <p:pic>
+        <p:nvPicPr>
+          <p:cNvPr id="1026" name="Picture 2" descr="  ">
+            <a:extLst>
+              <a:ext uri="{FF2B5EF4-FFF2-40B4-BE49-F238E27FC236}">
+                <a16:creationId xmlns:a16="http://schemas.microsoft.com/office/drawing/2014/main" id="{643575D1-29F7-2E44-8ACC-5B345D14FD86}"/>
+              </a:ext>
+            </a:extLst>
+          </p:cNvPr>
+          <p:cNvPicPr>
+            <a:picLocks noChangeAspect="1" noChangeArrowheads="1"/>
+          </p:cNvPicPr>
           <p:nvPr/>
-        </p:nvSpPr>
-        <p:spPr>
+        </p:nvPicPr>
+        <p:blipFill>
+          <a:blip r:embed="rId2">
+            <a:extLst>
+              <a:ext uri="{28A0092B-C50C-407E-A947-70E740481C1C}">
+                <a14:useLocalDpi xmlns:a14="http://schemas.microsoft.com/office/drawing/2010/main" val="0"/>
+              </a:ext>
+            </a:extLst>
+          </a:blip>
+          <a:srcRect/>
+          <a:stretch>
+            <a:fillRect/>
+          </a:stretch>
+        </p:blipFill>
+        <p:spPr bwMode="auto">
           <a:xfrm>
-            <a:off x="616858" y="2843347"/>
-            <a:ext cx="1067921" cy="523220"/>
+            <a:off x="73572" y="0"/>
+            <a:ext cx="5146355" cy="2696476"/>
           </a:xfrm>
           <a:prstGeom prst="rect">
             <a:avLst/>
           </a:prstGeom>
           <a:noFill/>
-        </p:spPr>
-        <p:txBody>
-          <a:bodyPr wrap="none" rtlCol="0">
-            <a:spAutoFit/>
-          </a:bodyPr>
-          <a:lstStyle/>
-          <a:p>
-            <a:r>
-              <a:rPr lang="en-US" sz="2800" b="1" dirty="0">
-                <a:latin typeface="Helvetica Neue Condensed" panose="02000503000000020004" pitchFamily="2" charset="0"/>
-                <a:ea typeface="Helvetica Neue Condensed" panose="02000503000000020004" pitchFamily="2" charset="0"/>
-                <a:cs typeface="Helvetica Neue Condensed" panose="02000503000000020004" pitchFamily="2" charset="0"/>
-              </a:rPr>
-              <a:t>Equity</a:t>
-            </a:r>
-          </a:p>
-        </p:txBody>
-      </p:sp>
-      <p:sp>
-        <p:nvSpPr>
-          <p:cNvPr id="46" name="TextBox 45">
-            <a:extLst>
-              <a:ext uri="{FF2B5EF4-FFF2-40B4-BE49-F238E27FC236}">
-                <a16:creationId xmlns:a16="http://schemas.microsoft.com/office/drawing/2014/main" id="{82010687-9228-DF45-B2ED-97427713167A}"/>
-              </a:ext>
-            </a:extLst>
-          </p:cNvPr>
-          <p:cNvSpPr txBox="1"/>
+          <a:extLst>
+            <a:ext uri="{909E8E84-426E-40DD-AFC4-6F175D3DCCD1}">
+              <a14:hiddenFill xmlns:a14="http://schemas.microsoft.com/office/drawing/2010/main">
+                <a:solidFill>
+                  <a:srgbClr val="FFFFFF"/>
+                </a:solidFill>
+              </a14:hiddenFill>
+            </a:ext>
+          </a:extLst>
+        </p:spPr>
+      </p:pic>
+      <p:sp>
+        <p:nvSpPr>
+          <p:cNvPr id="7" name="Rectangle 6">
+            <a:extLst>
+              <a:ext uri="{FF2B5EF4-FFF2-40B4-BE49-F238E27FC236}">
+                <a16:creationId xmlns:a16="http://schemas.microsoft.com/office/drawing/2014/main" id="{86B47984-4F5D-3F44-8625-F2A237FEC706}"/>
+              </a:ext>
+            </a:extLst>
+          </p:cNvPr>
+          <p:cNvSpPr/>
           <p:nvPr/>
         </p:nvSpPr>
         <p:spPr>
           <a:xfrm>
-            <a:off x="3770284" y="2901442"/>
-            <a:ext cx="1802423" cy="523220"/>
+            <a:off x="3508011" y="1950547"/>
+            <a:ext cx="1933904" cy="1491857"/>
           </a:xfrm>
           <a:prstGeom prst="rect">
             <a:avLst/>
           </a:prstGeom>
-          <a:noFill/>
-        </p:spPr>
-        <p:txBody>
-          <a:bodyPr wrap="square" rtlCol="0">
-            <a:spAutoFit/>
-          </a:bodyPr>
-          <a:lstStyle/>
-          <a:p>
-            <a:r>
-              <a:rPr lang="en-US" sz="2800" b="1" dirty="0">
-                <a:latin typeface="Helvetica Neue Condensed" panose="02000503000000020004" pitchFamily="2" charset="0"/>
-                <a:ea typeface="Helvetica Neue Condensed" panose="02000503000000020004" pitchFamily="2" charset="0"/>
-                <a:cs typeface="Helvetica Neue Condensed" panose="02000503000000020004" pitchFamily="2" charset="0"/>
-              </a:rPr>
-              <a:t>Resilience</a:t>
-            </a:r>
-          </a:p>
-        </p:txBody>
-      </p:sp>
-      <p:sp>
-        <p:nvSpPr>
-          <p:cNvPr id="47" name="TextBox 46">
-            <a:extLst>
-              <a:ext uri="{FF2B5EF4-FFF2-40B4-BE49-F238E27FC236}">
-                <a16:creationId xmlns:a16="http://schemas.microsoft.com/office/drawing/2014/main" id="{5E5293A6-9E28-3C48-9008-4973156D7EB9}"/>
-              </a:ext>
-            </a:extLst>
-          </p:cNvPr>
-          <p:cNvSpPr txBox="1"/>
-          <p:nvPr/>
-        </p:nvSpPr>
-        <p:spPr>
-          <a:xfrm>
-            <a:off x="1740201" y="515855"/>
-            <a:ext cx="2159566" cy="523220"/>
-          </a:xfrm>
-          <a:prstGeom prst="rect">
-            <a:avLst/>
-          </a:prstGeom>
-          <a:noFill/>
-        </p:spPr>
-        <p:txBody>
-          <a:bodyPr wrap="none" rtlCol="0">
-            <a:spAutoFit/>
-          </a:bodyPr>
-          <a:lstStyle/>
-          <a:p>
-            <a:r>
-              <a:rPr lang="en-US" sz="2800" b="1" dirty="0">
-                <a:latin typeface="Helvetica Neue Condensed" panose="02000503000000020004" pitchFamily="2" charset="0"/>
-                <a:ea typeface="Helvetica Neue Condensed" panose="02000503000000020004" pitchFamily="2" charset="0"/>
-                <a:cs typeface="Helvetica Neue Condensed" panose="02000503000000020004" pitchFamily="2" charset="0"/>
-              </a:rPr>
-              <a:t>Infrastructure</a:t>
-            </a:r>
-          </a:p>
-        </p:txBody>
-      </p:sp>
-      <p:sp>
-        <p:nvSpPr>
-          <p:cNvPr id="48" name="TextBox 47">
-            <a:extLst>
-              <a:ext uri="{FF2B5EF4-FFF2-40B4-BE49-F238E27FC236}">
-                <a16:creationId xmlns:a16="http://schemas.microsoft.com/office/drawing/2014/main" id="{FAD1B3F1-09D6-D24A-8A29-59FE35E29D94}"/>
-              </a:ext>
-            </a:extLst>
-          </p:cNvPr>
-          <p:cNvSpPr txBox="1"/>
-          <p:nvPr/>
-        </p:nvSpPr>
-        <p:spPr>
-          <a:xfrm>
-            <a:off x="2923206" y="3308065"/>
-            <a:ext cx="2375094" cy="646331"/>
-          </a:xfrm>
-          <a:prstGeom prst="rect">
-            <a:avLst/>
-          </a:prstGeom>
-          <a:noFill/>
-        </p:spPr>
-        <p:txBody>
-          <a:bodyPr wrap="square" rtlCol="0">
-            <a:spAutoFit/>
-          </a:bodyPr>
-          <a:lstStyle/>
-          <a:p>
-            <a:pPr algn="ctr"/>
-            <a:r>
-              <a:rPr lang="en-US" dirty="0">
-                <a:latin typeface="Helvetica Neue UltraLight" panose="02000206000000020004" pitchFamily="2" charset="0"/>
-                <a:ea typeface="Helvetica Neue UltraLight" panose="02000206000000020004" pitchFamily="2" charset="0"/>
-              </a:rPr>
-              <a:t>	in the face of </a:t>
-            </a:r>
-          </a:p>
-          <a:p>
-            <a:pPr algn="ctr"/>
-            <a:r>
-              <a:rPr lang="en-US" dirty="0">
-                <a:latin typeface="Helvetica Neue UltraLight" panose="02000206000000020004" pitchFamily="2" charset="0"/>
-                <a:ea typeface="Helvetica Neue UltraLight" panose="02000206000000020004" pitchFamily="2" charset="0"/>
-              </a:rPr>
-              <a:t>change and uncertainty</a:t>
-            </a:r>
-          </a:p>
-        </p:txBody>
-      </p:sp>
-      <p:sp>
-        <p:nvSpPr>
-          <p:cNvPr id="49" name="TextBox 48">
-            <a:extLst>
-              <a:ext uri="{FF2B5EF4-FFF2-40B4-BE49-F238E27FC236}">
-                <a16:creationId xmlns:a16="http://schemas.microsoft.com/office/drawing/2014/main" id="{8C948D21-7868-6A44-93FF-55126333244E}"/>
-              </a:ext>
-            </a:extLst>
-          </p:cNvPr>
-          <p:cNvSpPr txBox="1"/>
-          <p:nvPr/>
-        </p:nvSpPr>
-        <p:spPr>
-          <a:xfrm>
-            <a:off x="0" y="3350512"/>
-            <a:ext cx="2470915" cy="646331"/>
-          </a:xfrm>
-          <a:prstGeom prst="rect">
-            <a:avLst/>
-          </a:prstGeom>
-          <a:noFill/>
-        </p:spPr>
-        <p:txBody>
-          <a:bodyPr wrap="square" rtlCol="0">
-            <a:spAutoFit/>
-          </a:bodyPr>
-          <a:lstStyle/>
-          <a:p>
-            <a:pPr algn="ctr"/>
-            <a:r>
-              <a:rPr lang="en-US" dirty="0">
-                <a:latin typeface="Helvetica Neue UltraLight" panose="02000206000000020004" pitchFamily="2" charset="0"/>
-                <a:ea typeface="Helvetica Neue UltraLight" panose="02000206000000020004" pitchFamily="2" charset="0"/>
-              </a:rPr>
-              <a:t>and shared prosperity</a:t>
-            </a:r>
-          </a:p>
-          <a:p>
-            <a:pPr algn="ctr"/>
-            <a:r>
-              <a:rPr lang="en-US" dirty="0">
-                <a:latin typeface="Helvetica Neue UltraLight" panose="02000206000000020004" pitchFamily="2" charset="0"/>
-                <a:ea typeface="Helvetica Neue UltraLight" panose="02000206000000020004" pitchFamily="2" charset="0"/>
-              </a:rPr>
-              <a:t>     throughout our region</a:t>
-            </a:r>
-          </a:p>
-        </p:txBody>
-      </p:sp>
-      <p:sp>
-        <p:nvSpPr>
-          <p:cNvPr id="50" name="TextBox 49">
-            <a:extLst>
-              <a:ext uri="{FF2B5EF4-FFF2-40B4-BE49-F238E27FC236}">
-                <a16:creationId xmlns:a16="http://schemas.microsoft.com/office/drawing/2014/main" id="{8490DBBD-C8EE-8E47-903B-78F5DC5FDD1B}"/>
-              </a:ext>
-            </a:extLst>
-          </p:cNvPr>
-          <p:cNvSpPr txBox="1"/>
-          <p:nvPr/>
-        </p:nvSpPr>
-        <p:spPr>
-          <a:xfrm>
-            <a:off x="1549938" y="917714"/>
-            <a:ext cx="2456305" cy="646331"/>
-          </a:xfrm>
-          <a:prstGeom prst="rect">
-            <a:avLst/>
-          </a:prstGeom>
-          <a:noFill/>
-        </p:spPr>
-        <p:txBody>
-          <a:bodyPr wrap="square" rtlCol="0">
-            <a:spAutoFit/>
-          </a:bodyPr>
-          <a:lstStyle/>
-          <a:p>
-            <a:pPr algn="ctr"/>
-            <a:r>
-              <a:rPr lang="en-US" dirty="0">
-                <a:latin typeface="Helvetica Neue UltraLight" panose="02000206000000020004" pitchFamily="2" charset="0"/>
-                <a:ea typeface="Helvetica Neue UltraLight" panose="02000206000000020004" pitchFamily="2" charset="0"/>
-              </a:rPr>
-              <a:t>to support current and future success</a:t>
-            </a:r>
-          </a:p>
-        </p:txBody>
-      </p:sp>
-      <p:sp>
-        <p:nvSpPr>
-          <p:cNvPr id="51" name="Oval 50">
-            <a:extLst>
-              <a:ext uri="{FF2B5EF4-FFF2-40B4-BE49-F238E27FC236}">
-                <a16:creationId xmlns:a16="http://schemas.microsoft.com/office/drawing/2014/main" id="{4F7D9C6C-2535-E040-AD94-2727F2AF37C2}"/>
-              </a:ext>
-            </a:extLst>
-          </p:cNvPr>
-          <p:cNvSpPr/>
-          <p:nvPr/>
-        </p:nvSpPr>
-        <p:spPr>
-          <a:xfrm>
-            <a:off x="1762100" y="1582372"/>
-            <a:ext cx="2115768" cy="1968415"/>
-          </a:xfrm>
-          <a:prstGeom prst="ellipse">
-            <a:avLst/>
-          </a:prstGeom>
-          <a:solidFill>
-            <a:schemeClr val="tx1">
-              <a:lumMod val="65000"/>
-              <a:lumOff val="35000"/>
-            </a:schemeClr>
-          </a:solidFill>
-          <a:ln w="38100">
-            <a:solidFill>
-              <a:schemeClr val="tx1"/>
-            </a:solidFill>
-            <a:extLst>
-              <a:ext uri="{C807C97D-BFC1-408E-A445-0C87EB9F89A2}">
-                <ask:lineSketchStyleProps xmlns:ask="http://schemas.microsoft.com/office/drawing/2018/sketchyshapes" sd="4266498984">
-                  <a:custGeom>
-                    <a:avLst/>
-                    <a:gdLst>
-                      <a:gd name="connsiteX0" fmla="*/ 0 w 2785241"/>
-                      <a:gd name="connsiteY0" fmla="*/ 1392621 h 2785241"/>
-                      <a:gd name="connsiteX1" fmla="*/ 1392621 w 2785241"/>
-                      <a:gd name="connsiteY1" fmla="*/ 0 h 2785241"/>
-                      <a:gd name="connsiteX2" fmla="*/ 2785242 w 2785241"/>
-                      <a:gd name="connsiteY2" fmla="*/ 1392621 h 2785241"/>
-                      <a:gd name="connsiteX3" fmla="*/ 1392621 w 2785241"/>
-                      <a:gd name="connsiteY3" fmla="*/ 2785242 h 2785241"/>
-                      <a:gd name="connsiteX4" fmla="*/ 0 w 2785241"/>
-                      <a:gd name="connsiteY4" fmla="*/ 1392621 h 2785241"/>
-                    </a:gdLst>
-                    <a:ahLst/>
-                    <a:cxnLst>
-                      <a:cxn ang="0">
-                        <a:pos x="connsiteX0" y="connsiteY0"/>
-                      </a:cxn>
-                      <a:cxn ang="0">
-                        <a:pos x="connsiteX1" y="connsiteY1"/>
-                      </a:cxn>
-                      <a:cxn ang="0">
-                        <a:pos x="connsiteX2" y="connsiteY2"/>
-                      </a:cxn>
-                      <a:cxn ang="0">
-                        <a:pos x="connsiteX3" y="connsiteY3"/>
-                      </a:cxn>
-                      <a:cxn ang="0">
-                        <a:pos x="connsiteX4" y="connsiteY4"/>
-                      </a:cxn>
-                    </a:cxnLst>
-                    <a:rect l="l" t="t" r="r" b="b"/>
-                    <a:pathLst>
-                      <a:path w="2785241" h="2785241" extrusionOk="0">
-                        <a:moveTo>
-                          <a:pt x="0" y="1392621"/>
-                        </a:moveTo>
-                        <a:cubicBezTo>
-                          <a:pt x="15392" y="507716"/>
-                          <a:pt x="756844" y="107415"/>
-                          <a:pt x="1392621" y="0"/>
-                        </a:cubicBezTo>
-                        <a:cubicBezTo>
-                          <a:pt x="2049078" y="-42599"/>
-                          <a:pt x="2842858" y="421480"/>
-                          <a:pt x="2785242" y="1392621"/>
-                        </a:cubicBezTo>
-                        <a:cubicBezTo>
-                          <a:pt x="2850895" y="2118349"/>
-                          <a:pt x="2144618" y="2828881"/>
-                          <a:pt x="1392621" y="2785242"/>
-                        </a:cubicBezTo>
-                        <a:cubicBezTo>
-                          <a:pt x="583574" y="2916360"/>
-                          <a:pt x="163944" y="2017545"/>
-                          <a:pt x="0" y="1392621"/>
-                        </a:cubicBezTo>
-                        <a:close/>
-                      </a:path>
-                    </a:pathLst>
-                  </a:custGeom>
-                  <ask:type>
-                    <ask:lineSketchNone/>
-                  </ask:type>
-                </ask:lineSketchStyleProps>
-              </a:ext>
-            </a:extLst>
-          </a:ln>
         </p:spPr>
         <p:style>
-          <a:lnRef idx="2">
-            <a:schemeClr val="accent1">
-              <a:shade val="50000"/>
-            </a:schemeClr>
+          <a:lnRef idx="1">
+            <a:schemeClr val="accent3"/>
           </a:lnRef>
-          <a:fillRef idx="1">
-            <a:schemeClr val="accent1"/>
+          <a:fillRef idx="2">
+            <a:schemeClr val="accent3"/>
           </a:fillRef>
-          <a:effectRef idx="0">
-            <a:schemeClr val="accent1"/>
+          <a:effectRef idx="1">
+            <a:schemeClr val="accent3"/>
           </a:effectRef>
           <a:fontRef idx="minor">
-            <a:schemeClr val="lt1"/>
+            <a:schemeClr val="dk1"/>
           </a:fontRef>
         </p:style>
         <p:txBody>
@@ -5729,581 +4928,9 @@
           <a:lstStyle/>
           <a:p>
             <a:pPr algn="ctr"/>
-            <a:endParaRPr lang="en-US"/>
-          </a:p>
-        </p:txBody>
-      </p:sp>
-      <p:sp>
-        <p:nvSpPr>
-          <p:cNvPr id="52" name="TextBox 51">
-            <a:extLst>
-              <a:ext uri="{FF2B5EF4-FFF2-40B4-BE49-F238E27FC236}">
-                <a16:creationId xmlns:a16="http://schemas.microsoft.com/office/drawing/2014/main" id="{3CCEAC9E-FC0F-D34E-A591-444A55295E14}"/>
-              </a:ext>
-            </a:extLst>
-          </p:cNvPr>
-          <p:cNvSpPr txBox="1"/>
-          <p:nvPr/>
-        </p:nvSpPr>
-        <p:spPr>
-          <a:xfrm>
-            <a:off x="1863460" y="2016984"/>
-            <a:ext cx="2020838" cy="1200329"/>
-          </a:xfrm>
-          <a:prstGeom prst="rect">
-            <a:avLst/>
-          </a:prstGeom>
-          <a:noFill/>
-        </p:spPr>
-        <p:txBody>
-          <a:bodyPr wrap="square" rtlCol="0">
-            <a:spAutoFit/>
-          </a:bodyPr>
-          <a:lstStyle/>
-          <a:p>
-            <a:pPr algn="ctr"/>
-            <a:r>
-              <a:rPr lang="en-US" sz="3600" b="1" dirty="0">
-                <a:solidFill>
-                  <a:schemeClr val="bg1"/>
-                </a:solidFill>
-                <a:latin typeface="Helvetica Neue Condensed" panose="02000503000000020004" pitchFamily="2" charset="0"/>
-                <a:ea typeface="Helvetica Neue Condensed" panose="02000503000000020004" pitchFamily="2" charset="0"/>
-                <a:cs typeface="Helvetica Neue Condensed" panose="02000503000000020004" pitchFamily="2" charset="0"/>
-              </a:rPr>
-              <a:t>Economic Values</a:t>
-            </a:r>
-          </a:p>
-        </p:txBody>
-      </p:sp>
-      <p:sp>
-        <p:nvSpPr>
-          <p:cNvPr id="2" name="Rectangle 1">
-            <a:extLst>
-              <a:ext uri="{FF2B5EF4-FFF2-40B4-BE49-F238E27FC236}">
-                <a16:creationId xmlns:a16="http://schemas.microsoft.com/office/drawing/2014/main" id="{368B4AA0-CABA-DF48-BDFE-C96F6C7AA638}"/>
-              </a:ext>
-            </a:extLst>
-          </p:cNvPr>
-          <p:cNvSpPr/>
-          <p:nvPr/>
-        </p:nvSpPr>
-        <p:spPr>
-          <a:xfrm>
-            <a:off x="6103550" y="393423"/>
-            <a:ext cx="5965760" cy="1887322"/>
-          </a:xfrm>
-          <a:prstGeom prst="rect">
-            <a:avLst/>
-          </a:prstGeom>
-          <a:solidFill>
-            <a:schemeClr val="accent4">
-              <a:lumMod val="20000"/>
-              <a:lumOff val="80000"/>
-            </a:schemeClr>
-          </a:solidFill>
-        </p:spPr>
-        <p:style>
-          <a:lnRef idx="2">
-            <a:schemeClr val="accent1">
-              <a:shade val="50000"/>
-            </a:schemeClr>
-          </a:lnRef>
-          <a:fillRef idx="1">
-            <a:schemeClr val="accent1"/>
-          </a:fillRef>
-          <a:effectRef idx="0">
-            <a:schemeClr val="accent1"/>
-          </a:effectRef>
-          <a:fontRef idx="minor">
-            <a:schemeClr val="lt1"/>
-          </a:fontRef>
-        </p:style>
-        <p:txBody>
-          <a:bodyPr rtlCol="0" anchor="ctr"/>
-          <a:lstStyle/>
-          <a:p>
-            <a:pPr algn="ctr"/>
-            <a:endParaRPr lang="en-US"/>
-          </a:p>
-        </p:txBody>
-      </p:sp>
-      <p:sp>
-        <p:nvSpPr>
-          <p:cNvPr id="37" name="Rectangle 36">
-            <a:extLst>
-              <a:ext uri="{FF2B5EF4-FFF2-40B4-BE49-F238E27FC236}">
-                <a16:creationId xmlns:a16="http://schemas.microsoft.com/office/drawing/2014/main" id="{AA086F9B-850A-8D44-BF09-E517824F4A13}"/>
-              </a:ext>
-            </a:extLst>
-          </p:cNvPr>
-          <p:cNvSpPr/>
-          <p:nvPr/>
-        </p:nvSpPr>
-        <p:spPr>
-          <a:xfrm>
-            <a:off x="6103550" y="2485339"/>
-            <a:ext cx="5965760" cy="1887322"/>
-          </a:xfrm>
-          <a:prstGeom prst="rect">
-            <a:avLst/>
-          </a:prstGeom>
-          <a:solidFill>
-            <a:schemeClr val="accent6">
-              <a:lumMod val="20000"/>
-              <a:lumOff val="80000"/>
-            </a:schemeClr>
-          </a:solidFill>
-        </p:spPr>
-        <p:style>
-          <a:lnRef idx="2">
-            <a:schemeClr val="accent1">
-              <a:shade val="50000"/>
-            </a:schemeClr>
-          </a:lnRef>
-          <a:fillRef idx="1">
-            <a:schemeClr val="accent1"/>
-          </a:fillRef>
-          <a:effectRef idx="0">
-            <a:schemeClr val="accent1"/>
-          </a:effectRef>
-          <a:fontRef idx="minor">
-            <a:schemeClr val="lt1"/>
-          </a:fontRef>
-        </p:style>
-        <p:txBody>
-          <a:bodyPr rtlCol="0" anchor="ctr"/>
-          <a:lstStyle/>
-          <a:p>
-            <a:pPr algn="ctr"/>
-            <a:endParaRPr lang="en-US"/>
-          </a:p>
-        </p:txBody>
-      </p:sp>
-      <p:sp>
-        <p:nvSpPr>
-          <p:cNvPr id="38" name="Rectangle 37">
-            <a:extLst>
-              <a:ext uri="{FF2B5EF4-FFF2-40B4-BE49-F238E27FC236}">
-                <a16:creationId xmlns:a16="http://schemas.microsoft.com/office/drawing/2014/main" id="{3C7B57CD-28DB-E346-A3E0-E446EE1DF5C5}"/>
-              </a:ext>
-            </a:extLst>
-          </p:cNvPr>
-          <p:cNvSpPr/>
-          <p:nvPr/>
-        </p:nvSpPr>
-        <p:spPr>
-          <a:xfrm>
-            <a:off x="6096000" y="4577255"/>
-            <a:ext cx="5965760" cy="1887322"/>
-          </a:xfrm>
-          <a:prstGeom prst="rect">
-            <a:avLst/>
-          </a:prstGeom>
-          <a:solidFill>
-            <a:schemeClr val="accent1">
-              <a:lumMod val="20000"/>
-              <a:lumOff val="80000"/>
-            </a:schemeClr>
-          </a:solidFill>
-        </p:spPr>
-        <p:style>
-          <a:lnRef idx="2">
-            <a:schemeClr val="accent1">
-              <a:shade val="50000"/>
-            </a:schemeClr>
-          </a:lnRef>
-          <a:fillRef idx="1">
-            <a:schemeClr val="accent1"/>
-          </a:fillRef>
-          <a:effectRef idx="0">
-            <a:schemeClr val="accent1"/>
-          </a:effectRef>
-          <a:fontRef idx="minor">
-            <a:schemeClr val="lt1"/>
-          </a:fontRef>
-        </p:style>
-        <p:txBody>
-          <a:bodyPr rtlCol="0" anchor="ctr"/>
-          <a:lstStyle/>
-          <a:p>
-            <a:pPr algn="ctr"/>
-            <a:endParaRPr lang="en-US"/>
-          </a:p>
-        </p:txBody>
-      </p:sp>
-      <p:sp>
-        <p:nvSpPr>
-          <p:cNvPr id="39" name="TextBox 38">
-            <a:extLst>
-              <a:ext uri="{FF2B5EF4-FFF2-40B4-BE49-F238E27FC236}">
-                <a16:creationId xmlns:a16="http://schemas.microsoft.com/office/drawing/2014/main" id="{79679D49-4DF0-794E-A7AD-057036C5C753}"/>
-              </a:ext>
-            </a:extLst>
-          </p:cNvPr>
-          <p:cNvSpPr txBox="1"/>
-          <p:nvPr/>
-        </p:nvSpPr>
-        <p:spPr>
-          <a:xfrm>
-            <a:off x="6233743" y="387157"/>
-            <a:ext cx="2159566" cy="523220"/>
-          </a:xfrm>
-          <a:prstGeom prst="rect">
-            <a:avLst/>
-          </a:prstGeom>
-          <a:noFill/>
-        </p:spPr>
-        <p:txBody>
-          <a:bodyPr wrap="none" rtlCol="0">
-            <a:spAutoFit/>
-          </a:bodyPr>
-          <a:lstStyle/>
-          <a:p>
-            <a:r>
-              <a:rPr lang="en-US" sz="2800" b="1" dirty="0">
-                <a:latin typeface="Helvetica Neue Condensed" panose="02000503000000020004" pitchFamily="2" charset="0"/>
-                <a:ea typeface="Helvetica Neue Condensed" panose="02000503000000020004" pitchFamily="2" charset="0"/>
-                <a:cs typeface="Helvetica Neue Condensed" panose="02000503000000020004" pitchFamily="2" charset="0"/>
-              </a:rPr>
-              <a:t>Infrastructure</a:t>
-            </a:r>
-          </a:p>
-        </p:txBody>
-      </p:sp>
-      <p:sp>
-        <p:nvSpPr>
-          <p:cNvPr id="40" name="TextBox 39">
-            <a:extLst>
-              <a:ext uri="{FF2B5EF4-FFF2-40B4-BE49-F238E27FC236}">
-                <a16:creationId xmlns:a16="http://schemas.microsoft.com/office/drawing/2014/main" id="{5D988D40-38A2-1B45-8E07-2ABB2700CEB0}"/>
-              </a:ext>
-            </a:extLst>
-          </p:cNvPr>
-          <p:cNvSpPr txBox="1"/>
-          <p:nvPr/>
-        </p:nvSpPr>
-        <p:spPr>
-          <a:xfrm>
-            <a:off x="6096000" y="796706"/>
-            <a:ext cx="5965760" cy="1477328"/>
-          </a:xfrm>
-          <a:prstGeom prst="rect">
-            <a:avLst/>
-          </a:prstGeom>
-          <a:noFill/>
-        </p:spPr>
-        <p:txBody>
-          <a:bodyPr wrap="square" rtlCol="0">
-            <a:spAutoFit/>
-          </a:bodyPr>
-          <a:lstStyle/>
-          <a:p>
-            <a:pPr marL="285750" indent="-285750">
-              <a:buFont typeface="Arial" panose="020B0604020202020204" pitchFamily="34" charset="0"/>
-              <a:buChar char="•"/>
-            </a:pPr>
-            <a:r>
-              <a:rPr lang="en-US" dirty="0">
-                <a:latin typeface="Helvetica Neue UltraLight" panose="02000206000000020004" pitchFamily="2" charset="0"/>
-                <a:ea typeface="Helvetica Neue UltraLight" panose="02000206000000020004" pitchFamily="2" charset="0"/>
-              </a:rPr>
-              <a:t>% of tract within 800 m of highway (high % could indicate more favorable)</a:t>
-            </a:r>
-          </a:p>
-          <a:p>
-            <a:pPr marL="285750" indent="-285750">
-              <a:buFont typeface="Arial" panose="020B0604020202020204" pitchFamily="34" charset="0"/>
-              <a:buChar char="•"/>
-            </a:pPr>
-            <a:r>
-              <a:rPr lang="en-US" dirty="0">
-                <a:latin typeface="Helvetica Neue UltraLight" panose="02000206000000020004" pitchFamily="2" charset="0"/>
-                <a:ea typeface="Helvetica Neue UltraLight" panose="02000206000000020004" pitchFamily="2" charset="0"/>
-              </a:rPr>
-              <a:t>Existing job density (if past trends predict the future)</a:t>
-            </a:r>
-          </a:p>
-          <a:p>
-            <a:pPr marL="285750" indent="-285750">
-              <a:buFont typeface="Arial" panose="020B0604020202020204" pitchFamily="34" charset="0"/>
-              <a:buChar char="•"/>
-            </a:pPr>
-            <a:endParaRPr lang="en-US" dirty="0">
-              <a:latin typeface="Helvetica Neue UltraLight" panose="02000206000000020004" pitchFamily="2" charset="0"/>
-              <a:ea typeface="Helvetica Neue UltraLight" panose="02000206000000020004" pitchFamily="2" charset="0"/>
-            </a:endParaRPr>
-          </a:p>
-          <a:p>
-            <a:pPr marL="285750" indent="-285750">
-              <a:buFont typeface="Arial" panose="020B0604020202020204" pitchFamily="34" charset="0"/>
-              <a:buChar char="•"/>
-            </a:pPr>
-            <a:endParaRPr lang="en-US" dirty="0">
-              <a:latin typeface="Helvetica Neue UltraLight" panose="02000206000000020004" pitchFamily="2" charset="0"/>
-              <a:ea typeface="Helvetica Neue UltraLight" panose="02000206000000020004" pitchFamily="2" charset="0"/>
-            </a:endParaRPr>
-          </a:p>
-        </p:txBody>
-      </p:sp>
-      <p:sp>
-        <p:nvSpPr>
-          <p:cNvPr id="41" name="TextBox 40">
-            <a:extLst>
-              <a:ext uri="{FF2B5EF4-FFF2-40B4-BE49-F238E27FC236}">
-                <a16:creationId xmlns:a16="http://schemas.microsoft.com/office/drawing/2014/main" id="{B198E327-96D4-DA4E-94EE-62B8E077CEDA}"/>
-              </a:ext>
-            </a:extLst>
-          </p:cNvPr>
-          <p:cNvSpPr txBox="1"/>
-          <p:nvPr/>
-        </p:nvSpPr>
-        <p:spPr>
-          <a:xfrm>
-            <a:off x="6096000" y="4999866"/>
-            <a:ext cx="5965760" cy="1754326"/>
-          </a:xfrm>
-          <a:prstGeom prst="rect">
-            <a:avLst/>
-          </a:prstGeom>
-          <a:noFill/>
-        </p:spPr>
-        <p:txBody>
-          <a:bodyPr wrap="square" rtlCol="0">
-            <a:spAutoFit/>
-          </a:bodyPr>
-          <a:lstStyle/>
-          <a:p>
-            <a:pPr marL="285750" indent="-285750">
-              <a:buFont typeface="Arial" panose="020B0604020202020204" pitchFamily="34" charset="0"/>
-              <a:buChar char="•"/>
-            </a:pPr>
-            <a:r>
-              <a:rPr lang="en-US" dirty="0">
-                <a:latin typeface="Helvetica Neue UltraLight" panose="02000206000000020004" pitchFamily="2" charset="0"/>
-                <a:ea typeface="Helvetica Neue UltraLight" panose="02000206000000020004" pitchFamily="2" charset="0"/>
-              </a:rPr>
-              <a:t>Tract avg. commute length (higher travel times could signal a need for investment; could consider transit vs </a:t>
-            </a:r>
-            <a:r>
-              <a:rPr lang="en-US" dirty="0" err="1">
-                <a:latin typeface="Helvetica Neue UltraLight" panose="02000206000000020004" pitchFamily="2" charset="0"/>
-                <a:ea typeface="Helvetica Neue UltraLight" panose="02000206000000020004" pitchFamily="2" charset="0"/>
-              </a:rPr>
-              <a:t>sov</a:t>
-            </a:r>
-            <a:r>
-              <a:rPr lang="en-US" dirty="0">
-                <a:latin typeface="Helvetica Neue UltraLight" panose="02000206000000020004" pitchFamily="2" charset="0"/>
-                <a:ea typeface="Helvetica Neue UltraLight" panose="02000206000000020004" pitchFamily="2" charset="0"/>
-              </a:rPr>
-              <a:t> skims)</a:t>
-            </a:r>
-          </a:p>
-          <a:p>
-            <a:pPr marL="285750" indent="-285750">
-              <a:buFont typeface="Arial" panose="020B0604020202020204" pitchFamily="34" charset="0"/>
-              <a:buChar char="•"/>
-            </a:pPr>
-            <a:r>
-              <a:rPr lang="en-US" dirty="0">
-                <a:latin typeface="Helvetica Neue UltraLight" panose="02000206000000020004" pitchFamily="2" charset="0"/>
-                <a:ea typeface="Helvetica Neue UltraLight" panose="02000206000000020004" pitchFamily="2" charset="0"/>
-              </a:rPr>
-              <a:t>Tract avg. ACP/ACA (could indicate need for investment)</a:t>
-            </a:r>
-          </a:p>
-          <a:p>
-            <a:pPr marL="285750" indent="-285750">
-              <a:buFont typeface="Arial" panose="020B0604020202020204" pitchFamily="34" charset="0"/>
-              <a:buChar char="•"/>
-            </a:pPr>
-            <a:r>
-              <a:rPr lang="en-US" dirty="0">
-                <a:latin typeface="Helvetica Neue UltraLight" panose="02000206000000020004" pitchFamily="2" charset="0"/>
-                <a:ea typeface="Helvetica Neue UltraLight" panose="02000206000000020004" pitchFamily="2" charset="0"/>
-              </a:rPr>
-              <a:t>Tract avg. educational attainment vs regional (could indicate opportunity to match industries with workers)</a:t>
-            </a:r>
-          </a:p>
-          <a:p>
-            <a:pPr marL="285750" indent="-285750">
-              <a:buFont typeface="Arial" panose="020B0604020202020204" pitchFamily="34" charset="0"/>
-              <a:buChar char="•"/>
-            </a:pPr>
-            <a:endParaRPr lang="en-US" dirty="0">
-              <a:latin typeface="Helvetica Neue UltraLight" panose="02000206000000020004" pitchFamily="2" charset="0"/>
-              <a:ea typeface="Helvetica Neue UltraLight" panose="02000206000000020004" pitchFamily="2" charset="0"/>
-            </a:endParaRPr>
-          </a:p>
-        </p:txBody>
-      </p:sp>
-      <p:sp>
-        <p:nvSpPr>
-          <p:cNvPr id="53" name="TextBox 52">
-            <a:extLst>
-              <a:ext uri="{FF2B5EF4-FFF2-40B4-BE49-F238E27FC236}">
-                <a16:creationId xmlns:a16="http://schemas.microsoft.com/office/drawing/2014/main" id="{94199E8D-2964-3444-8E77-DB267E608C4C}"/>
-              </a:ext>
-            </a:extLst>
-          </p:cNvPr>
-          <p:cNvSpPr txBox="1"/>
-          <p:nvPr/>
-        </p:nvSpPr>
-        <p:spPr>
-          <a:xfrm>
-            <a:off x="6103550" y="2901442"/>
-            <a:ext cx="5965760" cy="1754326"/>
-          </a:xfrm>
-          <a:prstGeom prst="rect">
-            <a:avLst/>
-          </a:prstGeom>
-          <a:noFill/>
-        </p:spPr>
-        <p:txBody>
-          <a:bodyPr wrap="square" rtlCol="0">
-            <a:spAutoFit/>
-          </a:bodyPr>
-          <a:lstStyle/>
-          <a:p>
-            <a:pPr marL="285750" indent="-285750">
-              <a:buFont typeface="Arial" panose="020B0604020202020204" pitchFamily="34" charset="0"/>
-              <a:buChar char="•"/>
-            </a:pPr>
-            <a:r>
-              <a:rPr lang="en-US" dirty="0">
-                <a:latin typeface="Helvetica Neue UltraLight" panose="02000206000000020004" pitchFamily="2" charset="0"/>
-                <a:ea typeface="Helvetica Neue UltraLight" panose="02000206000000020004" pitchFamily="2" charset="0"/>
-              </a:rPr>
-              <a:t>Tract avg. </a:t>
-            </a:r>
-            <a:r>
-              <a:rPr lang="en-US" dirty="0" err="1">
-                <a:latin typeface="Helvetica Neue UltraLight" panose="02000206000000020004" pitchFamily="2" charset="0"/>
-                <a:ea typeface="Helvetica Neue UltraLight" panose="02000206000000020004" pitchFamily="2" charset="0"/>
-              </a:rPr>
-              <a:t>sov</a:t>
-            </a:r>
-            <a:r>
-              <a:rPr lang="en-US" dirty="0">
-                <a:latin typeface="Helvetica Neue UltraLight" panose="02000206000000020004" pitchFamily="2" charset="0"/>
-                <a:ea typeface="Helvetica Neue UltraLight" panose="02000206000000020004" pitchFamily="2" charset="0"/>
-              </a:rPr>
-              <a:t>/transit skim vs regional avg. (higher travel times could signal a need for investment)</a:t>
-            </a:r>
-          </a:p>
-          <a:p>
-            <a:pPr marL="285750" indent="-285750">
-              <a:buFont typeface="Arial" panose="020B0604020202020204" pitchFamily="34" charset="0"/>
-              <a:buChar char="•"/>
-            </a:pPr>
-            <a:r>
-              <a:rPr lang="en-US" dirty="0">
-                <a:latin typeface="Helvetica Neue UltraLight" panose="02000206000000020004" pitchFamily="2" charset="0"/>
-                <a:ea typeface="Helvetica Neue UltraLight" panose="02000206000000020004" pitchFamily="2" charset="0"/>
-              </a:rPr>
-              <a:t>Tract avg. area of conc. poverty/disparity</a:t>
-            </a:r>
-          </a:p>
-          <a:p>
-            <a:pPr marL="285750" indent="-285750">
-              <a:buFont typeface="Arial" panose="020B0604020202020204" pitchFamily="34" charset="0"/>
-              <a:buChar char="•"/>
-            </a:pPr>
-            <a:r>
-              <a:rPr lang="en-US" dirty="0">
-                <a:latin typeface="Helvetica Neue UltraLight" panose="02000206000000020004" pitchFamily="2" charset="0"/>
-                <a:ea typeface="Helvetica Neue UltraLight" panose="02000206000000020004" pitchFamily="2" charset="0"/>
-              </a:rPr>
-              <a:t>Tract job sector richness/evenness (higher richness/diversity = more buffered)</a:t>
-            </a:r>
-          </a:p>
-          <a:p>
-            <a:pPr marL="285750" indent="-285750">
-              <a:buFont typeface="Arial" panose="020B0604020202020204" pitchFamily="34" charset="0"/>
-              <a:buChar char="•"/>
-            </a:pPr>
-            <a:endParaRPr lang="en-US" dirty="0">
-              <a:latin typeface="Helvetica Neue UltraLight" panose="02000206000000020004" pitchFamily="2" charset="0"/>
-              <a:ea typeface="Helvetica Neue UltraLight" panose="02000206000000020004" pitchFamily="2" charset="0"/>
-            </a:endParaRPr>
-          </a:p>
-        </p:txBody>
-      </p:sp>
-      <p:sp>
-        <p:nvSpPr>
-          <p:cNvPr id="55" name="TextBox 54">
-            <a:extLst>
-              <a:ext uri="{FF2B5EF4-FFF2-40B4-BE49-F238E27FC236}">
-                <a16:creationId xmlns:a16="http://schemas.microsoft.com/office/drawing/2014/main" id="{DFF3BCDF-A1CC-E94D-8E30-7B7DAC5A6956}"/>
-              </a:ext>
-            </a:extLst>
-          </p:cNvPr>
-          <p:cNvSpPr txBox="1"/>
-          <p:nvPr/>
-        </p:nvSpPr>
-        <p:spPr>
-          <a:xfrm>
-            <a:off x="6233743" y="2495226"/>
-            <a:ext cx="1649811" cy="523220"/>
-          </a:xfrm>
-          <a:prstGeom prst="rect">
-            <a:avLst/>
-          </a:prstGeom>
-          <a:noFill/>
-        </p:spPr>
-        <p:txBody>
-          <a:bodyPr wrap="none" rtlCol="0">
-            <a:spAutoFit/>
-          </a:bodyPr>
-          <a:lstStyle/>
-          <a:p>
-            <a:r>
-              <a:rPr lang="en-US" sz="2800" b="1" dirty="0">
-                <a:latin typeface="Helvetica Neue Condensed" panose="02000503000000020004" pitchFamily="2" charset="0"/>
-                <a:ea typeface="Helvetica Neue Condensed" panose="02000503000000020004" pitchFamily="2" charset="0"/>
-                <a:cs typeface="Helvetica Neue Condensed" panose="02000503000000020004" pitchFamily="2" charset="0"/>
-              </a:rPr>
-              <a:t>Resilience</a:t>
-            </a:r>
-          </a:p>
-        </p:txBody>
-      </p:sp>
-      <p:sp>
-        <p:nvSpPr>
-          <p:cNvPr id="56" name="TextBox 55">
-            <a:extLst>
-              <a:ext uri="{FF2B5EF4-FFF2-40B4-BE49-F238E27FC236}">
-                <a16:creationId xmlns:a16="http://schemas.microsoft.com/office/drawing/2014/main" id="{FFA17469-2333-0048-804D-64B53266F3C5}"/>
-              </a:ext>
-            </a:extLst>
-          </p:cNvPr>
-          <p:cNvSpPr txBox="1"/>
-          <p:nvPr/>
-        </p:nvSpPr>
-        <p:spPr>
-          <a:xfrm>
-            <a:off x="6233743" y="4593536"/>
-            <a:ext cx="1067921" cy="523220"/>
-          </a:xfrm>
-          <a:prstGeom prst="rect">
-            <a:avLst/>
-          </a:prstGeom>
-          <a:noFill/>
-        </p:spPr>
-        <p:txBody>
-          <a:bodyPr wrap="none" rtlCol="0">
-            <a:spAutoFit/>
-          </a:bodyPr>
-          <a:lstStyle/>
-          <a:p>
-            <a:r>
-              <a:rPr lang="en-US" sz="2800" b="1" dirty="0">
-                <a:latin typeface="Helvetica Neue Condensed" panose="02000503000000020004" pitchFamily="2" charset="0"/>
-                <a:ea typeface="Helvetica Neue Condensed" panose="02000503000000020004" pitchFamily="2" charset="0"/>
-                <a:cs typeface="Helvetica Neue Condensed" panose="02000503000000020004" pitchFamily="2" charset="0"/>
-              </a:rPr>
-              <a:t>Equity</a:t>
+            <a:r>
+              <a:rPr lang="en-US" dirty="0"/>
+              <a:t>Strong regional economy relative to peers</a:t>
             </a:r>
           </a:p>
         </p:txBody>
@@ -6311,7 +4938,7 @@
     </p:spTree>
     <p:extLst>
       <p:ext uri="{BB962C8B-B14F-4D97-AF65-F5344CB8AC3E}">
-        <p14:creationId xmlns:p14="http://schemas.microsoft.com/office/powerpoint/2010/main" val="1131481521"/>
+        <p14:creationId xmlns:p14="http://schemas.microsoft.com/office/powerpoint/2010/main" val="2050661908"/>
       </p:ext>
     </p:extLst>
   </p:cSld>
@@ -6338,6 +4965,1914 @@
           <a:chExt cx="0" cy="0"/>
         </a:xfrm>
       </p:grpSpPr>
+      <p:cxnSp>
+        <p:nvCxnSpPr>
+          <p:cNvPr id="3" name="Straight Connector 2">
+            <a:extLst>
+              <a:ext uri="{FF2B5EF4-FFF2-40B4-BE49-F238E27FC236}">
+                <a16:creationId xmlns:a16="http://schemas.microsoft.com/office/drawing/2014/main" id="{CAAB810A-48A7-3B47-928D-D71F1B5655CB}"/>
+              </a:ext>
+            </a:extLst>
+          </p:cNvPr>
+          <p:cNvCxnSpPr>
+            <a:cxnSpLocks/>
+          </p:cNvCxnSpPr>
+          <p:nvPr/>
+        </p:nvCxnSpPr>
+        <p:spPr>
+          <a:xfrm flipV="1">
+            <a:off x="1284737" y="1679734"/>
+            <a:ext cx="0" cy="4548080"/>
+          </a:xfrm>
+          <a:prstGeom prst="line">
+            <a:avLst/>
+          </a:prstGeom>
+          <a:ln w="38100">
+            <a:tailEnd type="triangle"/>
+          </a:ln>
+        </p:spPr>
+        <p:style>
+          <a:lnRef idx="1">
+            <a:schemeClr val="accent1"/>
+          </a:lnRef>
+          <a:fillRef idx="0">
+            <a:schemeClr val="accent1"/>
+          </a:fillRef>
+          <a:effectRef idx="0">
+            <a:schemeClr val="accent1"/>
+          </a:effectRef>
+          <a:fontRef idx="minor">
+            <a:schemeClr val="tx1"/>
+          </a:fontRef>
+        </p:style>
+      </p:cxnSp>
+      <p:sp>
+        <p:nvSpPr>
+          <p:cNvPr id="22" name="Freeform 21">
+            <a:extLst>
+              <a:ext uri="{FF2B5EF4-FFF2-40B4-BE49-F238E27FC236}">
+                <a16:creationId xmlns:a16="http://schemas.microsoft.com/office/drawing/2014/main" id="{56E3B204-AA0B-6741-B8B2-D6C3BC67FBFA}"/>
+              </a:ext>
+            </a:extLst>
+          </p:cNvPr>
+          <p:cNvSpPr/>
+          <p:nvPr/>
+        </p:nvSpPr>
+        <p:spPr>
+          <a:xfrm>
+            <a:off x="2091558" y="2575034"/>
+            <a:ext cx="3827328" cy="1912882"/>
+          </a:xfrm>
+          <a:custGeom>
+            <a:avLst/>
+            <a:gdLst>
+              <a:gd name="connsiteX0" fmla="*/ 0 w 4393324"/>
+              <a:gd name="connsiteY0" fmla="*/ 3058510 h 3058510"/>
+              <a:gd name="connsiteX1" fmla="*/ 1471448 w 4393324"/>
+              <a:gd name="connsiteY1" fmla="*/ 2081048 h 3058510"/>
+              <a:gd name="connsiteX2" fmla="*/ 1996965 w 4393324"/>
+              <a:gd name="connsiteY2" fmla="*/ 2417379 h 3058510"/>
+              <a:gd name="connsiteX3" fmla="*/ 3930869 w 4393324"/>
+              <a:gd name="connsiteY3" fmla="*/ 420414 h 3058510"/>
+              <a:gd name="connsiteX4" fmla="*/ 4393324 w 4393324"/>
+              <a:gd name="connsiteY4" fmla="*/ 0 h 3058510"/>
+              <a:gd name="connsiteX0" fmla="*/ 0 w 4393324"/>
+              <a:gd name="connsiteY0" fmla="*/ 3058510 h 3058510"/>
+              <a:gd name="connsiteX1" fmla="*/ 1471448 w 4393324"/>
+              <a:gd name="connsiteY1" fmla="*/ 2081048 h 3058510"/>
+              <a:gd name="connsiteX2" fmla="*/ 1996965 w 4393324"/>
+              <a:gd name="connsiteY2" fmla="*/ 2417379 h 3058510"/>
+              <a:gd name="connsiteX3" fmla="*/ 4393324 w 4393324"/>
+              <a:gd name="connsiteY3" fmla="*/ 0 h 3058510"/>
+              <a:gd name="connsiteX0" fmla="*/ 0 w 4393324"/>
+              <a:gd name="connsiteY0" fmla="*/ 3058510 h 3058510"/>
+              <a:gd name="connsiteX1" fmla="*/ 1471448 w 4393324"/>
+              <a:gd name="connsiteY1" fmla="*/ 2081048 h 3058510"/>
+              <a:gd name="connsiteX2" fmla="*/ 2322786 w 4393324"/>
+              <a:gd name="connsiteY2" fmla="*/ 2186151 h 3058510"/>
+              <a:gd name="connsiteX3" fmla="*/ 4393324 w 4393324"/>
+              <a:gd name="connsiteY3" fmla="*/ 0 h 3058510"/>
+              <a:gd name="connsiteX0" fmla="*/ 0 w 4393324"/>
+              <a:gd name="connsiteY0" fmla="*/ 3058510 h 3058510"/>
+              <a:gd name="connsiteX1" fmla="*/ 1786759 w 4393324"/>
+              <a:gd name="connsiteY1" fmla="*/ 2354317 h 3058510"/>
+              <a:gd name="connsiteX2" fmla="*/ 2322786 w 4393324"/>
+              <a:gd name="connsiteY2" fmla="*/ 2186151 h 3058510"/>
+              <a:gd name="connsiteX3" fmla="*/ 4393324 w 4393324"/>
+              <a:gd name="connsiteY3" fmla="*/ 0 h 3058510"/>
+              <a:gd name="connsiteX0" fmla="*/ 0 w 4393324"/>
+              <a:gd name="connsiteY0" fmla="*/ 3058510 h 3058510"/>
+              <a:gd name="connsiteX1" fmla="*/ 1786759 w 4393324"/>
+              <a:gd name="connsiteY1" fmla="*/ 2354317 h 3058510"/>
+              <a:gd name="connsiteX2" fmla="*/ 2354318 w 4393324"/>
+              <a:gd name="connsiteY2" fmla="*/ 2575034 h 3058510"/>
+              <a:gd name="connsiteX3" fmla="*/ 4393324 w 4393324"/>
+              <a:gd name="connsiteY3" fmla="*/ 0 h 3058510"/>
+              <a:gd name="connsiteX0" fmla="*/ 0 w 4466897"/>
+              <a:gd name="connsiteY0" fmla="*/ 2869324 h 2869324"/>
+              <a:gd name="connsiteX1" fmla="*/ 1786759 w 4466897"/>
+              <a:gd name="connsiteY1" fmla="*/ 2165131 h 2869324"/>
+              <a:gd name="connsiteX2" fmla="*/ 2354318 w 4466897"/>
+              <a:gd name="connsiteY2" fmla="*/ 2385848 h 2869324"/>
+              <a:gd name="connsiteX3" fmla="*/ 4466897 w 4466897"/>
+              <a:gd name="connsiteY3" fmla="*/ 0 h 2869324"/>
+              <a:gd name="connsiteX0" fmla="*/ 0 w 4466897"/>
+              <a:gd name="connsiteY0" fmla="*/ 2869324 h 2869324"/>
+              <a:gd name="connsiteX1" fmla="*/ 1471449 w 4466897"/>
+              <a:gd name="connsiteY1" fmla="*/ 2249214 h 2869324"/>
+              <a:gd name="connsiteX2" fmla="*/ 2354318 w 4466897"/>
+              <a:gd name="connsiteY2" fmla="*/ 2385848 h 2869324"/>
+              <a:gd name="connsiteX3" fmla="*/ 4466897 w 4466897"/>
+              <a:gd name="connsiteY3" fmla="*/ 0 h 2869324"/>
+              <a:gd name="connsiteX0" fmla="*/ 0 w 4466897"/>
+              <a:gd name="connsiteY0" fmla="*/ 2869324 h 2869324"/>
+              <a:gd name="connsiteX1" fmla="*/ 1902373 w 4466897"/>
+              <a:gd name="connsiteY1" fmla="*/ 2081048 h 2869324"/>
+              <a:gd name="connsiteX2" fmla="*/ 2354318 w 4466897"/>
+              <a:gd name="connsiteY2" fmla="*/ 2385848 h 2869324"/>
+              <a:gd name="connsiteX3" fmla="*/ 4466897 w 4466897"/>
+              <a:gd name="connsiteY3" fmla="*/ 0 h 2869324"/>
+              <a:gd name="connsiteX0" fmla="*/ 0 w 4466897"/>
+              <a:gd name="connsiteY0" fmla="*/ 2869324 h 2869324"/>
+              <a:gd name="connsiteX1" fmla="*/ 1902373 w 4466897"/>
+              <a:gd name="connsiteY1" fmla="*/ 2081048 h 2869324"/>
+              <a:gd name="connsiteX2" fmla="*/ 2659118 w 4466897"/>
+              <a:gd name="connsiteY2" fmla="*/ 2249214 h 2869324"/>
+              <a:gd name="connsiteX3" fmla="*/ 4466897 w 4466897"/>
+              <a:gd name="connsiteY3" fmla="*/ 0 h 2869324"/>
+              <a:gd name="connsiteX0" fmla="*/ 0 w 4466897"/>
+              <a:gd name="connsiteY0" fmla="*/ 2869324 h 2869324"/>
+              <a:gd name="connsiteX1" fmla="*/ 1902373 w 4466897"/>
+              <a:gd name="connsiteY1" fmla="*/ 2081048 h 2869324"/>
+              <a:gd name="connsiteX2" fmla="*/ 2659118 w 4466897"/>
+              <a:gd name="connsiteY2" fmla="*/ 2249214 h 2869324"/>
+              <a:gd name="connsiteX3" fmla="*/ 4466897 w 4466897"/>
+              <a:gd name="connsiteY3" fmla="*/ 0 h 2869324"/>
+              <a:gd name="connsiteX0" fmla="*/ 0 w 4466897"/>
+              <a:gd name="connsiteY0" fmla="*/ 2869324 h 2869324"/>
+              <a:gd name="connsiteX1" fmla="*/ 1902373 w 4466897"/>
+              <a:gd name="connsiteY1" fmla="*/ 2081048 h 2869324"/>
+              <a:gd name="connsiteX2" fmla="*/ 2659118 w 4466897"/>
+              <a:gd name="connsiteY2" fmla="*/ 2249214 h 2869324"/>
+              <a:gd name="connsiteX3" fmla="*/ 4466897 w 4466897"/>
+              <a:gd name="connsiteY3" fmla="*/ 0 h 2869324"/>
+              <a:gd name="connsiteX0" fmla="*/ 0 w 4466897"/>
+              <a:gd name="connsiteY0" fmla="*/ 2869324 h 2869324"/>
+              <a:gd name="connsiteX1" fmla="*/ 1902373 w 4466897"/>
+              <a:gd name="connsiteY1" fmla="*/ 2081048 h 2869324"/>
+              <a:gd name="connsiteX2" fmla="*/ 2659118 w 4466897"/>
+              <a:gd name="connsiteY2" fmla="*/ 2249214 h 2869324"/>
+              <a:gd name="connsiteX3" fmla="*/ 4466897 w 4466897"/>
+              <a:gd name="connsiteY3" fmla="*/ 0 h 2869324"/>
+              <a:gd name="connsiteX0" fmla="*/ 0 w 4466897"/>
+              <a:gd name="connsiteY0" fmla="*/ 2869324 h 2869324"/>
+              <a:gd name="connsiteX1" fmla="*/ 1860331 w 4466897"/>
+              <a:gd name="connsiteY1" fmla="*/ 2028496 h 2869324"/>
+              <a:gd name="connsiteX2" fmla="*/ 2659118 w 4466897"/>
+              <a:gd name="connsiteY2" fmla="*/ 2249214 h 2869324"/>
+              <a:gd name="connsiteX3" fmla="*/ 4466897 w 4466897"/>
+              <a:gd name="connsiteY3" fmla="*/ 0 h 2869324"/>
+              <a:gd name="connsiteX0" fmla="*/ 0 w 4466897"/>
+              <a:gd name="connsiteY0" fmla="*/ 2869324 h 2869324"/>
+              <a:gd name="connsiteX1" fmla="*/ 1860331 w 4466897"/>
+              <a:gd name="connsiteY1" fmla="*/ 2028496 h 2869324"/>
+              <a:gd name="connsiteX2" fmla="*/ 2659118 w 4466897"/>
+              <a:gd name="connsiteY2" fmla="*/ 2249214 h 2869324"/>
+              <a:gd name="connsiteX3" fmla="*/ 4466897 w 4466897"/>
+              <a:gd name="connsiteY3" fmla="*/ 0 h 2869324"/>
+              <a:gd name="connsiteX0" fmla="*/ 0 w 4466897"/>
+              <a:gd name="connsiteY0" fmla="*/ 2869324 h 2869324"/>
+              <a:gd name="connsiteX1" fmla="*/ 1891862 w 4466897"/>
+              <a:gd name="connsiteY1" fmla="*/ 2039006 h 2869324"/>
+              <a:gd name="connsiteX2" fmla="*/ 2659118 w 4466897"/>
+              <a:gd name="connsiteY2" fmla="*/ 2249214 h 2869324"/>
+              <a:gd name="connsiteX3" fmla="*/ 4466897 w 4466897"/>
+              <a:gd name="connsiteY3" fmla="*/ 0 h 2869324"/>
+              <a:gd name="connsiteX0" fmla="*/ 0 w 3710152"/>
+              <a:gd name="connsiteY0" fmla="*/ 2123089 h 2123089"/>
+              <a:gd name="connsiteX1" fmla="*/ 1891862 w 3710152"/>
+              <a:gd name="connsiteY1" fmla="*/ 1292771 h 2123089"/>
+              <a:gd name="connsiteX2" fmla="*/ 2659118 w 3710152"/>
+              <a:gd name="connsiteY2" fmla="*/ 1502979 h 2123089"/>
+              <a:gd name="connsiteX3" fmla="*/ 3710152 w 3710152"/>
+              <a:gd name="connsiteY3" fmla="*/ 0 h 2123089"/>
+              <a:gd name="connsiteX0" fmla="*/ 0 w 3174124"/>
+              <a:gd name="connsiteY0" fmla="*/ 1912882 h 1912882"/>
+              <a:gd name="connsiteX1" fmla="*/ 1355834 w 3174124"/>
+              <a:gd name="connsiteY1" fmla="*/ 1292771 h 1912882"/>
+              <a:gd name="connsiteX2" fmla="*/ 2123090 w 3174124"/>
+              <a:gd name="connsiteY2" fmla="*/ 1502979 h 1912882"/>
+              <a:gd name="connsiteX3" fmla="*/ 3174124 w 3174124"/>
+              <a:gd name="connsiteY3" fmla="*/ 0 h 1912882"/>
+              <a:gd name="connsiteX0" fmla="*/ 0 w 3174124"/>
+              <a:gd name="connsiteY0" fmla="*/ 1912882 h 1912882"/>
+              <a:gd name="connsiteX1" fmla="*/ 1355834 w 3174124"/>
+              <a:gd name="connsiteY1" fmla="*/ 1292771 h 1912882"/>
+              <a:gd name="connsiteX2" fmla="*/ 2112580 w 3174124"/>
+              <a:gd name="connsiteY2" fmla="*/ 1408386 h 1912882"/>
+              <a:gd name="connsiteX3" fmla="*/ 3174124 w 3174124"/>
+              <a:gd name="connsiteY3" fmla="*/ 0 h 1912882"/>
+            </a:gdLst>
+            <a:ahLst/>
+            <a:cxnLst>
+              <a:cxn ang="0">
+                <a:pos x="connsiteX0" y="connsiteY0"/>
+              </a:cxn>
+              <a:cxn ang="0">
+                <a:pos x="connsiteX1" y="connsiteY1"/>
+              </a:cxn>
+              <a:cxn ang="0">
+                <a:pos x="connsiteX2" y="connsiteY2"/>
+              </a:cxn>
+              <a:cxn ang="0">
+                <a:pos x="connsiteX3" y="connsiteY3"/>
+              </a:cxn>
+            </a:cxnLst>
+            <a:rect l="l" t="t" r="r" b="b"/>
+            <a:pathLst>
+              <a:path w="3174124" h="1912882">
+                <a:moveTo>
+                  <a:pt x="0" y="1912882"/>
+                </a:moveTo>
+                <a:cubicBezTo>
+                  <a:pt x="569310" y="1477578"/>
+                  <a:pt x="1003737" y="1376854"/>
+                  <a:pt x="1355834" y="1292771"/>
+                </a:cubicBezTo>
+                <a:cubicBezTo>
+                  <a:pt x="1707931" y="1208688"/>
+                  <a:pt x="1809532" y="1623848"/>
+                  <a:pt x="2112580" y="1408386"/>
+                </a:cubicBezTo>
+                <a:cubicBezTo>
+                  <a:pt x="2415628" y="1192924"/>
+                  <a:pt x="2706414" y="797910"/>
+                  <a:pt x="3174124" y="0"/>
+                </a:cubicBezTo>
+              </a:path>
+            </a:pathLst>
+          </a:custGeom>
+          <a:noFill/>
+          <a:ln w="88900">
+            <a:solidFill>
+              <a:schemeClr val="tx1"/>
+            </a:solidFill>
+            <a:tailEnd type="triangle"/>
+          </a:ln>
+        </p:spPr>
+        <p:style>
+          <a:lnRef idx="2">
+            <a:schemeClr val="accent1">
+              <a:shade val="50000"/>
+            </a:schemeClr>
+          </a:lnRef>
+          <a:fillRef idx="1">
+            <a:schemeClr val="accent1"/>
+          </a:fillRef>
+          <a:effectRef idx="0">
+            <a:schemeClr val="accent1"/>
+          </a:effectRef>
+          <a:fontRef idx="minor">
+            <a:schemeClr val="lt1"/>
+          </a:fontRef>
+        </p:style>
+        <p:txBody>
+          <a:bodyPr rtlCol="0" anchor="ctr"/>
+          <a:lstStyle/>
+          <a:p>
+            <a:pPr algn="ctr"/>
+            <a:endParaRPr lang="en-US"/>
+          </a:p>
+        </p:txBody>
+      </p:sp>
+      <p:sp>
+        <p:nvSpPr>
+          <p:cNvPr id="23" name="Freeform 22">
+            <a:extLst>
+              <a:ext uri="{FF2B5EF4-FFF2-40B4-BE49-F238E27FC236}">
+                <a16:creationId xmlns:a16="http://schemas.microsoft.com/office/drawing/2014/main" id="{15014256-B3B6-C841-A934-DF0C26CBBC78}"/>
+              </a:ext>
+            </a:extLst>
+          </p:cNvPr>
+          <p:cNvSpPr/>
+          <p:nvPr/>
+        </p:nvSpPr>
+        <p:spPr>
+          <a:xfrm>
+            <a:off x="2081049" y="3429000"/>
+            <a:ext cx="1156138" cy="1027386"/>
+          </a:xfrm>
+          <a:custGeom>
+            <a:avLst/>
+            <a:gdLst>
+              <a:gd name="connsiteX0" fmla="*/ 0 w 1355835"/>
+              <a:gd name="connsiteY0" fmla="*/ 1271752 h 1271752"/>
+              <a:gd name="connsiteX1" fmla="*/ 1355835 w 1355835"/>
+              <a:gd name="connsiteY1" fmla="*/ 0 h 1271752"/>
+            </a:gdLst>
+            <a:ahLst/>
+            <a:cxnLst>
+              <a:cxn ang="0">
+                <a:pos x="connsiteX0" y="connsiteY0"/>
+              </a:cxn>
+              <a:cxn ang="0">
+                <a:pos x="connsiteX1" y="connsiteY1"/>
+              </a:cxn>
+            </a:cxnLst>
+            <a:rect l="l" t="t" r="r" b="b"/>
+            <a:pathLst>
+              <a:path w="1355835" h="1271752">
+                <a:moveTo>
+                  <a:pt x="0" y="1271752"/>
+                </a:moveTo>
+                <a:lnTo>
+                  <a:pt x="1355835" y="0"/>
+                </a:lnTo>
+              </a:path>
+            </a:pathLst>
+          </a:custGeom>
+          <a:noFill/>
+          <a:ln w="63500">
+            <a:solidFill>
+              <a:schemeClr val="bg1">
+                <a:lumMod val="50000"/>
+              </a:schemeClr>
+            </a:solidFill>
+            <a:prstDash val="sysDot"/>
+            <a:tailEnd type="triangle"/>
+          </a:ln>
+        </p:spPr>
+        <p:style>
+          <a:lnRef idx="2">
+            <a:schemeClr val="accent1">
+              <a:shade val="50000"/>
+            </a:schemeClr>
+          </a:lnRef>
+          <a:fillRef idx="1">
+            <a:schemeClr val="accent1"/>
+          </a:fillRef>
+          <a:effectRef idx="0">
+            <a:schemeClr val="accent1"/>
+          </a:effectRef>
+          <a:fontRef idx="minor">
+            <a:schemeClr val="lt1"/>
+          </a:fontRef>
+        </p:style>
+        <p:txBody>
+          <a:bodyPr rtlCol="0" anchor="ctr"/>
+          <a:lstStyle/>
+          <a:p>
+            <a:pPr algn="ctr"/>
+            <a:endParaRPr lang="en-US"/>
+          </a:p>
+        </p:txBody>
+      </p:sp>
+      <p:sp>
+        <p:nvSpPr>
+          <p:cNvPr id="24" name="Freeform 23">
+            <a:extLst>
+              <a:ext uri="{FF2B5EF4-FFF2-40B4-BE49-F238E27FC236}">
+                <a16:creationId xmlns:a16="http://schemas.microsoft.com/office/drawing/2014/main" id="{4CA6E04B-F55F-0048-9989-1187F368FFF2}"/>
+              </a:ext>
+            </a:extLst>
+          </p:cNvPr>
+          <p:cNvSpPr/>
+          <p:nvPr/>
+        </p:nvSpPr>
+        <p:spPr>
+          <a:xfrm flipV="1">
+            <a:off x="2081047" y="4435362"/>
+            <a:ext cx="1355835" cy="441429"/>
+          </a:xfrm>
+          <a:custGeom>
+            <a:avLst/>
+            <a:gdLst>
+              <a:gd name="connsiteX0" fmla="*/ 0 w 1355835"/>
+              <a:gd name="connsiteY0" fmla="*/ 1271752 h 1271752"/>
+              <a:gd name="connsiteX1" fmla="*/ 1355835 w 1355835"/>
+              <a:gd name="connsiteY1" fmla="*/ 0 h 1271752"/>
+            </a:gdLst>
+            <a:ahLst/>
+            <a:cxnLst>
+              <a:cxn ang="0">
+                <a:pos x="connsiteX0" y="connsiteY0"/>
+              </a:cxn>
+              <a:cxn ang="0">
+                <a:pos x="connsiteX1" y="connsiteY1"/>
+              </a:cxn>
+            </a:cxnLst>
+            <a:rect l="l" t="t" r="r" b="b"/>
+            <a:pathLst>
+              <a:path w="1355835" h="1271752">
+                <a:moveTo>
+                  <a:pt x="0" y="1271752"/>
+                </a:moveTo>
+                <a:lnTo>
+                  <a:pt x="1355835" y="0"/>
+                </a:lnTo>
+              </a:path>
+            </a:pathLst>
+          </a:custGeom>
+          <a:noFill/>
+          <a:ln w="63500">
+            <a:solidFill>
+              <a:schemeClr val="bg1">
+                <a:lumMod val="50000"/>
+              </a:schemeClr>
+            </a:solidFill>
+            <a:prstDash val="sysDot"/>
+            <a:tailEnd type="triangle"/>
+          </a:ln>
+        </p:spPr>
+        <p:style>
+          <a:lnRef idx="2">
+            <a:schemeClr val="accent1">
+              <a:shade val="50000"/>
+            </a:schemeClr>
+          </a:lnRef>
+          <a:fillRef idx="1">
+            <a:schemeClr val="accent1"/>
+          </a:fillRef>
+          <a:effectRef idx="0">
+            <a:schemeClr val="accent1"/>
+          </a:effectRef>
+          <a:fontRef idx="minor">
+            <a:schemeClr val="lt1"/>
+          </a:fontRef>
+        </p:style>
+        <p:txBody>
+          <a:bodyPr rtlCol="0" anchor="ctr"/>
+          <a:lstStyle/>
+          <a:p>
+            <a:pPr algn="ctr"/>
+            <a:endParaRPr lang="en-US"/>
+          </a:p>
+        </p:txBody>
+      </p:sp>
+      <p:sp>
+        <p:nvSpPr>
+          <p:cNvPr id="25" name="TextBox 24">
+            <a:extLst>
+              <a:ext uri="{FF2B5EF4-FFF2-40B4-BE49-F238E27FC236}">
+                <a16:creationId xmlns:a16="http://schemas.microsoft.com/office/drawing/2014/main" id="{7A26326B-7A83-7349-B4B7-71FFA2CEA9C3}"/>
+              </a:ext>
+            </a:extLst>
+          </p:cNvPr>
+          <p:cNvSpPr txBox="1"/>
+          <p:nvPr/>
+        </p:nvSpPr>
+        <p:spPr>
+          <a:xfrm>
+            <a:off x="5918886" y="2020686"/>
+            <a:ext cx="3472393" cy="923330"/>
+          </a:xfrm>
+          <a:prstGeom prst="rect">
+            <a:avLst/>
+          </a:prstGeom>
+          <a:noFill/>
+        </p:spPr>
+        <p:txBody>
+          <a:bodyPr wrap="square" rtlCol="0">
+            <a:spAutoFit/>
+          </a:bodyPr>
+          <a:lstStyle/>
+          <a:p>
+            <a:r>
+              <a:rPr lang="en-US" dirty="0">
+                <a:latin typeface="Helvetica Neue Light" panose="02000403000000020004" pitchFamily="2" charset="0"/>
+                <a:ea typeface="Helvetica Neue Light" panose="02000403000000020004" pitchFamily="2" charset="0"/>
+                <a:cs typeface="Helvetica Neue" panose="02000503000000020004" pitchFamily="2" charset="0"/>
+              </a:rPr>
+              <a:t>Goal: trajectory of </a:t>
+            </a:r>
+            <a:r>
+              <a:rPr lang="en-US" b="1" i="1" dirty="0">
+                <a:latin typeface="HELVETICA NEUE LIGHT" panose="02000403000000020004" pitchFamily="2" charset="0"/>
+                <a:ea typeface="HELVETICA NEUE LIGHT" panose="02000403000000020004" pitchFamily="2" charset="0"/>
+                <a:cs typeface="Helvetica Neue" panose="02000503000000020004" pitchFamily="2" charset="0"/>
+              </a:rPr>
+              <a:t>accelerated</a:t>
+            </a:r>
+            <a:r>
+              <a:rPr lang="en-US" dirty="0">
+                <a:latin typeface="Helvetica Neue Light" panose="02000403000000020004" pitchFamily="2" charset="0"/>
+                <a:ea typeface="Helvetica Neue Light" panose="02000403000000020004" pitchFamily="2" charset="0"/>
+                <a:cs typeface="Helvetica Neue" panose="02000503000000020004" pitchFamily="2" charset="0"/>
+              </a:rPr>
+              <a:t> and </a:t>
+            </a:r>
+            <a:r>
+              <a:rPr lang="en-US" b="1" i="1" dirty="0">
+                <a:latin typeface="HELVETICA NEUE LIGHT" panose="02000403000000020004" pitchFamily="2" charset="0"/>
+                <a:ea typeface="HELVETICA NEUE LIGHT" panose="02000403000000020004" pitchFamily="2" charset="0"/>
+                <a:cs typeface="Helvetica Neue" panose="02000503000000020004" pitchFamily="2" charset="0"/>
+              </a:rPr>
+              <a:t>synergistic</a:t>
+            </a:r>
+            <a:r>
+              <a:rPr lang="en-US" dirty="0">
+                <a:latin typeface="Helvetica Neue Light" panose="02000403000000020004" pitchFamily="2" charset="0"/>
+                <a:ea typeface="Helvetica Neue Light" panose="02000403000000020004" pitchFamily="2" charset="0"/>
+                <a:cs typeface="Helvetica Neue" panose="02000503000000020004" pitchFamily="2" charset="0"/>
+              </a:rPr>
+              <a:t> economic growth alongside COVID-19 recovery</a:t>
+            </a:r>
+          </a:p>
+        </p:txBody>
+      </p:sp>
+      <p:sp>
+        <p:nvSpPr>
+          <p:cNvPr id="28" name="TextBox 27">
+            <a:extLst>
+              <a:ext uri="{FF2B5EF4-FFF2-40B4-BE49-F238E27FC236}">
+                <a16:creationId xmlns:a16="http://schemas.microsoft.com/office/drawing/2014/main" id="{7A1693C9-6AA1-4942-82A2-C67367A6B562}"/>
+              </a:ext>
+            </a:extLst>
+          </p:cNvPr>
+          <p:cNvSpPr txBox="1"/>
+          <p:nvPr/>
+        </p:nvSpPr>
+        <p:spPr>
+          <a:xfrm>
+            <a:off x="1982195" y="2944016"/>
+            <a:ext cx="1717733" cy="646331"/>
+          </a:xfrm>
+          <a:prstGeom prst="rect">
+            <a:avLst/>
+          </a:prstGeom>
+          <a:noFill/>
+        </p:spPr>
+        <p:txBody>
+          <a:bodyPr wrap="square" rtlCol="0">
+            <a:spAutoFit/>
+          </a:bodyPr>
+          <a:lstStyle/>
+          <a:p>
+            <a:r>
+              <a:rPr lang="en-US" dirty="0"/>
+              <a:t>Strong regional prosperity</a:t>
+            </a:r>
+          </a:p>
+        </p:txBody>
+      </p:sp>
+      <p:sp>
+        <p:nvSpPr>
+          <p:cNvPr id="29" name="TextBox 28">
+            <a:extLst>
+              <a:ext uri="{FF2B5EF4-FFF2-40B4-BE49-F238E27FC236}">
+                <a16:creationId xmlns:a16="http://schemas.microsoft.com/office/drawing/2014/main" id="{F729D577-F9F6-8E45-9F1B-6CB8730B6AC6}"/>
+              </a:ext>
+            </a:extLst>
+          </p:cNvPr>
+          <p:cNvSpPr txBox="1"/>
+          <p:nvPr/>
+        </p:nvSpPr>
+        <p:spPr>
+          <a:xfrm>
+            <a:off x="1802099" y="4941370"/>
+            <a:ext cx="2536242" cy="646331"/>
+          </a:xfrm>
+          <a:prstGeom prst="rect">
+            <a:avLst/>
+          </a:prstGeom>
+          <a:noFill/>
+        </p:spPr>
+        <p:txBody>
+          <a:bodyPr wrap="square" rtlCol="0">
+            <a:spAutoFit/>
+          </a:bodyPr>
+          <a:lstStyle/>
+          <a:p>
+            <a:r>
+              <a:rPr lang="en-US" dirty="0"/>
+              <a:t>Juxtaposed against growing racial inequities</a:t>
+            </a:r>
+          </a:p>
+        </p:txBody>
+      </p:sp>
+      <p:sp>
+        <p:nvSpPr>
+          <p:cNvPr id="30" name="TextBox 29">
+            <a:extLst>
+              <a:ext uri="{FF2B5EF4-FFF2-40B4-BE49-F238E27FC236}">
+                <a16:creationId xmlns:a16="http://schemas.microsoft.com/office/drawing/2014/main" id="{47D39AC8-0E8F-D14B-9987-D22663EB0949}"/>
+              </a:ext>
+            </a:extLst>
+          </p:cNvPr>
+          <p:cNvSpPr txBox="1"/>
+          <p:nvPr/>
+        </p:nvSpPr>
+        <p:spPr>
+          <a:xfrm>
+            <a:off x="3237187" y="1079570"/>
+            <a:ext cx="3437166" cy="1200329"/>
+          </a:xfrm>
+          <a:prstGeom prst="rect">
+            <a:avLst/>
+          </a:prstGeom>
+          <a:noFill/>
+        </p:spPr>
+        <p:txBody>
+          <a:bodyPr wrap="square" rtlCol="0">
+            <a:spAutoFit/>
+          </a:bodyPr>
+          <a:lstStyle/>
+          <a:p>
+            <a:r>
+              <a:rPr lang="en-US" dirty="0"/>
+              <a:t>EVA tool can intervene and create a shared language for shared economic development and recovery</a:t>
+            </a:r>
+          </a:p>
+        </p:txBody>
+      </p:sp>
+      <p:cxnSp>
+        <p:nvCxnSpPr>
+          <p:cNvPr id="32" name="Straight Connector 31">
+            <a:extLst>
+              <a:ext uri="{FF2B5EF4-FFF2-40B4-BE49-F238E27FC236}">
+                <a16:creationId xmlns:a16="http://schemas.microsoft.com/office/drawing/2014/main" id="{0D0C1E66-7255-D24E-AFC0-582F4D55D0D4}"/>
+              </a:ext>
+            </a:extLst>
+          </p:cNvPr>
+          <p:cNvCxnSpPr>
+            <a:cxnSpLocks/>
+          </p:cNvCxnSpPr>
+          <p:nvPr/>
+        </p:nvCxnSpPr>
+        <p:spPr>
+          <a:xfrm>
+            <a:off x="4338341" y="2020686"/>
+            <a:ext cx="0" cy="1922007"/>
+          </a:xfrm>
+          <a:prstGeom prst="line">
+            <a:avLst/>
+          </a:prstGeom>
+          <a:ln w="38100">
+            <a:prstDash val="solid"/>
+          </a:ln>
+        </p:spPr>
+        <p:style>
+          <a:lnRef idx="1">
+            <a:schemeClr val="accent1"/>
+          </a:lnRef>
+          <a:fillRef idx="0">
+            <a:schemeClr val="accent1"/>
+          </a:fillRef>
+          <a:effectRef idx="0">
+            <a:schemeClr val="accent1"/>
+          </a:effectRef>
+          <a:fontRef idx="minor">
+            <a:schemeClr val="tx1"/>
+          </a:fontRef>
+        </p:style>
+      </p:cxnSp>
+      <p:cxnSp>
+        <p:nvCxnSpPr>
+          <p:cNvPr id="35" name="Straight Connector 34">
+            <a:extLst>
+              <a:ext uri="{FF2B5EF4-FFF2-40B4-BE49-F238E27FC236}">
+                <a16:creationId xmlns:a16="http://schemas.microsoft.com/office/drawing/2014/main" id="{BCE8DE1D-E008-7B41-89C3-451B0B26159A}"/>
+              </a:ext>
+            </a:extLst>
+          </p:cNvPr>
+          <p:cNvCxnSpPr>
+            <a:cxnSpLocks/>
+          </p:cNvCxnSpPr>
+          <p:nvPr/>
+        </p:nvCxnSpPr>
+        <p:spPr>
+          <a:xfrm>
+            <a:off x="1255886" y="6227814"/>
+            <a:ext cx="3689982" cy="0"/>
+          </a:xfrm>
+          <a:prstGeom prst="line">
+            <a:avLst/>
+          </a:prstGeom>
+          <a:ln w="38100">
+            <a:tailEnd type="triangle"/>
+          </a:ln>
+        </p:spPr>
+        <p:style>
+          <a:lnRef idx="1">
+            <a:schemeClr val="accent1"/>
+          </a:lnRef>
+          <a:fillRef idx="0">
+            <a:schemeClr val="accent1"/>
+          </a:fillRef>
+          <a:effectRef idx="0">
+            <a:schemeClr val="accent1"/>
+          </a:effectRef>
+          <a:fontRef idx="minor">
+            <a:schemeClr val="tx1"/>
+          </a:fontRef>
+        </p:style>
+      </p:cxnSp>
+      <p:sp>
+        <p:nvSpPr>
+          <p:cNvPr id="36" name="TextBox 35">
+            <a:extLst>
+              <a:ext uri="{FF2B5EF4-FFF2-40B4-BE49-F238E27FC236}">
+                <a16:creationId xmlns:a16="http://schemas.microsoft.com/office/drawing/2014/main" id="{9C21F162-009B-5D48-A350-106BF11ACCC0}"/>
+              </a:ext>
+            </a:extLst>
+          </p:cNvPr>
+          <p:cNvSpPr txBox="1"/>
+          <p:nvPr/>
+        </p:nvSpPr>
+        <p:spPr>
+          <a:xfrm>
+            <a:off x="727400" y="3587752"/>
+            <a:ext cx="1200114" cy="646331"/>
+          </a:xfrm>
+          <a:prstGeom prst="rect">
+            <a:avLst/>
+          </a:prstGeom>
+        </p:spPr>
+        <p:style>
+          <a:lnRef idx="2">
+            <a:schemeClr val="dk1"/>
+          </a:lnRef>
+          <a:fillRef idx="1">
+            <a:schemeClr val="lt1"/>
+          </a:fillRef>
+          <a:effectRef idx="0">
+            <a:schemeClr val="dk1"/>
+          </a:effectRef>
+          <a:fontRef idx="minor">
+            <a:schemeClr val="dk1"/>
+          </a:fontRef>
+        </p:style>
+        <p:txBody>
+          <a:bodyPr wrap="square" rtlCol="0">
+            <a:spAutoFit/>
+          </a:bodyPr>
+          <a:lstStyle/>
+          <a:p>
+            <a:pPr algn="ctr"/>
+            <a:r>
+              <a:rPr lang="en-US" dirty="0"/>
+              <a:t>Regional Prosperity</a:t>
+            </a:r>
+          </a:p>
+        </p:txBody>
+      </p:sp>
+      <p:sp>
+        <p:nvSpPr>
+          <p:cNvPr id="27" name="TextBox 26">
+            <a:extLst>
+              <a:ext uri="{FF2B5EF4-FFF2-40B4-BE49-F238E27FC236}">
+                <a16:creationId xmlns:a16="http://schemas.microsoft.com/office/drawing/2014/main" id="{D0505E91-AD3E-B440-BC7D-E91374B3326D}"/>
+              </a:ext>
+            </a:extLst>
+          </p:cNvPr>
+          <p:cNvSpPr txBox="1"/>
+          <p:nvPr/>
+        </p:nvSpPr>
+        <p:spPr>
+          <a:xfrm>
+            <a:off x="2804959" y="6043148"/>
+            <a:ext cx="649537" cy="369332"/>
+          </a:xfrm>
+          <a:prstGeom prst="rect">
+            <a:avLst/>
+          </a:prstGeom>
+        </p:spPr>
+        <p:style>
+          <a:lnRef idx="2">
+            <a:schemeClr val="dk1"/>
+          </a:lnRef>
+          <a:fillRef idx="1">
+            <a:schemeClr val="lt1"/>
+          </a:fillRef>
+          <a:effectRef idx="0">
+            <a:schemeClr val="dk1"/>
+          </a:effectRef>
+          <a:fontRef idx="minor">
+            <a:schemeClr val="dk1"/>
+          </a:fontRef>
+        </p:style>
+        <p:txBody>
+          <a:bodyPr wrap="none" rtlCol="0">
+            <a:spAutoFit/>
+          </a:bodyPr>
+          <a:lstStyle/>
+          <a:p>
+            <a:r>
+              <a:rPr lang="en-US" dirty="0"/>
+              <a:t>Time</a:t>
+            </a:r>
+          </a:p>
+        </p:txBody>
+      </p:sp>
+    </p:spTree>
+    <p:extLst>
+      <p:ext uri="{BB962C8B-B14F-4D97-AF65-F5344CB8AC3E}">
+        <p14:creationId xmlns:p14="http://schemas.microsoft.com/office/powerpoint/2010/main" val="974218786"/>
+      </p:ext>
+    </p:extLst>
+  </p:cSld>
+  <p:clrMapOvr>
+    <a:masterClrMapping/>
+  </p:clrMapOvr>
+</p:sld>
+</file>
+
+<file path=ppt/slides/slide4.xml><?xml version="1.0" encoding="utf-8"?>
+<p:sld xmlns:a="http://schemas.openxmlformats.org/drawingml/2006/main" xmlns:r="http://schemas.openxmlformats.org/officeDocument/2006/relationships" xmlns:p="http://schemas.openxmlformats.org/presentationml/2006/main">
+  <p:cSld>
+    <p:spTree>
+      <p:nvGrpSpPr>
+        <p:cNvPr id="1" name=""/>
+        <p:cNvGrpSpPr/>
+        <p:nvPr/>
+      </p:nvGrpSpPr>
+      <p:grpSpPr>
+        <a:xfrm>
+          <a:off x="0" y="0"/>
+          <a:ext cx="0" cy="0"/>
+          <a:chOff x="0" y="0"/>
+          <a:chExt cx="0" cy="0"/>
+        </a:xfrm>
+      </p:grpSpPr>
+      <p:sp>
+        <p:nvSpPr>
+          <p:cNvPr id="22" name="Freeform 21">
+            <a:extLst>
+              <a:ext uri="{FF2B5EF4-FFF2-40B4-BE49-F238E27FC236}">
+                <a16:creationId xmlns:a16="http://schemas.microsoft.com/office/drawing/2014/main" id="{56E3B204-AA0B-6741-B8B2-D6C3BC67FBFA}"/>
+              </a:ext>
+            </a:extLst>
+          </p:cNvPr>
+          <p:cNvSpPr/>
+          <p:nvPr/>
+        </p:nvSpPr>
+        <p:spPr>
+          <a:xfrm>
+            <a:off x="679265" y="2446685"/>
+            <a:ext cx="5001220" cy="2518364"/>
+          </a:xfrm>
+          <a:custGeom>
+            <a:avLst/>
+            <a:gdLst>
+              <a:gd name="connsiteX0" fmla="*/ 0 w 4393324"/>
+              <a:gd name="connsiteY0" fmla="*/ 3058510 h 3058510"/>
+              <a:gd name="connsiteX1" fmla="*/ 1471448 w 4393324"/>
+              <a:gd name="connsiteY1" fmla="*/ 2081048 h 3058510"/>
+              <a:gd name="connsiteX2" fmla="*/ 1996965 w 4393324"/>
+              <a:gd name="connsiteY2" fmla="*/ 2417379 h 3058510"/>
+              <a:gd name="connsiteX3" fmla="*/ 3930869 w 4393324"/>
+              <a:gd name="connsiteY3" fmla="*/ 420414 h 3058510"/>
+              <a:gd name="connsiteX4" fmla="*/ 4393324 w 4393324"/>
+              <a:gd name="connsiteY4" fmla="*/ 0 h 3058510"/>
+              <a:gd name="connsiteX0" fmla="*/ 0 w 4393324"/>
+              <a:gd name="connsiteY0" fmla="*/ 3058510 h 3058510"/>
+              <a:gd name="connsiteX1" fmla="*/ 1471448 w 4393324"/>
+              <a:gd name="connsiteY1" fmla="*/ 2081048 h 3058510"/>
+              <a:gd name="connsiteX2" fmla="*/ 1996965 w 4393324"/>
+              <a:gd name="connsiteY2" fmla="*/ 2417379 h 3058510"/>
+              <a:gd name="connsiteX3" fmla="*/ 4393324 w 4393324"/>
+              <a:gd name="connsiteY3" fmla="*/ 0 h 3058510"/>
+              <a:gd name="connsiteX0" fmla="*/ 0 w 4393324"/>
+              <a:gd name="connsiteY0" fmla="*/ 3058510 h 3058510"/>
+              <a:gd name="connsiteX1" fmla="*/ 1471448 w 4393324"/>
+              <a:gd name="connsiteY1" fmla="*/ 2081048 h 3058510"/>
+              <a:gd name="connsiteX2" fmla="*/ 2322786 w 4393324"/>
+              <a:gd name="connsiteY2" fmla="*/ 2186151 h 3058510"/>
+              <a:gd name="connsiteX3" fmla="*/ 4393324 w 4393324"/>
+              <a:gd name="connsiteY3" fmla="*/ 0 h 3058510"/>
+              <a:gd name="connsiteX0" fmla="*/ 0 w 4393324"/>
+              <a:gd name="connsiteY0" fmla="*/ 3058510 h 3058510"/>
+              <a:gd name="connsiteX1" fmla="*/ 1786759 w 4393324"/>
+              <a:gd name="connsiteY1" fmla="*/ 2354317 h 3058510"/>
+              <a:gd name="connsiteX2" fmla="*/ 2322786 w 4393324"/>
+              <a:gd name="connsiteY2" fmla="*/ 2186151 h 3058510"/>
+              <a:gd name="connsiteX3" fmla="*/ 4393324 w 4393324"/>
+              <a:gd name="connsiteY3" fmla="*/ 0 h 3058510"/>
+              <a:gd name="connsiteX0" fmla="*/ 0 w 4393324"/>
+              <a:gd name="connsiteY0" fmla="*/ 3058510 h 3058510"/>
+              <a:gd name="connsiteX1" fmla="*/ 1786759 w 4393324"/>
+              <a:gd name="connsiteY1" fmla="*/ 2354317 h 3058510"/>
+              <a:gd name="connsiteX2" fmla="*/ 2354318 w 4393324"/>
+              <a:gd name="connsiteY2" fmla="*/ 2575034 h 3058510"/>
+              <a:gd name="connsiteX3" fmla="*/ 4393324 w 4393324"/>
+              <a:gd name="connsiteY3" fmla="*/ 0 h 3058510"/>
+              <a:gd name="connsiteX0" fmla="*/ 0 w 4466897"/>
+              <a:gd name="connsiteY0" fmla="*/ 2869324 h 2869324"/>
+              <a:gd name="connsiteX1" fmla="*/ 1786759 w 4466897"/>
+              <a:gd name="connsiteY1" fmla="*/ 2165131 h 2869324"/>
+              <a:gd name="connsiteX2" fmla="*/ 2354318 w 4466897"/>
+              <a:gd name="connsiteY2" fmla="*/ 2385848 h 2869324"/>
+              <a:gd name="connsiteX3" fmla="*/ 4466897 w 4466897"/>
+              <a:gd name="connsiteY3" fmla="*/ 0 h 2869324"/>
+              <a:gd name="connsiteX0" fmla="*/ 0 w 4466897"/>
+              <a:gd name="connsiteY0" fmla="*/ 2869324 h 2869324"/>
+              <a:gd name="connsiteX1" fmla="*/ 1471449 w 4466897"/>
+              <a:gd name="connsiteY1" fmla="*/ 2249214 h 2869324"/>
+              <a:gd name="connsiteX2" fmla="*/ 2354318 w 4466897"/>
+              <a:gd name="connsiteY2" fmla="*/ 2385848 h 2869324"/>
+              <a:gd name="connsiteX3" fmla="*/ 4466897 w 4466897"/>
+              <a:gd name="connsiteY3" fmla="*/ 0 h 2869324"/>
+              <a:gd name="connsiteX0" fmla="*/ 0 w 4466897"/>
+              <a:gd name="connsiteY0" fmla="*/ 2869324 h 2869324"/>
+              <a:gd name="connsiteX1" fmla="*/ 1902373 w 4466897"/>
+              <a:gd name="connsiteY1" fmla="*/ 2081048 h 2869324"/>
+              <a:gd name="connsiteX2" fmla="*/ 2354318 w 4466897"/>
+              <a:gd name="connsiteY2" fmla="*/ 2385848 h 2869324"/>
+              <a:gd name="connsiteX3" fmla="*/ 4466897 w 4466897"/>
+              <a:gd name="connsiteY3" fmla="*/ 0 h 2869324"/>
+              <a:gd name="connsiteX0" fmla="*/ 0 w 4466897"/>
+              <a:gd name="connsiteY0" fmla="*/ 2869324 h 2869324"/>
+              <a:gd name="connsiteX1" fmla="*/ 1902373 w 4466897"/>
+              <a:gd name="connsiteY1" fmla="*/ 2081048 h 2869324"/>
+              <a:gd name="connsiteX2" fmla="*/ 2659118 w 4466897"/>
+              <a:gd name="connsiteY2" fmla="*/ 2249214 h 2869324"/>
+              <a:gd name="connsiteX3" fmla="*/ 4466897 w 4466897"/>
+              <a:gd name="connsiteY3" fmla="*/ 0 h 2869324"/>
+              <a:gd name="connsiteX0" fmla="*/ 0 w 4466897"/>
+              <a:gd name="connsiteY0" fmla="*/ 2869324 h 2869324"/>
+              <a:gd name="connsiteX1" fmla="*/ 1902373 w 4466897"/>
+              <a:gd name="connsiteY1" fmla="*/ 2081048 h 2869324"/>
+              <a:gd name="connsiteX2" fmla="*/ 2659118 w 4466897"/>
+              <a:gd name="connsiteY2" fmla="*/ 2249214 h 2869324"/>
+              <a:gd name="connsiteX3" fmla="*/ 4466897 w 4466897"/>
+              <a:gd name="connsiteY3" fmla="*/ 0 h 2869324"/>
+              <a:gd name="connsiteX0" fmla="*/ 0 w 4466897"/>
+              <a:gd name="connsiteY0" fmla="*/ 2869324 h 2869324"/>
+              <a:gd name="connsiteX1" fmla="*/ 1902373 w 4466897"/>
+              <a:gd name="connsiteY1" fmla="*/ 2081048 h 2869324"/>
+              <a:gd name="connsiteX2" fmla="*/ 2659118 w 4466897"/>
+              <a:gd name="connsiteY2" fmla="*/ 2249214 h 2869324"/>
+              <a:gd name="connsiteX3" fmla="*/ 4466897 w 4466897"/>
+              <a:gd name="connsiteY3" fmla="*/ 0 h 2869324"/>
+              <a:gd name="connsiteX0" fmla="*/ 0 w 4466897"/>
+              <a:gd name="connsiteY0" fmla="*/ 2869324 h 2869324"/>
+              <a:gd name="connsiteX1" fmla="*/ 1902373 w 4466897"/>
+              <a:gd name="connsiteY1" fmla="*/ 2081048 h 2869324"/>
+              <a:gd name="connsiteX2" fmla="*/ 2659118 w 4466897"/>
+              <a:gd name="connsiteY2" fmla="*/ 2249214 h 2869324"/>
+              <a:gd name="connsiteX3" fmla="*/ 4466897 w 4466897"/>
+              <a:gd name="connsiteY3" fmla="*/ 0 h 2869324"/>
+              <a:gd name="connsiteX0" fmla="*/ 0 w 4466897"/>
+              <a:gd name="connsiteY0" fmla="*/ 2869324 h 2869324"/>
+              <a:gd name="connsiteX1" fmla="*/ 1860331 w 4466897"/>
+              <a:gd name="connsiteY1" fmla="*/ 2028496 h 2869324"/>
+              <a:gd name="connsiteX2" fmla="*/ 2659118 w 4466897"/>
+              <a:gd name="connsiteY2" fmla="*/ 2249214 h 2869324"/>
+              <a:gd name="connsiteX3" fmla="*/ 4466897 w 4466897"/>
+              <a:gd name="connsiteY3" fmla="*/ 0 h 2869324"/>
+              <a:gd name="connsiteX0" fmla="*/ 0 w 4466897"/>
+              <a:gd name="connsiteY0" fmla="*/ 2869324 h 2869324"/>
+              <a:gd name="connsiteX1" fmla="*/ 1860331 w 4466897"/>
+              <a:gd name="connsiteY1" fmla="*/ 2028496 h 2869324"/>
+              <a:gd name="connsiteX2" fmla="*/ 2659118 w 4466897"/>
+              <a:gd name="connsiteY2" fmla="*/ 2249214 h 2869324"/>
+              <a:gd name="connsiteX3" fmla="*/ 4466897 w 4466897"/>
+              <a:gd name="connsiteY3" fmla="*/ 0 h 2869324"/>
+              <a:gd name="connsiteX0" fmla="*/ 0 w 4466897"/>
+              <a:gd name="connsiteY0" fmla="*/ 2869324 h 2869324"/>
+              <a:gd name="connsiteX1" fmla="*/ 1891862 w 4466897"/>
+              <a:gd name="connsiteY1" fmla="*/ 2039006 h 2869324"/>
+              <a:gd name="connsiteX2" fmla="*/ 2659118 w 4466897"/>
+              <a:gd name="connsiteY2" fmla="*/ 2249214 h 2869324"/>
+              <a:gd name="connsiteX3" fmla="*/ 4466897 w 4466897"/>
+              <a:gd name="connsiteY3" fmla="*/ 0 h 2869324"/>
+              <a:gd name="connsiteX0" fmla="*/ 0 w 3710152"/>
+              <a:gd name="connsiteY0" fmla="*/ 2123089 h 2123089"/>
+              <a:gd name="connsiteX1" fmla="*/ 1891862 w 3710152"/>
+              <a:gd name="connsiteY1" fmla="*/ 1292771 h 2123089"/>
+              <a:gd name="connsiteX2" fmla="*/ 2659118 w 3710152"/>
+              <a:gd name="connsiteY2" fmla="*/ 1502979 h 2123089"/>
+              <a:gd name="connsiteX3" fmla="*/ 3710152 w 3710152"/>
+              <a:gd name="connsiteY3" fmla="*/ 0 h 2123089"/>
+              <a:gd name="connsiteX0" fmla="*/ 0 w 3174124"/>
+              <a:gd name="connsiteY0" fmla="*/ 1912882 h 1912882"/>
+              <a:gd name="connsiteX1" fmla="*/ 1355834 w 3174124"/>
+              <a:gd name="connsiteY1" fmla="*/ 1292771 h 1912882"/>
+              <a:gd name="connsiteX2" fmla="*/ 2123090 w 3174124"/>
+              <a:gd name="connsiteY2" fmla="*/ 1502979 h 1912882"/>
+              <a:gd name="connsiteX3" fmla="*/ 3174124 w 3174124"/>
+              <a:gd name="connsiteY3" fmla="*/ 0 h 1912882"/>
+              <a:gd name="connsiteX0" fmla="*/ 0 w 3174124"/>
+              <a:gd name="connsiteY0" fmla="*/ 1912882 h 1912882"/>
+              <a:gd name="connsiteX1" fmla="*/ 1355834 w 3174124"/>
+              <a:gd name="connsiteY1" fmla="*/ 1292771 h 1912882"/>
+              <a:gd name="connsiteX2" fmla="*/ 2112580 w 3174124"/>
+              <a:gd name="connsiteY2" fmla="*/ 1408386 h 1912882"/>
+              <a:gd name="connsiteX3" fmla="*/ 3174124 w 3174124"/>
+              <a:gd name="connsiteY3" fmla="*/ 0 h 1912882"/>
+              <a:gd name="connsiteX0" fmla="*/ 0 w 3870977"/>
+              <a:gd name="connsiteY0" fmla="*/ 2530720 h 2530720"/>
+              <a:gd name="connsiteX1" fmla="*/ 2052687 w 3870977"/>
+              <a:gd name="connsiteY1" fmla="*/ 1292771 h 2530720"/>
+              <a:gd name="connsiteX2" fmla="*/ 2809433 w 3870977"/>
+              <a:gd name="connsiteY2" fmla="*/ 1408386 h 2530720"/>
+              <a:gd name="connsiteX3" fmla="*/ 3870977 w 3870977"/>
+              <a:gd name="connsiteY3" fmla="*/ 0 h 2530720"/>
+              <a:gd name="connsiteX0" fmla="*/ 0 w 3870977"/>
+              <a:gd name="connsiteY0" fmla="*/ 2530720 h 2530720"/>
+              <a:gd name="connsiteX1" fmla="*/ 2001448 w 3870977"/>
+              <a:gd name="connsiteY1" fmla="*/ 1589333 h 2530720"/>
+              <a:gd name="connsiteX2" fmla="*/ 2809433 w 3870977"/>
+              <a:gd name="connsiteY2" fmla="*/ 1408386 h 2530720"/>
+              <a:gd name="connsiteX3" fmla="*/ 3870977 w 3870977"/>
+              <a:gd name="connsiteY3" fmla="*/ 0 h 2530720"/>
+              <a:gd name="connsiteX0" fmla="*/ 0 w 3870977"/>
+              <a:gd name="connsiteY0" fmla="*/ 2530720 h 2530720"/>
+              <a:gd name="connsiteX1" fmla="*/ 2001448 w 3870977"/>
+              <a:gd name="connsiteY1" fmla="*/ 1589333 h 2530720"/>
+              <a:gd name="connsiteX2" fmla="*/ 2758194 w 3870977"/>
+              <a:gd name="connsiteY2" fmla="*/ 1791445 h 2530720"/>
+              <a:gd name="connsiteX3" fmla="*/ 3870977 w 3870977"/>
+              <a:gd name="connsiteY3" fmla="*/ 0 h 2530720"/>
+              <a:gd name="connsiteX0" fmla="*/ 0 w 3870977"/>
+              <a:gd name="connsiteY0" fmla="*/ 2530720 h 2530720"/>
+              <a:gd name="connsiteX1" fmla="*/ 2001448 w 3870977"/>
+              <a:gd name="connsiteY1" fmla="*/ 1589333 h 2530720"/>
+              <a:gd name="connsiteX2" fmla="*/ 2758194 w 3870977"/>
+              <a:gd name="connsiteY2" fmla="*/ 1890299 h 2530720"/>
+              <a:gd name="connsiteX3" fmla="*/ 3870977 w 3870977"/>
+              <a:gd name="connsiteY3" fmla="*/ 0 h 2530720"/>
+              <a:gd name="connsiteX0" fmla="*/ 0 w 4147669"/>
+              <a:gd name="connsiteY0" fmla="*/ 2518364 h 2518364"/>
+              <a:gd name="connsiteX1" fmla="*/ 2001448 w 4147669"/>
+              <a:gd name="connsiteY1" fmla="*/ 1576977 h 2518364"/>
+              <a:gd name="connsiteX2" fmla="*/ 2758194 w 4147669"/>
+              <a:gd name="connsiteY2" fmla="*/ 1877943 h 2518364"/>
+              <a:gd name="connsiteX3" fmla="*/ 4147669 w 4147669"/>
+              <a:gd name="connsiteY3" fmla="*/ 0 h 2518364"/>
+            </a:gdLst>
+            <a:ahLst/>
+            <a:cxnLst>
+              <a:cxn ang="0">
+                <a:pos x="connsiteX0" y="connsiteY0"/>
+              </a:cxn>
+              <a:cxn ang="0">
+                <a:pos x="connsiteX1" y="connsiteY1"/>
+              </a:cxn>
+              <a:cxn ang="0">
+                <a:pos x="connsiteX2" y="connsiteY2"/>
+              </a:cxn>
+              <a:cxn ang="0">
+                <a:pos x="connsiteX3" y="connsiteY3"/>
+              </a:cxn>
+            </a:cxnLst>
+            <a:rect l="l" t="t" r="r" b="b"/>
+            <a:pathLst>
+              <a:path w="4147669" h="2518364">
+                <a:moveTo>
+                  <a:pt x="0" y="2518364"/>
+                </a:moveTo>
+                <a:cubicBezTo>
+                  <a:pt x="569310" y="2083060"/>
+                  <a:pt x="1541749" y="1683714"/>
+                  <a:pt x="2001448" y="1576977"/>
+                </a:cubicBezTo>
+                <a:cubicBezTo>
+                  <a:pt x="2461147" y="1470240"/>
+                  <a:pt x="2400491" y="2140772"/>
+                  <a:pt x="2758194" y="1877943"/>
+                </a:cubicBezTo>
+                <a:cubicBezTo>
+                  <a:pt x="3115897" y="1615114"/>
+                  <a:pt x="3679959" y="797910"/>
+                  <a:pt x="4147669" y="0"/>
+                </a:cubicBezTo>
+              </a:path>
+            </a:pathLst>
+          </a:custGeom>
+          <a:noFill/>
+          <a:ln w="88900">
+            <a:solidFill>
+              <a:schemeClr val="accent1">
+                <a:lumMod val="75000"/>
+              </a:schemeClr>
+            </a:solidFill>
+            <a:tailEnd type="triangle"/>
+          </a:ln>
+        </p:spPr>
+        <p:style>
+          <a:lnRef idx="2">
+            <a:schemeClr val="accent1">
+              <a:shade val="50000"/>
+            </a:schemeClr>
+          </a:lnRef>
+          <a:fillRef idx="1">
+            <a:schemeClr val="accent1"/>
+          </a:fillRef>
+          <a:effectRef idx="0">
+            <a:schemeClr val="accent1"/>
+          </a:effectRef>
+          <a:fontRef idx="minor">
+            <a:schemeClr val="lt1"/>
+          </a:fontRef>
+        </p:style>
+        <p:txBody>
+          <a:bodyPr rtlCol="0" anchor="ctr"/>
+          <a:lstStyle/>
+          <a:p>
+            <a:pPr algn="ctr"/>
+            <a:endParaRPr lang="en-US"/>
+          </a:p>
+        </p:txBody>
+      </p:sp>
+      <p:sp>
+        <p:nvSpPr>
+          <p:cNvPr id="23" name="Freeform 22">
+            <a:extLst>
+              <a:ext uri="{FF2B5EF4-FFF2-40B4-BE49-F238E27FC236}">
+                <a16:creationId xmlns:a16="http://schemas.microsoft.com/office/drawing/2014/main" id="{15014256-B3B6-C841-A934-DF0C26CBBC78}"/>
+              </a:ext>
+            </a:extLst>
+          </p:cNvPr>
+          <p:cNvSpPr/>
+          <p:nvPr/>
+        </p:nvSpPr>
+        <p:spPr>
+          <a:xfrm>
+            <a:off x="712703" y="3614025"/>
+            <a:ext cx="1717734" cy="1351022"/>
+          </a:xfrm>
+          <a:custGeom>
+            <a:avLst/>
+            <a:gdLst>
+              <a:gd name="connsiteX0" fmla="*/ 0 w 1355835"/>
+              <a:gd name="connsiteY0" fmla="*/ 1271752 h 1271752"/>
+              <a:gd name="connsiteX1" fmla="*/ 1355835 w 1355835"/>
+              <a:gd name="connsiteY1" fmla="*/ 0 h 1271752"/>
+            </a:gdLst>
+            <a:ahLst/>
+            <a:cxnLst>
+              <a:cxn ang="0">
+                <a:pos x="connsiteX0" y="connsiteY0"/>
+              </a:cxn>
+              <a:cxn ang="0">
+                <a:pos x="connsiteX1" y="connsiteY1"/>
+              </a:cxn>
+            </a:cxnLst>
+            <a:rect l="l" t="t" r="r" b="b"/>
+            <a:pathLst>
+              <a:path w="1355835" h="1271752">
+                <a:moveTo>
+                  <a:pt x="0" y="1271752"/>
+                </a:moveTo>
+                <a:lnTo>
+                  <a:pt x="1355835" y="0"/>
+                </a:lnTo>
+              </a:path>
+            </a:pathLst>
+          </a:custGeom>
+          <a:noFill/>
+          <a:ln w="63500">
+            <a:solidFill>
+              <a:schemeClr val="accent1">
+                <a:lumMod val="60000"/>
+                <a:lumOff val="40000"/>
+              </a:schemeClr>
+            </a:solidFill>
+            <a:prstDash val="sysDot"/>
+            <a:tailEnd type="triangle"/>
+          </a:ln>
+        </p:spPr>
+        <p:style>
+          <a:lnRef idx="2">
+            <a:schemeClr val="accent1">
+              <a:shade val="50000"/>
+            </a:schemeClr>
+          </a:lnRef>
+          <a:fillRef idx="1">
+            <a:schemeClr val="accent1"/>
+          </a:fillRef>
+          <a:effectRef idx="0">
+            <a:schemeClr val="accent1"/>
+          </a:effectRef>
+          <a:fontRef idx="minor">
+            <a:schemeClr val="lt1"/>
+          </a:fontRef>
+        </p:style>
+        <p:txBody>
+          <a:bodyPr rtlCol="0" anchor="ctr"/>
+          <a:lstStyle/>
+          <a:p>
+            <a:pPr algn="ctr"/>
+            <a:endParaRPr lang="en-US"/>
+          </a:p>
+        </p:txBody>
+      </p:sp>
+      <p:sp>
+        <p:nvSpPr>
+          <p:cNvPr id="24" name="Freeform 23">
+            <a:extLst>
+              <a:ext uri="{FF2B5EF4-FFF2-40B4-BE49-F238E27FC236}">
+                <a16:creationId xmlns:a16="http://schemas.microsoft.com/office/drawing/2014/main" id="{4CA6E04B-F55F-0048-9989-1187F368FFF2}"/>
+              </a:ext>
+            </a:extLst>
+          </p:cNvPr>
+          <p:cNvSpPr/>
+          <p:nvPr/>
+        </p:nvSpPr>
+        <p:spPr>
+          <a:xfrm>
+            <a:off x="712703" y="4736085"/>
+            <a:ext cx="2152145" cy="228963"/>
+          </a:xfrm>
+          <a:custGeom>
+            <a:avLst/>
+            <a:gdLst>
+              <a:gd name="connsiteX0" fmla="*/ 0 w 1355835"/>
+              <a:gd name="connsiteY0" fmla="*/ 1271752 h 1271752"/>
+              <a:gd name="connsiteX1" fmla="*/ 1355835 w 1355835"/>
+              <a:gd name="connsiteY1" fmla="*/ 0 h 1271752"/>
+            </a:gdLst>
+            <a:ahLst/>
+            <a:cxnLst>
+              <a:cxn ang="0">
+                <a:pos x="connsiteX0" y="connsiteY0"/>
+              </a:cxn>
+              <a:cxn ang="0">
+                <a:pos x="connsiteX1" y="connsiteY1"/>
+              </a:cxn>
+            </a:cxnLst>
+            <a:rect l="l" t="t" r="r" b="b"/>
+            <a:pathLst>
+              <a:path w="1355835" h="1271752">
+                <a:moveTo>
+                  <a:pt x="0" y="1271752"/>
+                </a:moveTo>
+                <a:lnTo>
+                  <a:pt x="1355835" y="0"/>
+                </a:lnTo>
+              </a:path>
+            </a:pathLst>
+          </a:custGeom>
+          <a:noFill/>
+          <a:ln w="63500">
+            <a:solidFill>
+              <a:schemeClr val="accent1">
+                <a:lumMod val="60000"/>
+                <a:lumOff val="40000"/>
+              </a:schemeClr>
+            </a:solidFill>
+            <a:prstDash val="sysDot"/>
+            <a:tailEnd type="triangle"/>
+          </a:ln>
+        </p:spPr>
+        <p:style>
+          <a:lnRef idx="2">
+            <a:schemeClr val="accent1">
+              <a:shade val="50000"/>
+            </a:schemeClr>
+          </a:lnRef>
+          <a:fillRef idx="1">
+            <a:schemeClr val="accent1"/>
+          </a:fillRef>
+          <a:effectRef idx="0">
+            <a:schemeClr val="accent1"/>
+          </a:effectRef>
+          <a:fontRef idx="minor">
+            <a:schemeClr val="lt1"/>
+          </a:fontRef>
+        </p:style>
+        <p:txBody>
+          <a:bodyPr rtlCol="0" anchor="ctr"/>
+          <a:lstStyle/>
+          <a:p>
+            <a:pPr algn="ctr"/>
+            <a:endParaRPr lang="en-US"/>
+          </a:p>
+        </p:txBody>
+      </p:sp>
+      <p:sp>
+        <p:nvSpPr>
+          <p:cNvPr id="29" name="TextBox 28">
+            <a:extLst>
+              <a:ext uri="{FF2B5EF4-FFF2-40B4-BE49-F238E27FC236}">
+                <a16:creationId xmlns:a16="http://schemas.microsoft.com/office/drawing/2014/main" id="{F729D577-F9F6-8E45-9F1B-6CB8730B6AC6}"/>
+              </a:ext>
+            </a:extLst>
+          </p:cNvPr>
+          <p:cNvSpPr txBox="1"/>
+          <p:nvPr/>
+        </p:nvSpPr>
+        <p:spPr>
+          <a:xfrm>
+            <a:off x="499675" y="63696"/>
+            <a:ext cx="11016822" cy="1631216"/>
+          </a:xfrm>
+          <a:prstGeom prst="rect">
+            <a:avLst/>
+          </a:prstGeom>
+          <a:noFill/>
+        </p:spPr>
+        <p:txBody>
+          <a:bodyPr wrap="square" rtlCol="0">
+            <a:spAutoFit/>
+          </a:bodyPr>
+          <a:lstStyle/>
+          <a:p>
+            <a:r>
+              <a:rPr lang="en-US" sz="2000" b="1" dirty="0">
+                <a:latin typeface="HELVETICA NEUE LIGHT" panose="02000403000000020004" pitchFamily="2" charset="0"/>
+                <a:ea typeface="HELVETICA NEUE LIGHT" panose="02000403000000020004" pitchFamily="2" charset="0"/>
+                <a:cs typeface="Helvetica Neue" panose="02000503000000020004" pitchFamily="2" charset="0"/>
+              </a:rPr>
+              <a:t>Problem statement + background: </a:t>
+            </a:r>
+            <a:r>
+              <a:rPr lang="en-US" sz="2000" dirty="0">
+                <a:latin typeface="Helvetica Neue Light" panose="02000403000000020004" pitchFamily="2" charset="0"/>
+                <a:ea typeface="Helvetica Neue Light" panose="02000403000000020004" pitchFamily="2" charset="0"/>
+                <a:cs typeface="Helvetica Neue" panose="02000503000000020004" pitchFamily="2" charset="0"/>
+              </a:rPr>
+              <a:t>How can agreed-upon goals (Thrive2040 and predecessors) have led to such divergent outcomes for economic prosperity in our region? Developing and leveraging an “economic values atlas” with a shared language for economic development is one proposed intervention. EVA can bring an objective lens to project evaluation and decision-making processes that guide regional economic investments, re-investments, and development. </a:t>
+            </a:r>
+          </a:p>
+        </p:txBody>
+      </p:sp>
+      <p:sp>
+        <p:nvSpPr>
+          <p:cNvPr id="2" name="Right Brace 1">
+            <a:extLst>
+              <a:ext uri="{FF2B5EF4-FFF2-40B4-BE49-F238E27FC236}">
+                <a16:creationId xmlns:a16="http://schemas.microsoft.com/office/drawing/2014/main" id="{A5609D5B-58A0-6A42-AC09-2FAF4326D911}"/>
+              </a:ext>
+            </a:extLst>
+          </p:cNvPr>
+          <p:cNvSpPr/>
+          <p:nvPr/>
+        </p:nvSpPr>
+        <p:spPr>
+          <a:xfrm rot="5400000">
+            <a:off x="1454782" y="4215395"/>
+            <a:ext cx="536035" cy="2284063"/>
+          </a:xfrm>
+          <a:prstGeom prst="rightBrace">
+            <a:avLst>
+              <a:gd name="adj1" fmla="val 72879"/>
+              <a:gd name="adj2" fmla="val 50000"/>
+            </a:avLst>
+          </a:prstGeom>
+          <a:ln>
+            <a:solidFill>
+              <a:schemeClr val="tx1"/>
+            </a:solidFill>
+          </a:ln>
+        </p:spPr>
+        <p:style>
+          <a:lnRef idx="1">
+            <a:schemeClr val="accent1"/>
+          </a:lnRef>
+          <a:fillRef idx="0">
+            <a:schemeClr val="accent1"/>
+          </a:fillRef>
+          <a:effectRef idx="0">
+            <a:schemeClr val="accent1"/>
+          </a:effectRef>
+          <a:fontRef idx="minor">
+            <a:schemeClr val="tx1"/>
+          </a:fontRef>
+        </p:style>
+        <p:txBody>
+          <a:bodyPr rtlCol="0" anchor="ctr"/>
+          <a:lstStyle/>
+          <a:p>
+            <a:pPr algn="ctr"/>
+            <a:endParaRPr lang="en-US"/>
+          </a:p>
+        </p:txBody>
+      </p:sp>
+      <p:sp>
+        <p:nvSpPr>
+          <p:cNvPr id="4" name="TextBox 3">
+            <a:extLst>
+              <a:ext uri="{FF2B5EF4-FFF2-40B4-BE49-F238E27FC236}">
+                <a16:creationId xmlns:a16="http://schemas.microsoft.com/office/drawing/2014/main" id="{5EEBB58C-0572-B847-81A5-5D0D466D4439}"/>
+              </a:ext>
+            </a:extLst>
+          </p:cNvPr>
+          <p:cNvSpPr txBox="1"/>
+          <p:nvPr/>
+        </p:nvSpPr>
+        <p:spPr>
+          <a:xfrm>
+            <a:off x="135925" y="5636767"/>
+            <a:ext cx="3336819" cy="1077218"/>
+          </a:xfrm>
+          <a:prstGeom prst="rect">
+            <a:avLst/>
+          </a:prstGeom>
+          <a:noFill/>
+        </p:spPr>
+        <p:txBody>
+          <a:bodyPr wrap="square" rtlCol="0">
+            <a:spAutoFit/>
+          </a:bodyPr>
+          <a:lstStyle/>
+          <a:p>
+            <a:r>
+              <a:rPr lang="en-US" sz="1600" b="1" dirty="0">
+                <a:latin typeface="HELVETICA NEUE LIGHT" panose="02000403000000020004" pitchFamily="2" charset="0"/>
+                <a:ea typeface="HELVETICA NEUE LIGHT" panose="02000403000000020004" pitchFamily="2" charset="0"/>
+              </a:rPr>
+              <a:t>Regional baseline: </a:t>
+            </a:r>
+            <a:r>
+              <a:rPr lang="en-US" sz="1600" dirty="0">
+                <a:latin typeface="Helvetica Neue Light" panose="02000403000000020004" pitchFamily="2" charset="0"/>
+                <a:ea typeface="Helvetica Neue Light" panose="02000403000000020004" pitchFamily="2" charset="0"/>
+              </a:rPr>
+              <a:t>A strong regional economy masks the  phenomena of systemic inequities leading to divergent economic outcomes</a:t>
+            </a:r>
+          </a:p>
+        </p:txBody>
+      </p:sp>
+      <p:sp>
+        <p:nvSpPr>
+          <p:cNvPr id="17" name="Right Brace 16">
+            <a:extLst>
+              <a:ext uri="{FF2B5EF4-FFF2-40B4-BE49-F238E27FC236}">
+                <a16:creationId xmlns:a16="http://schemas.microsoft.com/office/drawing/2014/main" id="{0B067DB7-9472-7B48-A6BD-1A5D48E3E8D0}"/>
+              </a:ext>
+            </a:extLst>
+          </p:cNvPr>
+          <p:cNvSpPr/>
+          <p:nvPr/>
+        </p:nvSpPr>
+        <p:spPr>
+          <a:xfrm rot="5400000">
+            <a:off x="5090923" y="3543632"/>
+            <a:ext cx="536035" cy="2034233"/>
+          </a:xfrm>
+          <a:prstGeom prst="rightBrace">
+            <a:avLst>
+              <a:gd name="adj1" fmla="val 72879"/>
+              <a:gd name="adj2" fmla="val 50000"/>
+            </a:avLst>
+          </a:prstGeom>
+          <a:ln>
+            <a:solidFill>
+              <a:schemeClr val="tx1"/>
+            </a:solidFill>
+          </a:ln>
+        </p:spPr>
+        <p:style>
+          <a:lnRef idx="1">
+            <a:schemeClr val="accent1"/>
+          </a:lnRef>
+          <a:fillRef idx="0">
+            <a:schemeClr val="accent1"/>
+          </a:fillRef>
+          <a:effectRef idx="0">
+            <a:schemeClr val="accent1"/>
+          </a:effectRef>
+          <a:fontRef idx="minor">
+            <a:schemeClr val="tx1"/>
+          </a:fontRef>
+        </p:style>
+        <p:txBody>
+          <a:bodyPr rtlCol="0" anchor="ctr"/>
+          <a:lstStyle/>
+          <a:p>
+            <a:pPr algn="ctr"/>
+            <a:endParaRPr lang="en-US"/>
+          </a:p>
+        </p:txBody>
+      </p:sp>
+      <p:sp>
+        <p:nvSpPr>
+          <p:cNvPr id="18" name="Right Brace 17">
+            <a:extLst>
+              <a:ext uri="{FF2B5EF4-FFF2-40B4-BE49-F238E27FC236}">
+                <a16:creationId xmlns:a16="http://schemas.microsoft.com/office/drawing/2014/main" id="{AAC7988E-A3D4-6B4E-8E4B-2B3A9C55F542}"/>
+              </a:ext>
+            </a:extLst>
+          </p:cNvPr>
+          <p:cNvSpPr/>
+          <p:nvPr/>
+        </p:nvSpPr>
+        <p:spPr>
+          <a:xfrm rot="16200000">
+            <a:off x="3330425" y="2812009"/>
+            <a:ext cx="536035" cy="1211123"/>
+          </a:xfrm>
+          <a:prstGeom prst="rightBrace">
+            <a:avLst>
+              <a:gd name="adj1" fmla="val 72879"/>
+              <a:gd name="adj2" fmla="val 50000"/>
+            </a:avLst>
+          </a:prstGeom>
+          <a:ln>
+            <a:solidFill>
+              <a:schemeClr val="tx1"/>
+            </a:solidFill>
+          </a:ln>
+        </p:spPr>
+        <p:style>
+          <a:lnRef idx="1">
+            <a:schemeClr val="accent1"/>
+          </a:lnRef>
+          <a:fillRef idx="0">
+            <a:schemeClr val="accent1"/>
+          </a:fillRef>
+          <a:effectRef idx="0">
+            <a:schemeClr val="accent1"/>
+          </a:effectRef>
+          <a:fontRef idx="minor">
+            <a:schemeClr val="tx1"/>
+          </a:fontRef>
+        </p:style>
+        <p:txBody>
+          <a:bodyPr rtlCol="0" anchor="ctr"/>
+          <a:lstStyle/>
+          <a:p>
+            <a:pPr algn="ctr"/>
+            <a:endParaRPr lang="en-US"/>
+          </a:p>
+        </p:txBody>
+      </p:sp>
+      <p:sp>
+        <p:nvSpPr>
+          <p:cNvPr id="20" name="TextBox 19">
+            <a:extLst>
+              <a:ext uri="{FF2B5EF4-FFF2-40B4-BE49-F238E27FC236}">
+                <a16:creationId xmlns:a16="http://schemas.microsoft.com/office/drawing/2014/main" id="{70C6D8A4-EF85-0647-A7D5-A5E10B63E327}"/>
+              </a:ext>
+            </a:extLst>
+          </p:cNvPr>
+          <p:cNvSpPr txBox="1"/>
+          <p:nvPr/>
+        </p:nvSpPr>
+        <p:spPr>
+          <a:xfrm>
+            <a:off x="2064602" y="2027273"/>
+            <a:ext cx="3085593" cy="1077218"/>
+          </a:xfrm>
+          <a:prstGeom prst="rect">
+            <a:avLst/>
+          </a:prstGeom>
+          <a:noFill/>
+        </p:spPr>
+        <p:txBody>
+          <a:bodyPr wrap="square" rtlCol="0">
+            <a:spAutoFit/>
+          </a:bodyPr>
+          <a:lstStyle/>
+          <a:p>
+            <a:r>
+              <a:rPr lang="en-US" sz="1600" b="1" dirty="0">
+                <a:latin typeface="HELVETICA NEUE LIGHT" panose="02000403000000020004" pitchFamily="2" charset="0"/>
+                <a:ea typeface="HELVETICA NEUE LIGHT" panose="02000403000000020004" pitchFamily="2" charset="0"/>
+              </a:rPr>
+              <a:t>Disruption: </a:t>
+            </a:r>
+            <a:r>
+              <a:rPr lang="en-US" sz="1600" dirty="0">
+                <a:latin typeface="Helvetica Neue Light" panose="02000403000000020004" pitchFamily="2" charset="0"/>
+                <a:ea typeface="Helvetica Neue Light" panose="02000403000000020004" pitchFamily="2" charset="0"/>
+              </a:rPr>
+              <a:t>COVID-19 and police brutality punctuates the need for a “new normal” and rethinking indicators of regional prosperity</a:t>
+            </a:r>
+          </a:p>
+        </p:txBody>
+      </p:sp>
+      <p:sp>
+        <p:nvSpPr>
+          <p:cNvPr id="21" name="TextBox 20">
+            <a:extLst>
+              <a:ext uri="{FF2B5EF4-FFF2-40B4-BE49-F238E27FC236}">
+                <a16:creationId xmlns:a16="http://schemas.microsoft.com/office/drawing/2014/main" id="{B5F94F93-CFB7-2642-A30A-D14534FBE21F}"/>
+              </a:ext>
+            </a:extLst>
+          </p:cNvPr>
+          <p:cNvSpPr txBox="1"/>
+          <p:nvPr/>
+        </p:nvSpPr>
+        <p:spPr>
+          <a:xfrm>
+            <a:off x="3895413" y="4840614"/>
+            <a:ext cx="3210115" cy="1569660"/>
+          </a:xfrm>
+          <a:prstGeom prst="rect">
+            <a:avLst/>
+          </a:prstGeom>
+          <a:noFill/>
+        </p:spPr>
+        <p:txBody>
+          <a:bodyPr wrap="square" rtlCol="0">
+            <a:spAutoFit/>
+          </a:bodyPr>
+          <a:lstStyle/>
+          <a:p>
+            <a:r>
+              <a:rPr lang="en-US" sz="1600" b="1" dirty="0">
+                <a:latin typeface="HELVETICA NEUE LIGHT" panose="02000403000000020004" pitchFamily="2" charset="0"/>
+                <a:ea typeface="HELVETICA NEUE LIGHT" panose="02000403000000020004" pitchFamily="2" charset="0"/>
+              </a:rPr>
+              <a:t>Recovery: </a:t>
+            </a:r>
+            <a:r>
+              <a:rPr lang="en-US" sz="1600" dirty="0">
+                <a:latin typeface="Helvetica Neue Light" panose="02000403000000020004" pitchFamily="2" charset="0"/>
+                <a:ea typeface="Helvetica Neue Light" panose="02000403000000020004" pitchFamily="2" charset="0"/>
+              </a:rPr>
+              <a:t>Create a </a:t>
+            </a:r>
+            <a:r>
+              <a:rPr lang="en-US" sz="1600" dirty="0">
+                <a:latin typeface="Helvetica Neue Light" panose="02000403000000020004" pitchFamily="2" charset="0"/>
+                <a:ea typeface="Helvetica Neue Light" panose="02000403000000020004" pitchFamily="2" charset="0"/>
+                <a:cs typeface="Helvetica Neue" panose="02000503000000020004" pitchFamily="2" charset="0"/>
+              </a:rPr>
+              <a:t>trajectory of </a:t>
+            </a:r>
+            <a:r>
+              <a:rPr lang="en-US" sz="1600" b="1" i="1" dirty="0">
+                <a:latin typeface="HELVETICA NEUE LIGHT" panose="02000403000000020004" pitchFamily="2" charset="0"/>
+                <a:ea typeface="HELVETICA NEUE LIGHT" panose="02000403000000020004" pitchFamily="2" charset="0"/>
+                <a:cs typeface="Helvetica Neue" panose="02000503000000020004" pitchFamily="2" charset="0"/>
+              </a:rPr>
+              <a:t>accelerated</a:t>
+            </a:r>
+            <a:r>
+              <a:rPr lang="en-US" sz="1600" dirty="0">
+                <a:latin typeface="Helvetica Neue Light" panose="02000403000000020004" pitchFamily="2" charset="0"/>
+                <a:ea typeface="Helvetica Neue Light" panose="02000403000000020004" pitchFamily="2" charset="0"/>
+                <a:cs typeface="Helvetica Neue" panose="02000503000000020004" pitchFamily="2" charset="0"/>
+              </a:rPr>
+              <a:t> and </a:t>
+            </a:r>
+            <a:r>
+              <a:rPr lang="en-US" sz="1600" b="1" i="1" dirty="0">
+                <a:latin typeface="HELVETICA NEUE LIGHT" panose="02000403000000020004" pitchFamily="2" charset="0"/>
+                <a:ea typeface="HELVETICA NEUE LIGHT" panose="02000403000000020004" pitchFamily="2" charset="0"/>
+                <a:cs typeface="Helvetica Neue" panose="02000503000000020004" pitchFamily="2" charset="0"/>
+              </a:rPr>
+              <a:t>synergistic</a:t>
+            </a:r>
+            <a:r>
+              <a:rPr lang="en-US" sz="1600" dirty="0">
+                <a:latin typeface="Helvetica Neue Light" panose="02000403000000020004" pitchFamily="2" charset="0"/>
+                <a:ea typeface="Helvetica Neue Light" panose="02000403000000020004" pitchFamily="2" charset="0"/>
+                <a:cs typeface="Helvetica Neue" panose="02000503000000020004" pitchFamily="2" charset="0"/>
+              </a:rPr>
+              <a:t> economic growth alongside COVID-19 recovery by developing and leveraging </a:t>
+            </a:r>
+            <a:r>
+              <a:rPr lang="en-US" sz="1600" dirty="0">
+                <a:latin typeface="Helvetica Neue Light" panose="02000403000000020004" pitchFamily="2" charset="0"/>
+                <a:ea typeface="Helvetica Neue Light" panose="02000403000000020004" pitchFamily="2" charset="0"/>
+              </a:rPr>
+              <a:t>a </a:t>
+            </a:r>
+            <a:r>
+              <a:rPr lang="en-US" sz="1600" b="1" i="1" dirty="0">
+                <a:latin typeface="Helvetica Neue Light" panose="02000403000000020004" pitchFamily="2" charset="0"/>
+                <a:ea typeface="Helvetica Neue Light" panose="02000403000000020004" pitchFamily="2" charset="0"/>
+              </a:rPr>
+              <a:t>shared language </a:t>
+            </a:r>
+            <a:r>
+              <a:rPr lang="en-US" sz="1600" dirty="0">
+                <a:latin typeface="Helvetica Neue Light" panose="02000403000000020004" pitchFamily="2" charset="0"/>
+                <a:ea typeface="Helvetica Neue Light" panose="02000403000000020004" pitchFamily="2" charset="0"/>
+              </a:rPr>
+              <a:t>for economic development</a:t>
+            </a:r>
+            <a:endParaRPr lang="en-US" sz="1600" dirty="0">
+              <a:latin typeface="Helvetica Neue Light" panose="02000403000000020004" pitchFamily="2" charset="0"/>
+              <a:ea typeface="Helvetica Neue Light" panose="02000403000000020004" pitchFamily="2" charset="0"/>
+            </a:endParaRPr>
+          </a:p>
+        </p:txBody>
+      </p:sp>
+      <p:cxnSp>
+        <p:nvCxnSpPr>
+          <p:cNvPr id="7" name="Straight Connector 6">
+            <a:extLst>
+              <a:ext uri="{FF2B5EF4-FFF2-40B4-BE49-F238E27FC236}">
+                <a16:creationId xmlns:a16="http://schemas.microsoft.com/office/drawing/2014/main" id="{9817FC6B-71F9-9F4D-8852-D07165B57763}"/>
+              </a:ext>
+            </a:extLst>
+          </p:cNvPr>
+          <p:cNvCxnSpPr/>
+          <p:nvPr/>
+        </p:nvCxnSpPr>
+        <p:spPr>
+          <a:xfrm>
+            <a:off x="499675" y="1754663"/>
+            <a:ext cx="10762735" cy="0"/>
+          </a:xfrm>
+          <a:prstGeom prst="line">
+            <a:avLst/>
+          </a:prstGeom>
+        </p:spPr>
+        <p:style>
+          <a:lnRef idx="1">
+            <a:schemeClr val="accent1"/>
+          </a:lnRef>
+          <a:fillRef idx="0">
+            <a:schemeClr val="accent1"/>
+          </a:fillRef>
+          <a:effectRef idx="0">
+            <a:schemeClr val="accent1"/>
+          </a:effectRef>
+          <a:fontRef idx="minor">
+            <a:schemeClr val="tx1"/>
+          </a:fontRef>
+        </p:style>
+      </p:cxnSp>
+      <p:pic>
+        <p:nvPicPr>
+          <p:cNvPr id="2052" name="Picture 4">
+            <a:extLst>
+              <a:ext uri="{FF2B5EF4-FFF2-40B4-BE49-F238E27FC236}">
+                <a16:creationId xmlns:a16="http://schemas.microsoft.com/office/drawing/2014/main" id="{41AD7F24-2068-2A46-89E2-E7343080D13A}"/>
+              </a:ext>
+            </a:extLst>
+          </p:cNvPr>
+          <p:cNvPicPr>
+            <a:picLocks noChangeAspect="1" noChangeArrowheads="1"/>
+          </p:cNvPicPr>
+          <p:nvPr/>
+        </p:nvPicPr>
+        <p:blipFill rotWithShape="1">
+          <a:blip r:embed="rId2">
+            <a:extLst>
+              <a:ext uri="{28A0092B-C50C-407E-A947-70E740481C1C}">
+                <a14:useLocalDpi xmlns:a14="http://schemas.microsoft.com/office/drawing/2010/main" val="0"/>
+              </a:ext>
+            </a:extLst>
+          </a:blip>
+          <a:srcRect l="16110" r="21694" b="3837"/>
+          <a:stretch/>
+        </p:blipFill>
+        <p:spPr bwMode="auto">
+          <a:xfrm>
+            <a:off x="8382528" y="3097354"/>
+            <a:ext cx="3047572" cy="3365710"/>
+          </a:xfrm>
+          <a:prstGeom prst="rect">
+            <a:avLst/>
+          </a:prstGeom>
+          <a:noFill/>
+          <a:extLst>
+            <a:ext uri="{909E8E84-426E-40DD-AFC4-6F175D3DCCD1}">
+              <a14:hiddenFill xmlns:a14="http://schemas.microsoft.com/office/drawing/2010/main">
+                <a:solidFill>
+                  <a:srgbClr val="FFFFFF"/>
+                </a:solidFill>
+              </a14:hiddenFill>
+            </a:ext>
+          </a:extLst>
+        </p:spPr>
+      </p:pic>
+      <p:sp>
+        <p:nvSpPr>
+          <p:cNvPr id="31" name="TextBox 30">
+            <a:extLst>
+              <a:ext uri="{FF2B5EF4-FFF2-40B4-BE49-F238E27FC236}">
+                <a16:creationId xmlns:a16="http://schemas.microsoft.com/office/drawing/2014/main" id="{D0E0AA4D-4545-0A4E-A77E-FDE5702DC3E5}"/>
+              </a:ext>
+            </a:extLst>
+          </p:cNvPr>
+          <p:cNvSpPr txBox="1"/>
+          <p:nvPr/>
+        </p:nvSpPr>
+        <p:spPr>
+          <a:xfrm>
+            <a:off x="8020753" y="2020136"/>
+            <a:ext cx="4078451" cy="1077218"/>
+          </a:xfrm>
+          <a:prstGeom prst="rect">
+            <a:avLst/>
+          </a:prstGeom>
+          <a:noFill/>
+        </p:spPr>
+        <p:txBody>
+          <a:bodyPr wrap="square" rtlCol="0">
+            <a:spAutoFit/>
+          </a:bodyPr>
+          <a:lstStyle/>
+          <a:p>
+            <a:r>
+              <a:rPr lang="en-US" sz="1600" b="1" dirty="0">
+                <a:latin typeface="HELVETICA NEUE LIGHT" panose="02000403000000020004" pitchFamily="2" charset="0"/>
+                <a:ea typeface="HELVETICA NEUE LIGHT" panose="02000403000000020004" pitchFamily="2" charset="0"/>
+              </a:rPr>
+              <a:t>EVA Tool: </a:t>
+            </a:r>
+            <a:r>
+              <a:rPr lang="en-US" sz="1600" dirty="0">
+                <a:latin typeface="Helvetica Neue Light" panose="02000403000000020004" pitchFamily="2" charset="0"/>
+                <a:ea typeface="Helvetica Neue Light" panose="02000403000000020004" pitchFamily="2" charset="0"/>
+              </a:rPr>
+              <a:t>Synthesize existing yet disparate data sources to produce new insights. Find “opportunity zones” where investments can have disproportionately positive impacts</a:t>
+            </a:r>
+          </a:p>
+        </p:txBody>
+      </p:sp>
+      <p:sp>
+        <p:nvSpPr>
+          <p:cNvPr id="9" name="TextBox 8">
+            <a:extLst>
+              <a:ext uri="{FF2B5EF4-FFF2-40B4-BE49-F238E27FC236}">
+                <a16:creationId xmlns:a16="http://schemas.microsoft.com/office/drawing/2014/main" id="{406AAAB7-194B-744F-AB69-E44CCF03015B}"/>
+              </a:ext>
+            </a:extLst>
+          </p:cNvPr>
+          <p:cNvSpPr txBox="1"/>
+          <p:nvPr/>
+        </p:nvSpPr>
+        <p:spPr>
+          <a:xfrm>
+            <a:off x="9006711" y="3244521"/>
+            <a:ext cx="633507" cy="369332"/>
+          </a:xfrm>
+          <a:prstGeom prst="rect">
+            <a:avLst/>
+          </a:prstGeom>
+          <a:noFill/>
+        </p:spPr>
+        <p:txBody>
+          <a:bodyPr wrap="none" rtlCol="0">
+            <a:spAutoFit/>
+          </a:bodyPr>
+          <a:lstStyle/>
+          <a:p>
+            <a:r>
+              <a:rPr lang="en-US" dirty="0"/>
+              <a:t>MAP</a:t>
+            </a:r>
+          </a:p>
+        </p:txBody>
+      </p:sp>
+      <p:cxnSp>
+        <p:nvCxnSpPr>
+          <p:cNvPr id="33" name="Straight Connector 32">
+            <a:extLst>
+              <a:ext uri="{FF2B5EF4-FFF2-40B4-BE49-F238E27FC236}">
+                <a16:creationId xmlns:a16="http://schemas.microsoft.com/office/drawing/2014/main" id="{D74B92C4-83B6-F746-8972-8A81B831B0A7}"/>
+              </a:ext>
+            </a:extLst>
+          </p:cNvPr>
+          <p:cNvCxnSpPr>
+            <a:cxnSpLocks/>
+          </p:cNvCxnSpPr>
+          <p:nvPr/>
+        </p:nvCxnSpPr>
+        <p:spPr>
+          <a:xfrm flipV="1">
+            <a:off x="7774632" y="2027273"/>
+            <a:ext cx="0" cy="4055595"/>
+          </a:xfrm>
+          <a:prstGeom prst="line">
+            <a:avLst/>
+          </a:prstGeom>
+        </p:spPr>
+        <p:style>
+          <a:lnRef idx="1">
+            <a:schemeClr val="accent1"/>
+          </a:lnRef>
+          <a:fillRef idx="0">
+            <a:schemeClr val="accent1"/>
+          </a:fillRef>
+          <a:effectRef idx="0">
+            <a:schemeClr val="accent1"/>
+          </a:effectRef>
+          <a:fontRef idx="minor">
+            <a:schemeClr val="tx1"/>
+          </a:fontRef>
+        </p:style>
+      </p:cxnSp>
+    </p:spTree>
+    <p:extLst>
+      <p:ext uri="{BB962C8B-B14F-4D97-AF65-F5344CB8AC3E}">
+        <p14:creationId xmlns:p14="http://schemas.microsoft.com/office/powerpoint/2010/main" val="1607403266"/>
+      </p:ext>
+    </p:extLst>
+  </p:cSld>
+  <p:clrMapOvr>
+    <a:masterClrMapping/>
+  </p:clrMapOvr>
+</p:sld>
+</file>
+
+<file path=ppt/slides/slide5.xml><?xml version="1.0" encoding="utf-8"?>
+<p:sld xmlns:a="http://schemas.openxmlformats.org/drawingml/2006/main" xmlns:r="http://schemas.openxmlformats.org/officeDocument/2006/relationships" xmlns:p="http://schemas.openxmlformats.org/presentationml/2006/main">
+  <p:cSld>
+    <p:spTree>
+      <p:nvGrpSpPr>
+        <p:cNvPr id="1" name=""/>
+        <p:cNvGrpSpPr/>
+        <p:nvPr/>
+      </p:nvGrpSpPr>
+      <p:grpSpPr>
+        <a:xfrm>
+          <a:off x="0" y="0"/>
+          <a:ext cx="0" cy="0"/>
+          <a:chOff x="0" y="0"/>
+          <a:chExt cx="0" cy="0"/>
+        </a:xfrm>
+      </p:grpSpPr>
       <p:sp>
         <p:nvSpPr>
           <p:cNvPr id="2" name="TextBox 1">
@@ -6499,7 +7034,7 @@
 </p:sld>
 </file>
 
-<file path=ppt/slides/slide4.xml><?xml version="1.0" encoding="utf-8"?>
+<file path=ppt/slides/slide6.xml><?xml version="1.0" encoding="utf-8"?>
 <p:sld xmlns:a="http://schemas.openxmlformats.org/drawingml/2006/main" xmlns:r="http://schemas.openxmlformats.org/officeDocument/2006/relationships" xmlns:p="http://schemas.openxmlformats.org/presentationml/2006/main">
   <p:cSld>
     <p:spTree>

--- a/supporting info/MetCValues.pptx
+++ b/supporting info/MetCValues.pptx
@@ -6,11 +6,9 @@
   </p:sldMasterIdLst>
   <p:sldIdLst>
     <p:sldId id="258" r:id="rId2"/>
-    <p:sldId id="260" r:id="rId3"/>
-    <p:sldId id="261" r:id="rId4"/>
-    <p:sldId id="262" r:id="rId5"/>
-    <p:sldId id="259" r:id="rId6"/>
-    <p:sldId id="256" r:id="rId7"/>
+    <p:sldId id="261" r:id="rId3"/>
+    <p:sldId id="262" r:id="rId4"/>
+    <p:sldId id="263" r:id="rId5"/>
   </p:sldIdLst>
   <p:sldSz cx="12192000" cy="6858000"/>
   <p:notesSz cx="6858000" cy="9144000"/>
@@ -264,7 +262,7 @@
           <a:p>
             <a:fld id="{46B192D3-75C5-6B44-834B-54BE7B371A56}" type="datetimeFigureOut">
               <a:rPr lang="en-US" smtClean="0"/>
-              <a:t>1/26/21</a:t>
+              <a:t>4/10/21</a:t>
             </a:fld>
             <a:endParaRPr lang="en-US"/>
           </a:p>
@@ -462,7 +460,7 @@
           <a:p>
             <a:fld id="{46B192D3-75C5-6B44-834B-54BE7B371A56}" type="datetimeFigureOut">
               <a:rPr lang="en-US" smtClean="0"/>
-              <a:t>1/26/21</a:t>
+              <a:t>4/10/21</a:t>
             </a:fld>
             <a:endParaRPr lang="en-US"/>
           </a:p>
@@ -670,7 +668,7 @@
           <a:p>
             <a:fld id="{46B192D3-75C5-6B44-834B-54BE7B371A56}" type="datetimeFigureOut">
               <a:rPr lang="en-US" smtClean="0"/>
-              <a:t>1/26/21</a:t>
+              <a:t>4/10/21</a:t>
             </a:fld>
             <a:endParaRPr lang="en-US"/>
           </a:p>
@@ -868,7 +866,7 @@
           <a:p>
             <a:fld id="{46B192D3-75C5-6B44-834B-54BE7B371A56}" type="datetimeFigureOut">
               <a:rPr lang="en-US" smtClean="0"/>
-              <a:t>1/26/21</a:t>
+              <a:t>4/10/21</a:t>
             </a:fld>
             <a:endParaRPr lang="en-US"/>
           </a:p>
@@ -1143,7 +1141,7 @@
           <a:p>
             <a:fld id="{46B192D3-75C5-6B44-834B-54BE7B371A56}" type="datetimeFigureOut">
               <a:rPr lang="en-US" smtClean="0"/>
-              <a:t>1/26/21</a:t>
+              <a:t>4/10/21</a:t>
             </a:fld>
             <a:endParaRPr lang="en-US"/>
           </a:p>
@@ -1408,7 +1406,7 @@
           <a:p>
             <a:fld id="{46B192D3-75C5-6B44-834B-54BE7B371A56}" type="datetimeFigureOut">
               <a:rPr lang="en-US" smtClean="0"/>
-              <a:t>1/26/21</a:t>
+              <a:t>4/10/21</a:t>
             </a:fld>
             <a:endParaRPr lang="en-US"/>
           </a:p>
@@ -1820,7 +1818,7 @@
           <a:p>
             <a:fld id="{46B192D3-75C5-6B44-834B-54BE7B371A56}" type="datetimeFigureOut">
               <a:rPr lang="en-US" smtClean="0"/>
-              <a:t>1/26/21</a:t>
+              <a:t>4/10/21</a:t>
             </a:fld>
             <a:endParaRPr lang="en-US"/>
           </a:p>
@@ -1961,7 +1959,7 @@
           <a:p>
             <a:fld id="{46B192D3-75C5-6B44-834B-54BE7B371A56}" type="datetimeFigureOut">
               <a:rPr lang="en-US" smtClean="0"/>
-              <a:t>1/26/21</a:t>
+              <a:t>4/10/21</a:t>
             </a:fld>
             <a:endParaRPr lang="en-US"/>
           </a:p>
@@ -2074,7 +2072,7 @@
           <a:p>
             <a:fld id="{46B192D3-75C5-6B44-834B-54BE7B371A56}" type="datetimeFigureOut">
               <a:rPr lang="en-US" smtClean="0"/>
-              <a:t>1/26/21</a:t>
+              <a:t>4/10/21</a:t>
             </a:fld>
             <a:endParaRPr lang="en-US"/>
           </a:p>
@@ -2385,7 +2383,7 @@
           <a:p>
             <a:fld id="{46B192D3-75C5-6B44-834B-54BE7B371A56}" type="datetimeFigureOut">
               <a:rPr lang="en-US" smtClean="0"/>
-              <a:t>1/26/21</a:t>
+              <a:t>4/10/21</a:t>
             </a:fld>
             <a:endParaRPr lang="en-US"/>
           </a:p>
@@ -2673,7 +2671,7 @@
           <a:p>
             <a:fld id="{46B192D3-75C5-6B44-834B-54BE7B371A56}" type="datetimeFigureOut">
               <a:rPr lang="en-US" smtClean="0"/>
-              <a:t>1/26/21</a:t>
+              <a:t>4/10/21</a:t>
             </a:fld>
             <a:endParaRPr lang="en-US"/>
           </a:p>
@@ -2914,7 +2912,7 @@
           <a:p>
             <a:fld id="{46B192D3-75C5-6B44-834B-54BE7B371A56}" type="datetimeFigureOut">
               <a:rPr lang="en-US" smtClean="0"/>
-              <a:t>1/26/21</a:t>
+              <a:t>4/10/21</a:t>
             </a:fld>
             <a:endParaRPr lang="en-US"/>
           </a:p>
@@ -4702,269 +4700,6 @@
           <a:chExt cx="0" cy="0"/>
         </a:xfrm>
       </p:grpSpPr>
-      <p:sp>
-        <p:nvSpPr>
-          <p:cNvPr id="3" name="Rectangle 2">
-            <a:extLst>
-              <a:ext uri="{FF2B5EF4-FFF2-40B4-BE49-F238E27FC236}">
-                <a16:creationId xmlns:a16="http://schemas.microsoft.com/office/drawing/2014/main" id="{49249506-C57A-0A41-96C1-C8610AFC772E}"/>
-              </a:ext>
-            </a:extLst>
-          </p:cNvPr>
-          <p:cNvSpPr/>
-          <p:nvPr/>
-        </p:nvSpPr>
-        <p:spPr>
-          <a:xfrm rot="325853">
-            <a:off x="3746351" y="3795139"/>
-            <a:ext cx="5150069" cy="205007"/>
-          </a:xfrm>
-          <a:prstGeom prst="rect">
-            <a:avLst/>
-          </a:prstGeom>
-        </p:spPr>
-        <p:style>
-          <a:lnRef idx="2">
-            <a:schemeClr val="accent1">
-              <a:shade val="50000"/>
-            </a:schemeClr>
-          </a:lnRef>
-          <a:fillRef idx="1">
-            <a:schemeClr val="accent1"/>
-          </a:fillRef>
-          <a:effectRef idx="0">
-            <a:schemeClr val="accent1"/>
-          </a:effectRef>
-          <a:fontRef idx="minor">
-            <a:schemeClr val="lt1"/>
-          </a:fontRef>
-        </p:style>
-        <p:txBody>
-          <a:bodyPr rtlCol="0" anchor="ctr"/>
-          <a:lstStyle/>
-          <a:p>
-            <a:pPr algn="ctr"/>
-            <a:endParaRPr lang="en-US"/>
-          </a:p>
-        </p:txBody>
-      </p:sp>
-      <p:sp>
-        <p:nvSpPr>
-          <p:cNvPr id="4" name="Triangle 3">
-            <a:extLst>
-              <a:ext uri="{FF2B5EF4-FFF2-40B4-BE49-F238E27FC236}">
-                <a16:creationId xmlns:a16="http://schemas.microsoft.com/office/drawing/2014/main" id="{C48B0942-2B81-A145-A79C-E4BD8CC183A2}"/>
-              </a:ext>
-            </a:extLst>
-          </p:cNvPr>
-          <p:cNvSpPr/>
-          <p:nvPr/>
-        </p:nvSpPr>
-        <p:spPr>
-          <a:xfrm>
-            <a:off x="6022426" y="3970207"/>
-            <a:ext cx="609600" cy="720104"/>
-          </a:xfrm>
-          <a:prstGeom prst="triangle">
-            <a:avLst/>
-          </a:prstGeom>
-        </p:spPr>
-        <p:style>
-          <a:lnRef idx="2">
-            <a:schemeClr val="accent1">
-              <a:shade val="50000"/>
-            </a:schemeClr>
-          </a:lnRef>
-          <a:fillRef idx="1">
-            <a:schemeClr val="accent1"/>
-          </a:fillRef>
-          <a:effectRef idx="0">
-            <a:schemeClr val="accent1"/>
-          </a:effectRef>
-          <a:fontRef idx="minor">
-            <a:schemeClr val="lt1"/>
-          </a:fontRef>
-        </p:style>
-        <p:txBody>
-          <a:bodyPr rtlCol="0" anchor="ctr"/>
-          <a:lstStyle/>
-          <a:p>
-            <a:pPr algn="ctr"/>
-            <a:endParaRPr lang="en-US"/>
-          </a:p>
-        </p:txBody>
-      </p:sp>
-      <p:sp>
-        <p:nvSpPr>
-          <p:cNvPr id="5" name="Rectangle 4">
-            <a:extLst>
-              <a:ext uri="{FF2B5EF4-FFF2-40B4-BE49-F238E27FC236}">
-                <a16:creationId xmlns:a16="http://schemas.microsoft.com/office/drawing/2014/main" id="{ED4C142C-47D4-9C48-BB60-0BFCFC583EE8}"/>
-              </a:ext>
-            </a:extLst>
-          </p:cNvPr>
-          <p:cNvSpPr/>
-          <p:nvPr/>
-        </p:nvSpPr>
-        <p:spPr>
-          <a:xfrm>
-            <a:off x="7927611" y="2405785"/>
-            <a:ext cx="1933904" cy="1491857"/>
-          </a:xfrm>
-          <a:prstGeom prst="rect">
-            <a:avLst/>
-          </a:prstGeom>
-        </p:spPr>
-        <p:style>
-          <a:lnRef idx="1">
-            <a:schemeClr val="accent3"/>
-          </a:lnRef>
-          <a:fillRef idx="2">
-            <a:schemeClr val="accent3"/>
-          </a:fillRef>
-          <a:effectRef idx="1">
-            <a:schemeClr val="accent3"/>
-          </a:effectRef>
-          <a:fontRef idx="minor">
-            <a:schemeClr val="dk1"/>
-          </a:fontRef>
-        </p:style>
-        <p:txBody>
-          <a:bodyPr rtlCol="0" anchor="ctr"/>
-          <a:lstStyle/>
-          <a:p>
-            <a:pPr algn="ctr"/>
-            <a:r>
-              <a:rPr lang="en-US" dirty="0"/>
-              <a:t>Strong regional economy relative to peers</a:t>
-            </a:r>
-          </a:p>
-        </p:txBody>
-      </p:sp>
-      <p:pic>
-        <p:nvPicPr>
-          <p:cNvPr id="1026" name="Picture 2" descr="  ">
-            <a:extLst>
-              <a:ext uri="{FF2B5EF4-FFF2-40B4-BE49-F238E27FC236}">
-                <a16:creationId xmlns:a16="http://schemas.microsoft.com/office/drawing/2014/main" id="{643575D1-29F7-2E44-8ACC-5B345D14FD86}"/>
-              </a:ext>
-            </a:extLst>
-          </p:cNvPr>
-          <p:cNvPicPr>
-            <a:picLocks noChangeAspect="1" noChangeArrowheads="1"/>
-          </p:cNvPicPr>
-          <p:nvPr/>
-        </p:nvPicPr>
-        <p:blipFill>
-          <a:blip r:embed="rId2">
-            <a:extLst>
-              <a:ext uri="{28A0092B-C50C-407E-A947-70E740481C1C}">
-                <a14:useLocalDpi xmlns:a14="http://schemas.microsoft.com/office/drawing/2010/main" val="0"/>
-              </a:ext>
-            </a:extLst>
-          </a:blip>
-          <a:srcRect/>
-          <a:stretch>
-            <a:fillRect/>
-          </a:stretch>
-        </p:blipFill>
-        <p:spPr bwMode="auto">
-          <a:xfrm>
-            <a:off x="73572" y="0"/>
-            <a:ext cx="5146355" cy="2696476"/>
-          </a:xfrm>
-          <a:prstGeom prst="rect">
-            <a:avLst/>
-          </a:prstGeom>
-          <a:noFill/>
-          <a:extLst>
-            <a:ext uri="{909E8E84-426E-40DD-AFC4-6F175D3DCCD1}">
-              <a14:hiddenFill xmlns:a14="http://schemas.microsoft.com/office/drawing/2010/main">
-                <a:solidFill>
-                  <a:srgbClr val="FFFFFF"/>
-                </a:solidFill>
-              </a14:hiddenFill>
-            </a:ext>
-          </a:extLst>
-        </p:spPr>
-      </p:pic>
-      <p:sp>
-        <p:nvSpPr>
-          <p:cNvPr id="7" name="Rectangle 6">
-            <a:extLst>
-              <a:ext uri="{FF2B5EF4-FFF2-40B4-BE49-F238E27FC236}">
-                <a16:creationId xmlns:a16="http://schemas.microsoft.com/office/drawing/2014/main" id="{86B47984-4F5D-3F44-8625-F2A237FEC706}"/>
-              </a:ext>
-            </a:extLst>
-          </p:cNvPr>
-          <p:cNvSpPr/>
-          <p:nvPr/>
-        </p:nvSpPr>
-        <p:spPr>
-          <a:xfrm>
-            <a:off x="3508011" y="1950547"/>
-            <a:ext cx="1933904" cy="1491857"/>
-          </a:xfrm>
-          <a:prstGeom prst="rect">
-            <a:avLst/>
-          </a:prstGeom>
-        </p:spPr>
-        <p:style>
-          <a:lnRef idx="1">
-            <a:schemeClr val="accent3"/>
-          </a:lnRef>
-          <a:fillRef idx="2">
-            <a:schemeClr val="accent3"/>
-          </a:fillRef>
-          <a:effectRef idx="1">
-            <a:schemeClr val="accent3"/>
-          </a:effectRef>
-          <a:fontRef idx="minor">
-            <a:schemeClr val="dk1"/>
-          </a:fontRef>
-        </p:style>
-        <p:txBody>
-          <a:bodyPr rtlCol="0" anchor="ctr"/>
-          <a:lstStyle/>
-          <a:p>
-            <a:pPr algn="ctr"/>
-            <a:r>
-              <a:rPr lang="en-US" dirty="0"/>
-              <a:t>Strong regional economy relative to peers</a:t>
-            </a:r>
-          </a:p>
-        </p:txBody>
-      </p:sp>
-    </p:spTree>
-    <p:extLst>
-      <p:ext uri="{BB962C8B-B14F-4D97-AF65-F5344CB8AC3E}">
-        <p14:creationId xmlns:p14="http://schemas.microsoft.com/office/powerpoint/2010/main" val="2050661908"/>
-      </p:ext>
-    </p:extLst>
-  </p:cSld>
-  <p:clrMapOvr>
-    <a:masterClrMapping/>
-  </p:clrMapOvr>
-</p:sld>
-</file>
-
-<file path=ppt/slides/slide3.xml><?xml version="1.0" encoding="utf-8"?>
-<p:sld xmlns:a="http://schemas.openxmlformats.org/drawingml/2006/main" xmlns:r="http://schemas.openxmlformats.org/officeDocument/2006/relationships" xmlns:p="http://schemas.openxmlformats.org/presentationml/2006/main">
-  <p:cSld>
-    <p:spTree>
-      <p:nvGrpSpPr>
-        <p:cNvPr id="1" name=""/>
-        <p:cNvGrpSpPr/>
-        <p:nvPr/>
-      </p:nvGrpSpPr>
-      <p:grpSpPr>
-        <a:xfrm>
-          <a:off x="0" y="0"/>
-          <a:ext cx="0" cy="0"/>
-          <a:chOff x="0" y="0"/>
-          <a:chExt cx="0" cy="0"/>
-        </a:xfrm>
-      </p:grpSpPr>
       <p:cxnSp>
         <p:nvCxnSpPr>
           <p:cNvPr id="3" name="Straight Connector 2">
@@ -5777,7 +5512,7 @@
 </p:sld>
 </file>
 
-<file path=ppt/slides/slide4.xml><?xml version="1.0" encoding="utf-8"?>
+<file path=ppt/slides/slide3.xml><?xml version="1.0" encoding="utf-8"?>
 <p:sld xmlns:a="http://schemas.openxmlformats.org/drawingml/2006/main" xmlns:r="http://schemas.openxmlformats.org/officeDocument/2006/relationships" xmlns:p="http://schemas.openxmlformats.org/presentationml/2006/main">
   <p:cSld>
     <p:spTree>
@@ -6637,10 +6372,6 @@
               </a:rPr>
               <a:t>for economic development</a:t>
             </a:r>
-            <a:endParaRPr lang="en-US" sz="1600" dirty="0">
-              <a:latin typeface="Helvetica Neue Light" panose="02000403000000020004" pitchFamily="2" charset="0"/>
-              <a:ea typeface="Helvetica Neue Light" panose="02000403000000020004" pitchFamily="2" charset="0"/>
-            </a:endParaRPr>
           </a:p>
         </p:txBody>
       </p:sp>
@@ -6856,7 +6587,7 @@
 </p:sld>
 </file>
 
-<file path=ppt/slides/slide5.xml><?xml version="1.0" encoding="utf-8"?>
+<file path=ppt/slides/slide4.xml><?xml version="1.0" encoding="utf-8"?>
 <p:sld xmlns:a="http://schemas.openxmlformats.org/drawingml/2006/main" xmlns:r="http://schemas.openxmlformats.org/officeDocument/2006/relationships" xmlns:p="http://schemas.openxmlformats.org/presentationml/2006/main">
   <p:cSld>
     <p:spTree>
@@ -6875,10 +6606,341 @@
       </p:grpSpPr>
       <p:sp>
         <p:nvSpPr>
-          <p:cNvPr id="2" name="TextBox 1">
-            <a:extLst>
-              <a:ext uri="{FF2B5EF4-FFF2-40B4-BE49-F238E27FC236}">
-                <a16:creationId xmlns:a16="http://schemas.microsoft.com/office/drawing/2014/main" id="{C27D4ADD-DDD1-6947-845A-780D3210AE17}"/>
+          <p:cNvPr id="8" name="Rectangle 7">
+            <a:extLst>
+              <a:ext uri="{FF2B5EF4-FFF2-40B4-BE49-F238E27FC236}">
+                <a16:creationId xmlns:a16="http://schemas.microsoft.com/office/drawing/2014/main" id="{80C2B0A9-D8F6-DF4C-BA52-48AC57FC1CE1}"/>
+              </a:ext>
+            </a:extLst>
+          </p:cNvPr>
+          <p:cNvSpPr/>
+          <p:nvPr/>
+        </p:nvSpPr>
+        <p:spPr>
+          <a:xfrm>
+            <a:off x="2110592" y="2069764"/>
+            <a:ext cx="2842054" cy="4572000"/>
+          </a:xfrm>
+          <a:prstGeom prst="rect">
+            <a:avLst/>
+          </a:prstGeom>
+          <a:solidFill>
+            <a:schemeClr val="accent3">
+              <a:lumMod val="60000"/>
+              <a:lumOff val="40000"/>
+            </a:schemeClr>
+          </a:solidFill>
+          <a:ln>
+            <a:noFill/>
+          </a:ln>
+        </p:spPr>
+        <p:style>
+          <a:lnRef idx="2">
+            <a:schemeClr val="accent1">
+              <a:shade val="50000"/>
+            </a:schemeClr>
+          </a:lnRef>
+          <a:fillRef idx="1">
+            <a:schemeClr val="accent1"/>
+          </a:fillRef>
+          <a:effectRef idx="0">
+            <a:schemeClr val="accent1"/>
+          </a:effectRef>
+          <a:fontRef idx="minor">
+            <a:schemeClr val="lt1"/>
+          </a:fontRef>
+        </p:style>
+        <p:txBody>
+          <a:bodyPr rtlCol="0" anchor="ctr"/>
+          <a:lstStyle/>
+          <a:p>
+            <a:pPr algn="ctr"/>
+            <a:endParaRPr lang="en-US"/>
+          </a:p>
+        </p:txBody>
+      </p:sp>
+      <p:sp>
+        <p:nvSpPr>
+          <p:cNvPr id="25" name="Rectangle 24">
+            <a:extLst>
+              <a:ext uri="{FF2B5EF4-FFF2-40B4-BE49-F238E27FC236}">
+                <a16:creationId xmlns:a16="http://schemas.microsoft.com/office/drawing/2014/main" id="{23D46857-FDE2-014A-A5D6-53ACEEBCB632}"/>
+              </a:ext>
+            </a:extLst>
+          </p:cNvPr>
+          <p:cNvSpPr/>
+          <p:nvPr/>
+        </p:nvSpPr>
+        <p:spPr>
+          <a:xfrm>
+            <a:off x="7795898" y="537520"/>
+            <a:ext cx="2842054" cy="4572000"/>
+          </a:xfrm>
+          <a:prstGeom prst="rect">
+            <a:avLst/>
+          </a:prstGeom>
+          <a:solidFill>
+            <a:schemeClr val="accent3">
+              <a:lumMod val="20000"/>
+              <a:lumOff val="80000"/>
+            </a:schemeClr>
+          </a:solidFill>
+          <a:ln>
+            <a:noFill/>
+          </a:ln>
+        </p:spPr>
+        <p:style>
+          <a:lnRef idx="2">
+            <a:schemeClr val="accent1">
+              <a:shade val="50000"/>
+            </a:schemeClr>
+          </a:lnRef>
+          <a:fillRef idx="1">
+            <a:schemeClr val="accent1"/>
+          </a:fillRef>
+          <a:effectRef idx="0">
+            <a:schemeClr val="accent1"/>
+          </a:effectRef>
+          <a:fontRef idx="minor">
+            <a:schemeClr val="lt1"/>
+          </a:fontRef>
+        </p:style>
+        <p:txBody>
+          <a:bodyPr rtlCol="0" anchor="ctr"/>
+          <a:lstStyle/>
+          <a:p>
+            <a:pPr algn="ctr"/>
+            <a:endParaRPr lang="en-US"/>
+          </a:p>
+        </p:txBody>
+      </p:sp>
+      <p:sp>
+        <p:nvSpPr>
+          <p:cNvPr id="26" name="Rectangle 25">
+            <a:extLst>
+              <a:ext uri="{FF2B5EF4-FFF2-40B4-BE49-F238E27FC236}">
+                <a16:creationId xmlns:a16="http://schemas.microsoft.com/office/drawing/2014/main" id="{4BA9A6FD-2A49-0842-A069-3B4A7062797D}"/>
+              </a:ext>
+            </a:extLst>
+          </p:cNvPr>
+          <p:cNvSpPr/>
+          <p:nvPr/>
+        </p:nvSpPr>
+        <p:spPr>
+          <a:xfrm>
+            <a:off x="4952646" y="1241858"/>
+            <a:ext cx="2842054" cy="4572000"/>
+          </a:xfrm>
+          <a:prstGeom prst="rect">
+            <a:avLst/>
+          </a:prstGeom>
+          <a:solidFill>
+            <a:schemeClr val="accent3">
+              <a:lumMod val="40000"/>
+              <a:lumOff val="60000"/>
+            </a:schemeClr>
+          </a:solidFill>
+          <a:ln>
+            <a:noFill/>
+          </a:ln>
+        </p:spPr>
+        <p:style>
+          <a:lnRef idx="2">
+            <a:schemeClr val="accent1">
+              <a:shade val="50000"/>
+            </a:schemeClr>
+          </a:lnRef>
+          <a:fillRef idx="1">
+            <a:schemeClr val="accent1"/>
+          </a:fillRef>
+          <a:effectRef idx="0">
+            <a:schemeClr val="accent1"/>
+          </a:effectRef>
+          <a:fontRef idx="minor">
+            <a:schemeClr val="lt1"/>
+          </a:fontRef>
+        </p:style>
+        <p:txBody>
+          <a:bodyPr rtlCol="0" anchor="ctr"/>
+          <a:lstStyle/>
+          <a:p>
+            <a:pPr algn="ctr"/>
+            <a:endParaRPr lang="en-US"/>
+          </a:p>
+        </p:txBody>
+      </p:sp>
+      <p:sp>
+        <p:nvSpPr>
+          <p:cNvPr id="23" name="Freeform 22">
+            <a:extLst>
+              <a:ext uri="{FF2B5EF4-FFF2-40B4-BE49-F238E27FC236}">
+                <a16:creationId xmlns:a16="http://schemas.microsoft.com/office/drawing/2014/main" id="{15014256-B3B6-C841-A934-DF0C26CBBC78}"/>
+              </a:ext>
+            </a:extLst>
+          </p:cNvPr>
+          <p:cNvSpPr/>
+          <p:nvPr/>
+        </p:nvSpPr>
+        <p:spPr>
+          <a:xfrm rot="21360387">
+            <a:off x="2364219" y="4232961"/>
+            <a:ext cx="1905451" cy="1537661"/>
+          </a:xfrm>
+          <a:custGeom>
+            <a:avLst/>
+            <a:gdLst>
+              <a:gd name="connsiteX0" fmla="*/ 0 w 1355835"/>
+              <a:gd name="connsiteY0" fmla="*/ 1271752 h 1271752"/>
+              <a:gd name="connsiteX1" fmla="*/ 1355835 w 1355835"/>
+              <a:gd name="connsiteY1" fmla="*/ 0 h 1271752"/>
+            </a:gdLst>
+            <a:ahLst/>
+            <a:cxnLst>
+              <a:cxn ang="0">
+                <a:pos x="connsiteX0" y="connsiteY0"/>
+              </a:cxn>
+              <a:cxn ang="0">
+                <a:pos x="connsiteX1" y="connsiteY1"/>
+              </a:cxn>
+            </a:cxnLst>
+            <a:rect l="l" t="t" r="r" b="b"/>
+            <a:pathLst>
+              <a:path w="1355835" h="1271752">
+                <a:moveTo>
+                  <a:pt x="0" y="1271752"/>
+                </a:moveTo>
+                <a:lnTo>
+                  <a:pt x="1355835" y="0"/>
+                </a:lnTo>
+              </a:path>
+            </a:pathLst>
+          </a:custGeom>
+          <a:noFill/>
+          <a:ln w="127000">
+            <a:solidFill>
+              <a:schemeClr val="accent1">
+                <a:lumMod val="60000"/>
+                <a:lumOff val="40000"/>
+              </a:schemeClr>
+            </a:solidFill>
+            <a:prstDash val="sysDash"/>
+            <a:tailEnd type="triangle"/>
+          </a:ln>
+        </p:spPr>
+        <p:style>
+          <a:lnRef idx="2">
+            <a:schemeClr val="accent1">
+              <a:shade val="50000"/>
+            </a:schemeClr>
+          </a:lnRef>
+          <a:fillRef idx="1">
+            <a:schemeClr val="accent1"/>
+          </a:fillRef>
+          <a:effectRef idx="0">
+            <a:schemeClr val="accent1"/>
+          </a:effectRef>
+          <a:fontRef idx="minor">
+            <a:schemeClr val="lt1"/>
+          </a:fontRef>
+        </p:style>
+        <p:txBody>
+          <a:bodyPr rtlCol="0" anchor="ctr"/>
+          <a:lstStyle/>
+          <a:p>
+            <a:pPr algn="ctr"/>
+            <a:endParaRPr lang="en-US"/>
+          </a:p>
+        </p:txBody>
+      </p:sp>
+      <p:sp>
+        <p:nvSpPr>
+          <p:cNvPr id="24" name="Freeform 23">
+            <a:extLst>
+              <a:ext uri="{FF2B5EF4-FFF2-40B4-BE49-F238E27FC236}">
+                <a16:creationId xmlns:a16="http://schemas.microsoft.com/office/drawing/2014/main" id="{4CA6E04B-F55F-0048-9989-1187F368FFF2}"/>
+              </a:ext>
+            </a:extLst>
+          </p:cNvPr>
+          <p:cNvSpPr/>
+          <p:nvPr/>
+        </p:nvSpPr>
+        <p:spPr>
+          <a:xfrm>
+            <a:off x="2465302" y="5645581"/>
+            <a:ext cx="2353834" cy="379053"/>
+          </a:xfrm>
+          <a:custGeom>
+            <a:avLst/>
+            <a:gdLst>
+              <a:gd name="connsiteX0" fmla="*/ 0 w 1355835"/>
+              <a:gd name="connsiteY0" fmla="*/ 1271752 h 1271752"/>
+              <a:gd name="connsiteX1" fmla="*/ 1355835 w 1355835"/>
+              <a:gd name="connsiteY1" fmla="*/ 0 h 1271752"/>
+            </a:gdLst>
+            <a:ahLst/>
+            <a:cxnLst>
+              <a:cxn ang="0">
+                <a:pos x="connsiteX0" y="connsiteY0"/>
+              </a:cxn>
+              <a:cxn ang="0">
+                <a:pos x="connsiteX1" y="connsiteY1"/>
+              </a:cxn>
+            </a:cxnLst>
+            <a:rect l="l" t="t" r="r" b="b"/>
+            <a:pathLst>
+              <a:path w="1355835" h="1271752">
+                <a:moveTo>
+                  <a:pt x="0" y="1271752"/>
+                </a:moveTo>
+                <a:lnTo>
+                  <a:pt x="1355835" y="0"/>
+                </a:lnTo>
+              </a:path>
+            </a:pathLst>
+          </a:custGeom>
+          <a:noFill/>
+          <a:ln w="127000">
+            <a:solidFill>
+              <a:schemeClr val="accent1">
+                <a:lumMod val="60000"/>
+                <a:lumOff val="40000"/>
+              </a:schemeClr>
+            </a:solidFill>
+            <a:prstDash val="sysDash"/>
+            <a:tailEnd type="triangle"/>
+          </a:ln>
+        </p:spPr>
+        <p:style>
+          <a:lnRef idx="2">
+            <a:schemeClr val="accent1">
+              <a:shade val="50000"/>
+            </a:schemeClr>
+          </a:lnRef>
+          <a:fillRef idx="1">
+            <a:schemeClr val="accent1"/>
+          </a:fillRef>
+          <a:effectRef idx="0">
+            <a:schemeClr val="accent1"/>
+          </a:effectRef>
+          <a:fontRef idx="minor">
+            <a:schemeClr val="lt1"/>
+          </a:fontRef>
+        </p:style>
+        <p:txBody>
+          <a:bodyPr rtlCol="0" anchor="ctr"/>
+          <a:lstStyle/>
+          <a:p>
+            <a:pPr algn="ctr"/>
+            <a:endParaRPr lang="en-US"/>
+          </a:p>
+        </p:txBody>
+      </p:sp>
+      <p:sp>
+        <p:nvSpPr>
+          <p:cNvPr id="4" name="TextBox 3">
+            <a:extLst>
+              <a:ext uri="{FF2B5EF4-FFF2-40B4-BE49-F238E27FC236}">
+                <a16:creationId xmlns:a16="http://schemas.microsoft.com/office/drawing/2014/main" id="{5EEBB58C-0572-B847-81A5-5D0D466D4439}"/>
               </a:ext>
             </a:extLst>
           </p:cNvPr>
@@ -6887,8 +6949,8 @@
         </p:nvSpPr>
         <p:spPr>
           <a:xfrm>
-            <a:off x="998483" y="504497"/>
-            <a:ext cx="7389523" cy="2862322"/>
+            <a:off x="2253051" y="2233026"/>
+            <a:ext cx="2743200" cy="1323439"/>
           </a:xfrm>
           <a:prstGeom prst="rect">
             <a:avLst/>
@@ -6896,167 +6958,34 @@
           <a:noFill/>
         </p:spPr>
         <p:txBody>
-          <a:bodyPr wrap="none" rtlCol="0">
+          <a:bodyPr wrap="square" rtlCol="0">
             <a:spAutoFit/>
           </a:bodyPr>
           <a:lstStyle/>
           <a:p>
-            <a:pPr marL="342900" indent="-342900">
-              <a:buAutoNum type="arabicParenR"/>
-            </a:pPr>
-            <a:r>
-              <a:rPr lang="en-US" dirty="0"/>
-              <a:t>Bar Graph = Regional tract avg. vs Selected tract avg (all as z-scores?)</a:t>
-            </a:r>
-          </a:p>
-          <a:p>
-            <a:pPr marL="342900" indent="-342900">
-              <a:buAutoNum type="arabicParenR"/>
-            </a:pPr>
-            <a:r>
-              <a:rPr lang="en-US" dirty="0"/>
-              <a:t>Tabular data </a:t>
-            </a:r>
-            <a:r>
-              <a:rPr lang="en-US" dirty="0">
-                <a:sym typeface="Wingdings" pitchFamily="2" charset="2"/>
+            <a:r>
+              <a:rPr lang="en-US" sz="1600" b="1" dirty="0">
+                <a:latin typeface="HELVETICA NEUE LIGHT" panose="02000403000000020004" pitchFamily="2" charset="0"/>
+                <a:ea typeface="HELVETICA NEUE LIGHT" panose="02000403000000020004" pitchFamily="2" charset="0"/>
               </a:rPr>
-              <a:t> download?</a:t>
-            </a:r>
-          </a:p>
-          <a:p>
-            <a:pPr marL="342900" indent="-342900">
-              <a:buAutoNum type="arabicParenR"/>
-            </a:pPr>
-            <a:r>
-              <a:rPr lang="en-US" dirty="0"/>
-              <a:t>PCA  = with selected variables (likely a button render thing) </a:t>
-            </a:r>
-          </a:p>
-          <a:p>
-            <a:pPr marL="342900" indent="-342900">
-              <a:buAutoNum type="arabicParenR"/>
-            </a:pPr>
-            <a:endParaRPr lang="en-US" dirty="0"/>
-          </a:p>
-          <a:p>
-            <a:pPr marL="342900" indent="-342900">
-              <a:buAutoNum type="arabicParenR"/>
-            </a:pPr>
-            <a:endParaRPr lang="en-US" dirty="0"/>
-          </a:p>
-          <a:p>
-            <a:pPr marL="342900" indent="-342900">
-              <a:buAutoNum type="arabicParenR"/>
-            </a:pPr>
-            <a:r>
-              <a:rPr lang="en-US" dirty="0"/>
-              <a:t>MAP with layers on/off which correspond to variables included in sidebar</a:t>
-            </a:r>
-          </a:p>
-          <a:p>
-            <a:pPr marL="800100" lvl="1" indent="-342900">
-              <a:buAutoNum type="arabicParenR"/>
-            </a:pPr>
-            <a:r>
-              <a:rPr lang="en-US" dirty="0"/>
-              <a:t>Overlays like transit, parks, </a:t>
-            </a:r>
-            <a:r>
-              <a:rPr lang="en-US" dirty="0" err="1"/>
-              <a:t>musa</a:t>
-            </a:r>
-            <a:r>
-              <a:rPr lang="en-US" dirty="0"/>
-              <a:t> layers, schools, </a:t>
-            </a:r>
-            <a:r>
-              <a:rPr lang="en-US" dirty="0" err="1"/>
-              <a:t>etc</a:t>
-            </a:r>
-            <a:endParaRPr lang="en-US" dirty="0"/>
-          </a:p>
-          <a:p>
-            <a:pPr marL="800100" lvl="1" indent="-342900">
-              <a:buAutoNum type="arabicParenR"/>
-            </a:pPr>
-            <a:r>
-              <a:rPr lang="en-US" dirty="0"/>
-              <a:t>Reference layers (transit, arterials, parks)</a:t>
-            </a:r>
-          </a:p>
-          <a:p>
-            <a:pPr marL="800100" lvl="1" indent="-342900">
-              <a:buAutoNum type="arabicParenR"/>
-            </a:pPr>
-            <a:r>
-              <a:rPr lang="en-US" dirty="0"/>
-              <a:t>Planning (</a:t>
-            </a:r>
-            <a:r>
-              <a:rPr lang="en-US" dirty="0" err="1"/>
-              <a:t>musa</a:t>
-            </a:r>
-            <a:r>
-              <a:rPr lang="en-US" dirty="0"/>
-              <a:t>)</a:t>
-            </a:r>
-          </a:p>
-          <a:p>
-            <a:pPr marL="800100" lvl="1" indent="-342900">
-              <a:buAutoNum type="arabicParenR"/>
-            </a:pPr>
-            <a:r>
-              <a:rPr lang="en-US" dirty="0"/>
-              <a:t>Community </a:t>
-            </a:r>
-            <a:r>
-              <a:rPr lang="en-US" dirty="0" err="1"/>
-              <a:t>assests</a:t>
-            </a:r>
-            <a:r>
-              <a:rPr lang="en-US" dirty="0"/>
-              <a:t> (schools, hospitals, </a:t>
-            </a:r>
-          </a:p>
-        </p:txBody>
-      </p:sp>
-    </p:spTree>
-    <p:extLst>
-      <p:ext uri="{BB962C8B-B14F-4D97-AF65-F5344CB8AC3E}">
-        <p14:creationId xmlns:p14="http://schemas.microsoft.com/office/powerpoint/2010/main" val="3021879954"/>
-      </p:ext>
-    </p:extLst>
-  </p:cSld>
-  <p:clrMapOvr>
-    <a:masterClrMapping/>
-  </p:clrMapOvr>
-</p:sld>
-</file>
-
-<file path=ppt/slides/slide6.xml><?xml version="1.0" encoding="utf-8"?>
-<p:sld xmlns:a="http://schemas.openxmlformats.org/drawingml/2006/main" xmlns:r="http://schemas.openxmlformats.org/officeDocument/2006/relationships" xmlns:p="http://schemas.openxmlformats.org/presentationml/2006/main">
-  <p:cSld>
-    <p:spTree>
-      <p:nvGrpSpPr>
-        <p:cNvPr id="1" name=""/>
-        <p:cNvGrpSpPr/>
-        <p:nvPr/>
-      </p:nvGrpSpPr>
-      <p:grpSpPr>
-        <a:xfrm>
-          <a:off x="0" y="0"/>
-          <a:ext cx="0" cy="0"/>
-          <a:chOff x="0" y="0"/>
-          <a:chExt cx="0" cy="0"/>
-        </a:xfrm>
-      </p:grpSpPr>
-      <p:sp>
-        <p:nvSpPr>
-          <p:cNvPr id="4" name="TextBox 3">
-            <a:extLst>
-              <a:ext uri="{FF2B5EF4-FFF2-40B4-BE49-F238E27FC236}">
-                <a16:creationId xmlns:a16="http://schemas.microsoft.com/office/drawing/2014/main" id="{51B0BD69-FFF3-4248-911A-3C9BBE9DDFBD}"/>
+              <a:t>Regional baseline: </a:t>
+            </a:r>
+            <a:r>
+              <a:rPr lang="en-US" sz="1600" dirty="0">
+                <a:latin typeface="Helvetica Neue Light" panose="02000403000000020004" pitchFamily="2" charset="0"/>
+                <a:ea typeface="Helvetica Neue Light" panose="02000403000000020004" pitchFamily="2" charset="0"/>
+              </a:rPr>
+              <a:t>A strong regional economy masks systemic inequities creating divergent economic outcomes</a:t>
+            </a:r>
+          </a:p>
+        </p:txBody>
+      </p:sp>
+      <p:sp>
+        <p:nvSpPr>
+          <p:cNvPr id="20" name="TextBox 19">
+            <a:extLst>
+              <a:ext uri="{FF2B5EF4-FFF2-40B4-BE49-F238E27FC236}">
+                <a16:creationId xmlns:a16="http://schemas.microsoft.com/office/drawing/2014/main" id="{70C6D8A4-EF85-0647-A7D5-A5E10B63E327}"/>
               </a:ext>
             </a:extLst>
           </p:cNvPr>
@@ -7065,8 +6994,8 @@
         </p:nvSpPr>
         <p:spPr>
           <a:xfrm>
-            <a:off x="987972" y="409903"/>
-            <a:ext cx="2811667" cy="369332"/>
+            <a:off x="5047979" y="1405120"/>
+            <a:ext cx="2743200" cy="1323439"/>
           </a:xfrm>
           <a:prstGeom prst="rect">
             <a:avLst/>
@@ -7074,24 +7003,34 @@
           <a:noFill/>
         </p:spPr>
         <p:txBody>
-          <a:bodyPr wrap="none" rtlCol="0">
+          <a:bodyPr wrap="square" rtlCol="0">
             <a:spAutoFit/>
           </a:bodyPr>
           <a:lstStyle/>
           <a:p>
             <a:r>
-              <a:rPr lang="en-US" dirty="0"/>
-              <a:t>Twin Cities Economic Values</a:t>
-            </a:r>
-          </a:p>
-        </p:txBody>
-      </p:sp>
-      <p:sp>
-        <p:nvSpPr>
-          <p:cNvPr id="5" name="TextBox 4">
-            <a:extLst>
-              <a:ext uri="{FF2B5EF4-FFF2-40B4-BE49-F238E27FC236}">
-                <a16:creationId xmlns:a16="http://schemas.microsoft.com/office/drawing/2014/main" id="{BB1437B5-CE6A-1B49-8F0D-4FB982163A86}"/>
+              <a:rPr lang="en-US" sz="1600" b="1" dirty="0">
+                <a:latin typeface="HELVETICA NEUE LIGHT" panose="02000403000000020004" pitchFamily="2" charset="0"/>
+                <a:ea typeface="HELVETICA NEUE LIGHT" panose="02000403000000020004" pitchFamily="2" charset="0"/>
+              </a:rPr>
+              <a:t>Disruption: </a:t>
+            </a:r>
+            <a:r>
+              <a:rPr lang="en-US" sz="1600" dirty="0">
+                <a:latin typeface="Helvetica Neue Light" panose="02000403000000020004" pitchFamily="2" charset="0"/>
+                <a:ea typeface="Helvetica Neue Light" panose="02000403000000020004" pitchFamily="2" charset="0"/>
+              </a:rPr>
+              <a:t>COVID-19 and police brutality punctuates the need for a “new normal” and rethinking indicators of regional prosperity</a:t>
+            </a:r>
+          </a:p>
+        </p:txBody>
+      </p:sp>
+      <p:sp>
+        <p:nvSpPr>
+          <p:cNvPr id="21" name="TextBox 20">
+            <a:extLst>
+              <a:ext uri="{FF2B5EF4-FFF2-40B4-BE49-F238E27FC236}">
+                <a16:creationId xmlns:a16="http://schemas.microsoft.com/office/drawing/2014/main" id="{B5F94F93-CFB7-2642-A30A-D14534FBE21F}"/>
               </a:ext>
             </a:extLst>
           </p:cNvPr>
@@ -7100,8 +7039,8 @@
         </p:nvSpPr>
         <p:spPr>
           <a:xfrm>
-            <a:off x="945931" y="1198179"/>
-            <a:ext cx="11143307" cy="923330"/>
+            <a:off x="7842907" y="700782"/>
+            <a:ext cx="2743200" cy="1815882"/>
           </a:xfrm>
           <a:prstGeom prst="rect">
             <a:avLst/>
@@ -7109,98 +7048,478 @@
           <a:noFill/>
         </p:spPr>
         <p:txBody>
-          <a:bodyPr wrap="none" rtlCol="0">
+          <a:bodyPr wrap="square" rtlCol="0">
             <a:spAutoFit/>
           </a:bodyPr>
           <a:lstStyle/>
           <a:p>
-            <a:pPr marL="342900" indent="-342900">
-              <a:buAutoNum type="arabicParenR"/>
-            </a:pPr>
-            <a:r>
-              <a:rPr lang="en-US" dirty="0"/>
-              <a:t>Shared prosperity (equity)</a:t>
-            </a:r>
-          </a:p>
-          <a:p>
-            <a:pPr marL="342900" indent="-342900">
-              <a:buAutoNum type="arabicParenR"/>
-            </a:pPr>
-            <a:r>
-              <a:rPr lang="en-US" dirty="0"/>
-              <a:t>Sustainable infrastructure that supports economic success</a:t>
-            </a:r>
-          </a:p>
-          <a:p>
-            <a:pPr marL="342900" indent="-342900">
-              <a:buAutoNum type="arabicParenR"/>
-            </a:pPr>
-            <a:r>
-              <a:rPr lang="en-US" dirty="0"/>
-              <a:t>Economic resilience in the face of change (post-pandemic recovery, buffering future tech/industry/retail changes)</a:t>
-            </a:r>
-          </a:p>
-        </p:txBody>
-      </p:sp>
-      <p:sp>
-        <p:nvSpPr>
-          <p:cNvPr id="6" name="TextBox 5">
-            <a:extLst>
-              <a:ext uri="{FF2B5EF4-FFF2-40B4-BE49-F238E27FC236}">
-                <a16:creationId xmlns:a16="http://schemas.microsoft.com/office/drawing/2014/main" id="{1C6B7CFC-56D7-3C46-8386-CA3F4624348D}"/>
-              </a:ext>
-            </a:extLst>
-          </p:cNvPr>
-          <p:cNvSpPr txBox="1"/>
+            <a:r>
+              <a:rPr lang="en-US" sz="1600" b="1" dirty="0">
+                <a:latin typeface="HELVETICA NEUE LIGHT" panose="02000403000000020004" pitchFamily="2" charset="0"/>
+                <a:ea typeface="HELVETICA NEUE LIGHT" panose="02000403000000020004" pitchFamily="2" charset="0"/>
+              </a:rPr>
+              <a:t>Recovery: </a:t>
+            </a:r>
+            <a:r>
+              <a:rPr lang="en-US" sz="1600" dirty="0">
+                <a:latin typeface="Helvetica Neue Light" panose="02000403000000020004" pitchFamily="2" charset="0"/>
+                <a:ea typeface="Helvetica Neue Light" panose="02000403000000020004" pitchFamily="2" charset="0"/>
+              </a:rPr>
+              <a:t>Create a </a:t>
+            </a:r>
+            <a:r>
+              <a:rPr lang="en-US" sz="1600" dirty="0">
+                <a:latin typeface="Helvetica Neue Light" panose="02000403000000020004" pitchFamily="2" charset="0"/>
+                <a:ea typeface="Helvetica Neue Light" panose="02000403000000020004" pitchFamily="2" charset="0"/>
+                <a:cs typeface="Helvetica Neue" panose="02000503000000020004" pitchFamily="2" charset="0"/>
+              </a:rPr>
+              <a:t>trajectory of </a:t>
+            </a:r>
+            <a:r>
+              <a:rPr lang="en-US" sz="1600" dirty="0">
+                <a:latin typeface="Helvetica Neue Light" panose="02000403000000020004" pitchFamily="2" charset="0"/>
+                <a:ea typeface="Helvetica Neue Light" panose="02000403000000020004" pitchFamily="2" charset="0"/>
+                <a:cs typeface="Helvetica Neue" panose="02000503000000020004" pitchFamily="2" charset="0"/>
+              </a:rPr>
+              <a:t>accelerated</a:t>
+            </a:r>
+            <a:r>
+              <a:rPr lang="en-US" sz="1600" dirty="0">
+                <a:latin typeface="Helvetica Neue Light" panose="02000403000000020004" pitchFamily="2" charset="0"/>
+                <a:ea typeface="Helvetica Neue Light" panose="02000403000000020004" pitchFamily="2" charset="0"/>
+                <a:cs typeface="Helvetica Neue" panose="02000503000000020004" pitchFamily="2" charset="0"/>
+              </a:rPr>
+              <a:t> and </a:t>
+            </a:r>
+            <a:r>
+              <a:rPr lang="en-US" sz="1600" dirty="0">
+                <a:latin typeface="Helvetica Neue Light" panose="02000403000000020004" pitchFamily="2" charset="0"/>
+                <a:ea typeface="Helvetica Neue Light" panose="02000403000000020004" pitchFamily="2" charset="0"/>
+                <a:cs typeface="Helvetica Neue" panose="02000503000000020004" pitchFamily="2" charset="0"/>
+              </a:rPr>
+              <a:t>synergistic</a:t>
+            </a:r>
+            <a:r>
+              <a:rPr lang="en-US" sz="1600" dirty="0">
+                <a:latin typeface="Helvetica Neue Light" panose="02000403000000020004" pitchFamily="2" charset="0"/>
+                <a:ea typeface="Helvetica Neue Light" panose="02000403000000020004" pitchFamily="2" charset="0"/>
+                <a:cs typeface="Helvetica Neue" panose="02000503000000020004" pitchFamily="2" charset="0"/>
+              </a:rPr>
+              <a:t> economic growth alongside COVID-19 recovery by developing </a:t>
+            </a:r>
+            <a:r>
+              <a:rPr lang="en-US" sz="1600" dirty="0">
+                <a:latin typeface="Helvetica Neue Light" panose="02000403000000020004" pitchFamily="2" charset="0"/>
+                <a:ea typeface="Helvetica Neue Light" panose="02000403000000020004" pitchFamily="2" charset="0"/>
+              </a:rPr>
+              <a:t>a </a:t>
+            </a:r>
+            <a:r>
+              <a:rPr lang="en-US" sz="1600" i="1" dirty="0">
+                <a:latin typeface="Helvetica Neue Light" panose="02000403000000020004" pitchFamily="2" charset="0"/>
+                <a:ea typeface="Helvetica Neue Light" panose="02000403000000020004" pitchFamily="2" charset="0"/>
+              </a:rPr>
+              <a:t>shared language </a:t>
+            </a:r>
+            <a:r>
+              <a:rPr lang="en-US" sz="1600" dirty="0">
+                <a:latin typeface="Helvetica Neue Light" panose="02000403000000020004" pitchFamily="2" charset="0"/>
+                <a:ea typeface="Helvetica Neue Light" panose="02000403000000020004" pitchFamily="2" charset="0"/>
+              </a:rPr>
+              <a:t>for economic development</a:t>
+            </a:r>
+          </a:p>
+        </p:txBody>
+      </p:sp>
+      <p:sp>
+        <p:nvSpPr>
+          <p:cNvPr id="22" name="Freeform 21">
+            <a:extLst>
+              <a:ext uri="{FF2B5EF4-FFF2-40B4-BE49-F238E27FC236}">
+                <a16:creationId xmlns:a16="http://schemas.microsoft.com/office/drawing/2014/main" id="{56E3B204-AA0B-6741-B8B2-D6C3BC67FBFA}"/>
+              </a:ext>
+            </a:extLst>
+          </p:cNvPr>
+          <p:cNvSpPr/>
           <p:nvPr/>
         </p:nvSpPr>
         <p:spPr>
           <a:xfrm>
-            <a:off x="357352" y="5780689"/>
-            <a:ext cx="7736157" cy="923330"/>
-          </a:xfrm>
-          <a:prstGeom prst="rect">
+            <a:off x="2317015" y="2507847"/>
+            <a:ext cx="7150191" cy="3565183"/>
+          </a:xfrm>
+          <a:custGeom>
             <a:avLst/>
-          </a:prstGeom>
+            <a:gdLst>
+              <a:gd name="connsiteX0" fmla="*/ 0 w 4393324"/>
+              <a:gd name="connsiteY0" fmla="*/ 3058510 h 3058510"/>
+              <a:gd name="connsiteX1" fmla="*/ 1471448 w 4393324"/>
+              <a:gd name="connsiteY1" fmla="*/ 2081048 h 3058510"/>
+              <a:gd name="connsiteX2" fmla="*/ 1996965 w 4393324"/>
+              <a:gd name="connsiteY2" fmla="*/ 2417379 h 3058510"/>
+              <a:gd name="connsiteX3" fmla="*/ 3930869 w 4393324"/>
+              <a:gd name="connsiteY3" fmla="*/ 420414 h 3058510"/>
+              <a:gd name="connsiteX4" fmla="*/ 4393324 w 4393324"/>
+              <a:gd name="connsiteY4" fmla="*/ 0 h 3058510"/>
+              <a:gd name="connsiteX0" fmla="*/ 0 w 4393324"/>
+              <a:gd name="connsiteY0" fmla="*/ 3058510 h 3058510"/>
+              <a:gd name="connsiteX1" fmla="*/ 1471448 w 4393324"/>
+              <a:gd name="connsiteY1" fmla="*/ 2081048 h 3058510"/>
+              <a:gd name="connsiteX2" fmla="*/ 1996965 w 4393324"/>
+              <a:gd name="connsiteY2" fmla="*/ 2417379 h 3058510"/>
+              <a:gd name="connsiteX3" fmla="*/ 4393324 w 4393324"/>
+              <a:gd name="connsiteY3" fmla="*/ 0 h 3058510"/>
+              <a:gd name="connsiteX0" fmla="*/ 0 w 4393324"/>
+              <a:gd name="connsiteY0" fmla="*/ 3058510 h 3058510"/>
+              <a:gd name="connsiteX1" fmla="*/ 1471448 w 4393324"/>
+              <a:gd name="connsiteY1" fmla="*/ 2081048 h 3058510"/>
+              <a:gd name="connsiteX2" fmla="*/ 2322786 w 4393324"/>
+              <a:gd name="connsiteY2" fmla="*/ 2186151 h 3058510"/>
+              <a:gd name="connsiteX3" fmla="*/ 4393324 w 4393324"/>
+              <a:gd name="connsiteY3" fmla="*/ 0 h 3058510"/>
+              <a:gd name="connsiteX0" fmla="*/ 0 w 4393324"/>
+              <a:gd name="connsiteY0" fmla="*/ 3058510 h 3058510"/>
+              <a:gd name="connsiteX1" fmla="*/ 1786759 w 4393324"/>
+              <a:gd name="connsiteY1" fmla="*/ 2354317 h 3058510"/>
+              <a:gd name="connsiteX2" fmla="*/ 2322786 w 4393324"/>
+              <a:gd name="connsiteY2" fmla="*/ 2186151 h 3058510"/>
+              <a:gd name="connsiteX3" fmla="*/ 4393324 w 4393324"/>
+              <a:gd name="connsiteY3" fmla="*/ 0 h 3058510"/>
+              <a:gd name="connsiteX0" fmla="*/ 0 w 4393324"/>
+              <a:gd name="connsiteY0" fmla="*/ 3058510 h 3058510"/>
+              <a:gd name="connsiteX1" fmla="*/ 1786759 w 4393324"/>
+              <a:gd name="connsiteY1" fmla="*/ 2354317 h 3058510"/>
+              <a:gd name="connsiteX2" fmla="*/ 2354318 w 4393324"/>
+              <a:gd name="connsiteY2" fmla="*/ 2575034 h 3058510"/>
+              <a:gd name="connsiteX3" fmla="*/ 4393324 w 4393324"/>
+              <a:gd name="connsiteY3" fmla="*/ 0 h 3058510"/>
+              <a:gd name="connsiteX0" fmla="*/ 0 w 4466897"/>
+              <a:gd name="connsiteY0" fmla="*/ 2869324 h 2869324"/>
+              <a:gd name="connsiteX1" fmla="*/ 1786759 w 4466897"/>
+              <a:gd name="connsiteY1" fmla="*/ 2165131 h 2869324"/>
+              <a:gd name="connsiteX2" fmla="*/ 2354318 w 4466897"/>
+              <a:gd name="connsiteY2" fmla="*/ 2385848 h 2869324"/>
+              <a:gd name="connsiteX3" fmla="*/ 4466897 w 4466897"/>
+              <a:gd name="connsiteY3" fmla="*/ 0 h 2869324"/>
+              <a:gd name="connsiteX0" fmla="*/ 0 w 4466897"/>
+              <a:gd name="connsiteY0" fmla="*/ 2869324 h 2869324"/>
+              <a:gd name="connsiteX1" fmla="*/ 1471449 w 4466897"/>
+              <a:gd name="connsiteY1" fmla="*/ 2249214 h 2869324"/>
+              <a:gd name="connsiteX2" fmla="*/ 2354318 w 4466897"/>
+              <a:gd name="connsiteY2" fmla="*/ 2385848 h 2869324"/>
+              <a:gd name="connsiteX3" fmla="*/ 4466897 w 4466897"/>
+              <a:gd name="connsiteY3" fmla="*/ 0 h 2869324"/>
+              <a:gd name="connsiteX0" fmla="*/ 0 w 4466897"/>
+              <a:gd name="connsiteY0" fmla="*/ 2869324 h 2869324"/>
+              <a:gd name="connsiteX1" fmla="*/ 1902373 w 4466897"/>
+              <a:gd name="connsiteY1" fmla="*/ 2081048 h 2869324"/>
+              <a:gd name="connsiteX2" fmla="*/ 2354318 w 4466897"/>
+              <a:gd name="connsiteY2" fmla="*/ 2385848 h 2869324"/>
+              <a:gd name="connsiteX3" fmla="*/ 4466897 w 4466897"/>
+              <a:gd name="connsiteY3" fmla="*/ 0 h 2869324"/>
+              <a:gd name="connsiteX0" fmla="*/ 0 w 4466897"/>
+              <a:gd name="connsiteY0" fmla="*/ 2869324 h 2869324"/>
+              <a:gd name="connsiteX1" fmla="*/ 1902373 w 4466897"/>
+              <a:gd name="connsiteY1" fmla="*/ 2081048 h 2869324"/>
+              <a:gd name="connsiteX2" fmla="*/ 2659118 w 4466897"/>
+              <a:gd name="connsiteY2" fmla="*/ 2249214 h 2869324"/>
+              <a:gd name="connsiteX3" fmla="*/ 4466897 w 4466897"/>
+              <a:gd name="connsiteY3" fmla="*/ 0 h 2869324"/>
+              <a:gd name="connsiteX0" fmla="*/ 0 w 4466897"/>
+              <a:gd name="connsiteY0" fmla="*/ 2869324 h 2869324"/>
+              <a:gd name="connsiteX1" fmla="*/ 1902373 w 4466897"/>
+              <a:gd name="connsiteY1" fmla="*/ 2081048 h 2869324"/>
+              <a:gd name="connsiteX2" fmla="*/ 2659118 w 4466897"/>
+              <a:gd name="connsiteY2" fmla="*/ 2249214 h 2869324"/>
+              <a:gd name="connsiteX3" fmla="*/ 4466897 w 4466897"/>
+              <a:gd name="connsiteY3" fmla="*/ 0 h 2869324"/>
+              <a:gd name="connsiteX0" fmla="*/ 0 w 4466897"/>
+              <a:gd name="connsiteY0" fmla="*/ 2869324 h 2869324"/>
+              <a:gd name="connsiteX1" fmla="*/ 1902373 w 4466897"/>
+              <a:gd name="connsiteY1" fmla="*/ 2081048 h 2869324"/>
+              <a:gd name="connsiteX2" fmla="*/ 2659118 w 4466897"/>
+              <a:gd name="connsiteY2" fmla="*/ 2249214 h 2869324"/>
+              <a:gd name="connsiteX3" fmla="*/ 4466897 w 4466897"/>
+              <a:gd name="connsiteY3" fmla="*/ 0 h 2869324"/>
+              <a:gd name="connsiteX0" fmla="*/ 0 w 4466897"/>
+              <a:gd name="connsiteY0" fmla="*/ 2869324 h 2869324"/>
+              <a:gd name="connsiteX1" fmla="*/ 1902373 w 4466897"/>
+              <a:gd name="connsiteY1" fmla="*/ 2081048 h 2869324"/>
+              <a:gd name="connsiteX2" fmla="*/ 2659118 w 4466897"/>
+              <a:gd name="connsiteY2" fmla="*/ 2249214 h 2869324"/>
+              <a:gd name="connsiteX3" fmla="*/ 4466897 w 4466897"/>
+              <a:gd name="connsiteY3" fmla="*/ 0 h 2869324"/>
+              <a:gd name="connsiteX0" fmla="*/ 0 w 4466897"/>
+              <a:gd name="connsiteY0" fmla="*/ 2869324 h 2869324"/>
+              <a:gd name="connsiteX1" fmla="*/ 1860331 w 4466897"/>
+              <a:gd name="connsiteY1" fmla="*/ 2028496 h 2869324"/>
+              <a:gd name="connsiteX2" fmla="*/ 2659118 w 4466897"/>
+              <a:gd name="connsiteY2" fmla="*/ 2249214 h 2869324"/>
+              <a:gd name="connsiteX3" fmla="*/ 4466897 w 4466897"/>
+              <a:gd name="connsiteY3" fmla="*/ 0 h 2869324"/>
+              <a:gd name="connsiteX0" fmla="*/ 0 w 4466897"/>
+              <a:gd name="connsiteY0" fmla="*/ 2869324 h 2869324"/>
+              <a:gd name="connsiteX1" fmla="*/ 1860331 w 4466897"/>
+              <a:gd name="connsiteY1" fmla="*/ 2028496 h 2869324"/>
+              <a:gd name="connsiteX2" fmla="*/ 2659118 w 4466897"/>
+              <a:gd name="connsiteY2" fmla="*/ 2249214 h 2869324"/>
+              <a:gd name="connsiteX3" fmla="*/ 4466897 w 4466897"/>
+              <a:gd name="connsiteY3" fmla="*/ 0 h 2869324"/>
+              <a:gd name="connsiteX0" fmla="*/ 0 w 4466897"/>
+              <a:gd name="connsiteY0" fmla="*/ 2869324 h 2869324"/>
+              <a:gd name="connsiteX1" fmla="*/ 1891862 w 4466897"/>
+              <a:gd name="connsiteY1" fmla="*/ 2039006 h 2869324"/>
+              <a:gd name="connsiteX2" fmla="*/ 2659118 w 4466897"/>
+              <a:gd name="connsiteY2" fmla="*/ 2249214 h 2869324"/>
+              <a:gd name="connsiteX3" fmla="*/ 4466897 w 4466897"/>
+              <a:gd name="connsiteY3" fmla="*/ 0 h 2869324"/>
+              <a:gd name="connsiteX0" fmla="*/ 0 w 3710152"/>
+              <a:gd name="connsiteY0" fmla="*/ 2123089 h 2123089"/>
+              <a:gd name="connsiteX1" fmla="*/ 1891862 w 3710152"/>
+              <a:gd name="connsiteY1" fmla="*/ 1292771 h 2123089"/>
+              <a:gd name="connsiteX2" fmla="*/ 2659118 w 3710152"/>
+              <a:gd name="connsiteY2" fmla="*/ 1502979 h 2123089"/>
+              <a:gd name="connsiteX3" fmla="*/ 3710152 w 3710152"/>
+              <a:gd name="connsiteY3" fmla="*/ 0 h 2123089"/>
+              <a:gd name="connsiteX0" fmla="*/ 0 w 3174124"/>
+              <a:gd name="connsiteY0" fmla="*/ 1912882 h 1912882"/>
+              <a:gd name="connsiteX1" fmla="*/ 1355834 w 3174124"/>
+              <a:gd name="connsiteY1" fmla="*/ 1292771 h 1912882"/>
+              <a:gd name="connsiteX2" fmla="*/ 2123090 w 3174124"/>
+              <a:gd name="connsiteY2" fmla="*/ 1502979 h 1912882"/>
+              <a:gd name="connsiteX3" fmla="*/ 3174124 w 3174124"/>
+              <a:gd name="connsiteY3" fmla="*/ 0 h 1912882"/>
+              <a:gd name="connsiteX0" fmla="*/ 0 w 3174124"/>
+              <a:gd name="connsiteY0" fmla="*/ 1912882 h 1912882"/>
+              <a:gd name="connsiteX1" fmla="*/ 1355834 w 3174124"/>
+              <a:gd name="connsiteY1" fmla="*/ 1292771 h 1912882"/>
+              <a:gd name="connsiteX2" fmla="*/ 2112580 w 3174124"/>
+              <a:gd name="connsiteY2" fmla="*/ 1408386 h 1912882"/>
+              <a:gd name="connsiteX3" fmla="*/ 3174124 w 3174124"/>
+              <a:gd name="connsiteY3" fmla="*/ 0 h 1912882"/>
+              <a:gd name="connsiteX0" fmla="*/ 0 w 3870977"/>
+              <a:gd name="connsiteY0" fmla="*/ 2530720 h 2530720"/>
+              <a:gd name="connsiteX1" fmla="*/ 2052687 w 3870977"/>
+              <a:gd name="connsiteY1" fmla="*/ 1292771 h 2530720"/>
+              <a:gd name="connsiteX2" fmla="*/ 2809433 w 3870977"/>
+              <a:gd name="connsiteY2" fmla="*/ 1408386 h 2530720"/>
+              <a:gd name="connsiteX3" fmla="*/ 3870977 w 3870977"/>
+              <a:gd name="connsiteY3" fmla="*/ 0 h 2530720"/>
+              <a:gd name="connsiteX0" fmla="*/ 0 w 3870977"/>
+              <a:gd name="connsiteY0" fmla="*/ 2530720 h 2530720"/>
+              <a:gd name="connsiteX1" fmla="*/ 2001448 w 3870977"/>
+              <a:gd name="connsiteY1" fmla="*/ 1589333 h 2530720"/>
+              <a:gd name="connsiteX2" fmla="*/ 2809433 w 3870977"/>
+              <a:gd name="connsiteY2" fmla="*/ 1408386 h 2530720"/>
+              <a:gd name="connsiteX3" fmla="*/ 3870977 w 3870977"/>
+              <a:gd name="connsiteY3" fmla="*/ 0 h 2530720"/>
+              <a:gd name="connsiteX0" fmla="*/ 0 w 3870977"/>
+              <a:gd name="connsiteY0" fmla="*/ 2530720 h 2530720"/>
+              <a:gd name="connsiteX1" fmla="*/ 2001448 w 3870977"/>
+              <a:gd name="connsiteY1" fmla="*/ 1589333 h 2530720"/>
+              <a:gd name="connsiteX2" fmla="*/ 2758194 w 3870977"/>
+              <a:gd name="connsiteY2" fmla="*/ 1791445 h 2530720"/>
+              <a:gd name="connsiteX3" fmla="*/ 3870977 w 3870977"/>
+              <a:gd name="connsiteY3" fmla="*/ 0 h 2530720"/>
+              <a:gd name="connsiteX0" fmla="*/ 0 w 3870977"/>
+              <a:gd name="connsiteY0" fmla="*/ 2530720 h 2530720"/>
+              <a:gd name="connsiteX1" fmla="*/ 2001448 w 3870977"/>
+              <a:gd name="connsiteY1" fmla="*/ 1589333 h 2530720"/>
+              <a:gd name="connsiteX2" fmla="*/ 2758194 w 3870977"/>
+              <a:gd name="connsiteY2" fmla="*/ 1890299 h 2530720"/>
+              <a:gd name="connsiteX3" fmla="*/ 3870977 w 3870977"/>
+              <a:gd name="connsiteY3" fmla="*/ 0 h 2530720"/>
+              <a:gd name="connsiteX0" fmla="*/ 0 w 4147669"/>
+              <a:gd name="connsiteY0" fmla="*/ 2518364 h 2518364"/>
+              <a:gd name="connsiteX1" fmla="*/ 2001448 w 4147669"/>
+              <a:gd name="connsiteY1" fmla="*/ 1576977 h 2518364"/>
+              <a:gd name="connsiteX2" fmla="*/ 2758194 w 4147669"/>
+              <a:gd name="connsiteY2" fmla="*/ 1877943 h 2518364"/>
+              <a:gd name="connsiteX3" fmla="*/ 4147669 w 4147669"/>
+              <a:gd name="connsiteY3" fmla="*/ 0 h 2518364"/>
+              <a:gd name="connsiteX0" fmla="*/ 0 w 4147669"/>
+              <a:gd name="connsiteY0" fmla="*/ 2518364 h 2518364"/>
+              <a:gd name="connsiteX1" fmla="*/ 1778622 w 4147669"/>
+              <a:gd name="connsiteY1" fmla="*/ 1542540 h 2518364"/>
+              <a:gd name="connsiteX2" fmla="*/ 2758194 w 4147669"/>
+              <a:gd name="connsiteY2" fmla="*/ 1877943 h 2518364"/>
+              <a:gd name="connsiteX3" fmla="*/ 4147669 w 4147669"/>
+              <a:gd name="connsiteY3" fmla="*/ 0 h 2518364"/>
+              <a:gd name="connsiteX0" fmla="*/ 0 w 4147669"/>
+              <a:gd name="connsiteY0" fmla="*/ 2518364 h 2518364"/>
+              <a:gd name="connsiteX1" fmla="*/ 1778622 w 4147669"/>
+              <a:gd name="connsiteY1" fmla="*/ 1542540 h 2518364"/>
+              <a:gd name="connsiteX2" fmla="*/ 2542332 w 4147669"/>
+              <a:gd name="connsiteY2" fmla="*/ 1886552 h 2518364"/>
+              <a:gd name="connsiteX3" fmla="*/ 4147669 w 4147669"/>
+              <a:gd name="connsiteY3" fmla="*/ 0 h 2518364"/>
+              <a:gd name="connsiteX0" fmla="*/ 0 w 4161596"/>
+              <a:gd name="connsiteY0" fmla="*/ 2372008 h 2372008"/>
+              <a:gd name="connsiteX1" fmla="*/ 1778622 w 4161596"/>
+              <a:gd name="connsiteY1" fmla="*/ 1396184 h 2372008"/>
+              <a:gd name="connsiteX2" fmla="*/ 2542332 w 4161596"/>
+              <a:gd name="connsiteY2" fmla="*/ 1740196 h 2372008"/>
+              <a:gd name="connsiteX3" fmla="*/ 4161596 w 4161596"/>
+              <a:gd name="connsiteY3" fmla="*/ 0 h 2372008"/>
+              <a:gd name="connsiteX0" fmla="*/ 0 w 4161596"/>
+              <a:gd name="connsiteY0" fmla="*/ 2372008 h 2372008"/>
+              <a:gd name="connsiteX1" fmla="*/ 1778622 w 4161596"/>
+              <a:gd name="connsiteY1" fmla="*/ 1396184 h 2372008"/>
+              <a:gd name="connsiteX2" fmla="*/ 2479662 w 4161596"/>
+              <a:gd name="connsiteY2" fmla="*/ 1791852 h 2372008"/>
+              <a:gd name="connsiteX3" fmla="*/ 4161596 w 4161596"/>
+              <a:gd name="connsiteY3" fmla="*/ 0 h 2372008"/>
+              <a:gd name="connsiteX0" fmla="*/ 0 w 4161596"/>
+              <a:gd name="connsiteY0" fmla="*/ 2372008 h 2372008"/>
+              <a:gd name="connsiteX1" fmla="*/ 1778622 w 4161596"/>
+              <a:gd name="connsiteY1" fmla="*/ 1396184 h 2372008"/>
+              <a:gd name="connsiteX2" fmla="*/ 2479662 w 4161596"/>
+              <a:gd name="connsiteY2" fmla="*/ 1791852 h 2372008"/>
+              <a:gd name="connsiteX3" fmla="*/ 4161596 w 4161596"/>
+              <a:gd name="connsiteY3" fmla="*/ 0 h 2372008"/>
+              <a:gd name="connsiteX0" fmla="*/ 0 w 4161596"/>
+              <a:gd name="connsiteY0" fmla="*/ 2372008 h 2372008"/>
+              <a:gd name="connsiteX1" fmla="*/ 1778622 w 4161596"/>
+              <a:gd name="connsiteY1" fmla="*/ 1396184 h 2372008"/>
+              <a:gd name="connsiteX2" fmla="*/ 2479662 w 4161596"/>
+              <a:gd name="connsiteY2" fmla="*/ 1791852 h 2372008"/>
+              <a:gd name="connsiteX3" fmla="*/ 4161596 w 4161596"/>
+              <a:gd name="connsiteY3" fmla="*/ 0 h 2372008"/>
+              <a:gd name="connsiteX0" fmla="*/ 0 w 4161596"/>
+              <a:gd name="connsiteY0" fmla="*/ 2492536 h 2492536"/>
+              <a:gd name="connsiteX1" fmla="*/ 1778622 w 4161596"/>
+              <a:gd name="connsiteY1" fmla="*/ 1516712 h 2492536"/>
+              <a:gd name="connsiteX2" fmla="*/ 2479662 w 4161596"/>
+              <a:gd name="connsiteY2" fmla="*/ 1912380 h 2492536"/>
+              <a:gd name="connsiteX3" fmla="*/ 4161596 w 4161596"/>
+              <a:gd name="connsiteY3" fmla="*/ 0 h 2492536"/>
+              <a:gd name="connsiteX0" fmla="*/ 0 w 4161596"/>
+              <a:gd name="connsiteY0" fmla="*/ 2492536 h 2492536"/>
+              <a:gd name="connsiteX1" fmla="*/ 1778622 w 4161596"/>
+              <a:gd name="connsiteY1" fmla="*/ 1516712 h 2492536"/>
+              <a:gd name="connsiteX2" fmla="*/ 2479662 w 4161596"/>
+              <a:gd name="connsiteY2" fmla="*/ 1912380 h 2492536"/>
+              <a:gd name="connsiteX3" fmla="*/ 4161596 w 4161596"/>
+              <a:gd name="connsiteY3" fmla="*/ 0 h 2492536"/>
+              <a:gd name="connsiteX0" fmla="*/ 0 w 4161596"/>
+              <a:gd name="connsiteY0" fmla="*/ 2492536 h 2492536"/>
+              <a:gd name="connsiteX1" fmla="*/ 1778622 w 4161596"/>
+              <a:gd name="connsiteY1" fmla="*/ 1516712 h 2492536"/>
+              <a:gd name="connsiteX2" fmla="*/ 2479662 w 4161596"/>
+              <a:gd name="connsiteY2" fmla="*/ 1912380 h 2492536"/>
+              <a:gd name="connsiteX3" fmla="*/ 4161596 w 4161596"/>
+              <a:gd name="connsiteY3" fmla="*/ 0 h 2492536"/>
+              <a:gd name="connsiteX0" fmla="*/ 0 w 4161596"/>
+              <a:gd name="connsiteY0" fmla="*/ 2492536 h 2492536"/>
+              <a:gd name="connsiteX1" fmla="*/ 1778622 w 4161596"/>
+              <a:gd name="connsiteY1" fmla="*/ 1516712 h 2492536"/>
+              <a:gd name="connsiteX2" fmla="*/ 2479662 w 4161596"/>
+              <a:gd name="connsiteY2" fmla="*/ 1912380 h 2492536"/>
+              <a:gd name="connsiteX3" fmla="*/ 4161596 w 4161596"/>
+              <a:gd name="connsiteY3" fmla="*/ 0 h 2492536"/>
+              <a:gd name="connsiteX0" fmla="*/ 0 w 4161596"/>
+              <a:gd name="connsiteY0" fmla="*/ 2492536 h 2492536"/>
+              <a:gd name="connsiteX1" fmla="*/ 1778622 w 4161596"/>
+              <a:gd name="connsiteY1" fmla="*/ 1516712 h 2492536"/>
+              <a:gd name="connsiteX2" fmla="*/ 2479662 w 4161596"/>
+              <a:gd name="connsiteY2" fmla="*/ 1912380 h 2492536"/>
+              <a:gd name="connsiteX3" fmla="*/ 4161596 w 4161596"/>
+              <a:gd name="connsiteY3" fmla="*/ 0 h 2492536"/>
+              <a:gd name="connsiteX0" fmla="*/ 0 w 4029293"/>
+              <a:gd name="connsiteY0" fmla="*/ 2483927 h 2483927"/>
+              <a:gd name="connsiteX1" fmla="*/ 1778622 w 4029293"/>
+              <a:gd name="connsiteY1" fmla="*/ 1508103 h 2483927"/>
+              <a:gd name="connsiteX2" fmla="*/ 2479662 w 4029293"/>
+              <a:gd name="connsiteY2" fmla="*/ 1903771 h 2483927"/>
+              <a:gd name="connsiteX3" fmla="*/ 4029293 w 4029293"/>
+              <a:gd name="connsiteY3" fmla="*/ 0 h 2483927"/>
+              <a:gd name="connsiteX0" fmla="*/ 0 w 4029293"/>
+              <a:gd name="connsiteY0" fmla="*/ 2483927 h 2483927"/>
+              <a:gd name="connsiteX1" fmla="*/ 1778622 w 4029293"/>
+              <a:gd name="connsiteY1" fmla="*/ 1508103 h 2483927"/>
+              <a:gd name="connsiteX2" fmla="*/ 2479662 w 4029293"/>
+              <a:gd name="connsiteY2" fmla="*/ 1903771 h 2483927"/>
+              <a:gd name="connsiteX3" fmla="*/ 4029293 w 4029293"/>
+              <a:gd name="connsiteY3" fmla="*/ 0 h 2483927"/>
+            </a:gdLst>
+            <a:ahLst/>
+            <a:cxnLst>
+              <a:cxn ang="0">
+                <a:pos x="connsiteX0" y="connsiteY0"/>
+              </a:cxn>
+              <a:cxn ang="0">
+                <a:pos x="connsiteX1" y="connsiteY1"/>
+              </a:cxn>
+              <a:cxn ang="0">
+                <a:pos x="connsiteX2" y="connsiteY2"/>
+              </a:cxn>
+              <a:cxn ang="0">
+                <a:pos x="connsiteX3" y="connsiteY3"/>
+              </a:cxn>
+            </a:cxnLst>
+            <a:rect l="l" t="t" r="r" b="b"/>
+            <a:pathLst>
+              <a:path w="4029293" h="2483927">
+                <a:moveTo>
+                  <a:pt x="0" y="2483927"/>
+                </a:moveTo>
+                <a:cubicBezTo>
+                  <a:pt x="569310" y="2048623"/>
+                  <a:pt x="1365345" y="1604796"/>
+                  <a:pt x="1778622" y="1508103"/>
+                </a:cubicBezTo>
+                <a:cubicBezTo>
+                  <a:pt x="2191899" y="1411410"/>
+                  <a:pt x="2114996" y="1925542"/>
+                  <a:pt x="2479662" y="1903771"/>
+                </a:cubicBezTo>
+                <a:cubicBezTo>
+                  <a:pt x="3011447" y="1838953"/>
+                  <a:pt x="3812263" y="944266"/>
+                  <a:pt x="4029293" y="0"/>
+                </a:cubicBezTo>
+              </a:path>
+            </a:pathLst>
+          </a:custGeom>
           <a:noFill/>
-        </p:spPr>
-        <p:txBody>
-          <a:bodyPr wrap="none" rtlCol="0">
-            <a:spAutoFit/>
-          </a:bodyPr>
-          <a:lstStyle/>
-          <a:p>
-            <a:r>
-              <a:rPr lang="en-US" dirty="0"/>
-              <a:t>-Demo that shiny is a good tool</a:t>
-            </a:r>
-          </a:p>
-          <a:p>
-            <a:r>
-              <a:rPr lang="en-US" dirty="0"/>
-              <a:t>-use national data sources first, then get into regional specifications/refinements</a:t>
-            </a:r>
-          </a:p>
-          <a:p>
-            <a:r>
-              <a:rPr lang="en-US" dirty="0"/>
-              <a:t>-describe benefit of </a:t>
-            </a:r>
-            <a:r>
-              <a:rPr lang="en-US" dirty="0" err="1"/>
-              <a:t>eva</a:t>
-            </a:r>
-            <a:r>
-              <a:rPr lang="en-US" dirty="0"/>
-              <a:t> for planning folks</a:t>
-            </a:r>
+          <a:ln w="381000">
+            <a:solidFill>
+              <a:schemeClr val="accent1">
+                <a:lumMod val="75000"/>
+              </a:schemeClr>
+            </a:solidFill>
+            <a:tailEnd type="triangle"/>
+          </a:ln>
+        </p:spPr>
+        <p:style>
+          <a:lnRef idx="2">
+            <a:schemeClr val="accent1">
+              <a:shade val="50000"/>
+            </a:schemeClr>
+          </a:lnRef>
+          <a:fillRef idx="1">
+            <a:schemeClr val="accent1"/>
+          </a:fillRef>
+          <a:effectRef idx="0">
+            <a:schemeClr val="accent1"/>
+          </a:effectRef>
+          <a:fontRef idx="minor">
+            <a:schemeClr val="lt1"/>
+          </a:fontRef>
+        </p:style>
+        <p:txBody>
+          <a:bodyPr rtlCol="0" anchor="ctr"/>
+          <a:lstStyle/>
+          <a:p>
+            <a:pPr algn="ctr"/>
+            <a:endParaRPr lang="en-US" dirty="0"/>
           </a:p>
         </p:txBody>
       </p:sp>
     </p:spTree>
     <p:extLst>
       <p:ext uri="{BB962C8B-B14F-4D97-AF65-F5344CB8AC3E}">
-        <p14:creationId xmlns:p14="http://schemas.microsoft.com/office/powerpoint/2010/main" val="3316821137"/>
+        <p14:creationId xmlns:p14="http://schemas.microsoft.com/office/powerpoint/2010/main" val="61990263"/>
       </p:ext>
     </p:extLst>
   </p:cSld>
